--- a/ResultPresentation.pptx
+++ b/ResultPresentation.pptx
@@ -14,6 +14,9 @@
     <p:sldId id="262" r:id="rId8"/>
     <p:sldId id="263" r:id="rId9"/>
     <p:sldId id="264" r:id="rId10"/>
+    <p:sldId id="265" r:id="rId11"/>
+    <p:sldId id="266" r:id="rId12"/>
+    <p:sldId id="267" r:id="rId13"/>
   </p:sldIdLst>
   <p:sldSz cx="9144000" cy="6858000" type="screen4x3"/>
   <p:notesSz cx="6858000" cy="9144000"/>
@@ -3163,6 +3166,1558 @@
 </p:sld>
 </file>
 
+<file path=ppt/slides/slide10.xml><?xml version="1.0" encoding="utf-8"?>
+<p:sld xmlns:a="http://schemas.openxmlformats.org/drawingml/2006/main" xmlns:r="http://schemas.openxmlformats.org/officeDocument/2006/relationships" xmlns:p="http://schemas.openxmlformats.org/presentationml/2006/main">
+  <p:cSld>
+    <p:spTree>
+      <p:nvGrpSpPr>
+        <p:cNvPr id="1" name=""/>
+        <p:cNvGrpSpPr/>
+        <p:nvPr/>
+      </p:nvGrpSpPr>
+      <p:grpSpPr>
+        <a:xfrm>
+          <a:off x="0" y="0"/>
+          <a:ext cx="0" cy="0"/>
+          <a:chOff x="0" y="0"/>
+          <a:chExt cx="0" cy="0"/>
+        </a:xfrm>
+      </p:grpSpPr>
+      <p:sp>
+        <p:nvSpPr>
+          <p:cNvPr id="2" name="Titolo 1"/>
+          <p:cNvSpPr>
+            <a:spLocks noGrp="1"/>
+          </p:cNvSpPr>
+          <p:nvPr>
+            <p:ph type="title"/>
+          </p:nvPr>
+        </p:nvSpPr>
+        <p:spPr/>
+        <p:txBody>
+          <a:bodyPr/>
+          <a:lstStyle/>
+          <a:p>
+            <a:r>
+              <a:rPr lang="en-US" dirty="0" smtClean="0">
+                <a:solidFill>
+                  <a:srgbClr val="4F81BD"/>
+                </a:solidFill>
+              </a:rPr>
+              <a:t>1 Region 1 Lab</a:t>
+            </a:r>
+            <a:endParaRPr lang="en-US" dirty="0">
+              <a:solidFill>
+                <a:srgbClr val="4F81BD"/>
+              </a:solidFill>
+            </a:endParaRPr>
+          </a:p>
+        </p:txBody>
+      </p:sp>
+      <p:sp>
+        <p:nvSpPr>
+          <p:cNvPr id="3" name="Segnaposto contenuto 2"/>
+          <p:cNvSpPr>
+            <a:spLocks noGrp="1"/>
+          </p:cNvSpPr>
+          <p:nvPr>
+            <p:ph idx="1"/>
+          </p:nvPr>
+        </p:nvSpPr>
+        <p:spPr/>
+        <p:txBody>
+          <a:bodyPr/>
+          <a:lstStyle/>
+          <a:p>
+            <a:pPr marL="0" indent="0">
+              <a:buNone/>
+            </a:pPr>
+            <a:r>
+              <a:rPr lang="en-US" dirty="0" smtClean="0"/>
+              <a:t>Even with the problem generated with only for placing 1 region that needs 1 LAB block we can see the difference between the discretizing and completely free approach:</a:t>
+            </a:r>
+          </a:p>
+          <a:p>
+            <a:r>
+              <a:rPr lang="en-US" dirty="0" smtClean="0"/>
+              <a:t>With Discretization: Time to optimize=0.5 sec</a:t>
+            </a:r>
+          </a:p>
+          <a:p>
+            <a:r>
+              <a:rPr lang="en-US" dirty="0" smtClean="0"/>
+              <a:t>Complete Freedom: Time to optimize=163 sec</a:t>
+            </a:r>
+            <a:endParaRPr lang="en-US" dirty="0"/>
+          </a:p>
+        </p:txBody>
+      </p:sp>
+    </p:spTree>
+    <p:extLst>
+      <p:ext uri="{BB962C8B-B14F-4D97-AF65-F5344CB8AC3E}">
+        <p14:creationId xmlns:p14="http://schemas.microsoft.com/office/powerpoint/2010/main" val="3989796236"/>
+      </p:ext>
+    </p:extLst>
+  </p:cSld>
+  <p:clrMapOvr>
+    <a:masterClrMapping/>
+  </p:clrMapOvr>
+</p:sld>
+</file>
+
+<file path=ppt/slides/slide11.xml><?xml version="1.0" encoding="utf-8"?>
+<p:sld xmlns:a="http://schemas.openxmlformats.org/drawingml/2006/main" xmlns:r="http://schemas.openxmlformats.org/officeDocument/2006/relationships" xmlns:p="http://schemas.openxmlformats.org/presentationml/2006/main">
+  <p:cSld>
+    <p:spTree>
+      <p:nvGrpSpPr>
+        <p:cNvPr id="1" name=""/>
+        <p:cNvGrpSpPr/>
+        <p:nvPr/>
+      </p:nvGrpSpPr>
+      <p:grpSpPr>
+        <a:xfrm>
+          <a:off x="0" y="0"/>
+          <a:ext cx="0" cy="0"/>
+          <a:chOff x="0" y="0"/>
+          <a:chExt cx="0" cy="0"/>
+        </a:xfrm>
+      </p:grpSpPr>
+      <p:sp>
+        <p:nvSpPr>
+          <p:cNvPr id="2" name="Titolo 1"/>
+          <p:cNvSpPr>
+            <a:spLocks noGrp="1"/>
+          </p:cNvSpPr>
+          <p:nvPr>
+            <p:ph type="title"/>
+          </p:nvPr>
+        </p:nvSpPr>
+        <p:spPr/>
+        <p:txBody>
+          <a:bodyPr/>
+          <a:lstStyle/>
+          <a:p>
+            <a:r>
+              <a:rPr lang="en-US" dirty="0" smtClean="0">
+                <a:solidFill>
+                  <a:srgbClr val="4F81BD"/>
+                </a:solidFill>
+              </a:rPr>
+              <a:t>More Regions</a:t>
+            </a:r>
+            <a:endParaRPr lang="en-US" dirty="0">
+              <a:solidFill>
+                <a:srgbClr val="4F81BD"/>
+              </a:solidFill>
+            </a:endParaRPr>
+          </a:p>
+        </p:txBody>
+      </p:sp>
+      <p:sp>
+        <p:nvSpPr>
+          <p:cNvPr id="3" name="Segnaposto contenuto 2"/>
+          <p:cNvSpPr>
+            <a:spLocks noGrp="1"/>
+          </p:cNvSpPr>
+          <p:nvPr>
+            <p:ph idx="1"/>
+          </p:nvPr>
+        </p:nvSpPr>
+        <p:spPr/>
+        <p:txBody>
+          <a:bodyPr/>
+          <a:lstStyle/>
+          <a:p>
+            <a:pPr marL="0" indent="0">
+              <a:buNone/>
+            </a:pPr>
+            <a:r>
+              <a:rPr lang="en-US" dirty="0" smtClean="0"/>
+              <a:t>The next examples are generated using N regions with a requirement of 100 LAB and definitively discard the complete freedom approach.</a:t>
+            </a:r>
+            <a:endParaRPr lang="en-US" dirty="0"/>
+          </a:p>
+        </p:txBody>
+      </p:sp>
+    </p:spTree>
+    <p:extLst>
+      <p:ext uri="{BB962C8B-B14F-4D97-AF65-F5344CB8AC3E}">
+        <p14:creationId xmlns:p14="http://schemas.microsoft.com/office/powerpoint/2010/main" val="2797774029"/>
+      </p:ext>
+    </p:extLst>
+  </p:cSld>
+  <p:clrMapOvr>
+    <a:masterClrMapping/>
+  </p:clrMapOvr>
+</p:sld>
+</file>
+
+<file path=ppt/slides/slide12.xml><?xml version="1.0" encoding="utf-8"?>
+<p:sld xmlns:a="http://schemas.openxmlformats.org/drawingml/2006/main" xmlns:r="http://schemas.openxmlformats.org/officeDocument/2006/relationships" xmlns:p="http://schemas.openxmlformats.org/presentationml/2006/main">
+  <p:cSld>
+    <p:spTree>
+      <p:nvGrpSpPr>
+        <p:cNvPr id="1" name=""/>
+        <p:cNvGrpSpPr/>
+        <p:nvPr/>
+      </p:nvGrpSpPr>
+      <p:grpSpPr>
+        <a:xfrm>
+          <a:off x="0" y="0"/>
+          <a:ext cx="0" cy="0"/>
+          <a:chOff x="0" y="0"/>
+          <a:chExt cx="0" cy="0"/>
+        </a:xfrm>
+      </p:grpSpPr>
+      <p:sp>
+        <p:nvSpPr>
+          <p:cNvPr id="2" name="Titolo 1"/>
+          <p:cNvSpPr>
+            <a:spLocks noGrp="1"/>
+          </p:cNvSpPr>
+          <p:nvPr>
+            <p:ph type="title"/>
+          </p:nvPr>
+        </p:nvSpPr>
+        <p:spPr/>
+        <p:txBody>
+          <a:bodyPr/>
+          <a:lstStyle/>
+          <a:p>
+            <a:r>
+              <a:rPr lang="en-US" dirty="0" smtClean="0">
+                <a:solidFill>
+                  <a:srgbClr val="4F81BD"/>
+                </a:solidFill>
+              </a:rPr>
+              <a:t>More Regions Results</a:t>
+            </a:r>
+            <a:endParaRPr lang="en-US" dirty="0">
+              <a:solidFill>
+                <a:srgbClr val="4F81BD"/>
+              </a:solidFill>
+            </a:endParaRPr>
+          </a:p>
+        </p:txBody>
+      </p:sp>
+      <p:graphicFrame>
+        <p:nvGraphicFramePr>
+          <p:cNvPr id="4" name="Segnaposto contenuto 3"/>
+          <p:cNvGraphicFramePr>
+            <a:graphicFrameLocks noGrp="1"/>
+          </p:cNvGraphicFramePr>
+          <p:nvPr>
+            <p:ph idx="1"/>
+            <p:extLst>
+              <p:ext uri="{D42A27DB-BD31-4B8C-83A1-F6EECF244321}">
+                <p14:modId xmlns:p14="http://schemas.microsoft.com/office/powerpoint/2010/main" val="3051083007"/>
+              </p:ext>
+            </p:extLst>
+          </p:nvPr>
+        </p:nvGraphicFramePr>
+        <p:xfrm>
+          <a:off x="457200" y="1600200"/>
+          <a:ext cx="8229600" cy="2595880"/>
+        </p:xfrm>
+        <a:graphic>
+          <a:graphicData uri="http://schemas.openxmlformats.org/drawingml/2006/table">
+            <a:tbl>
+              <a:tblPr firstRow="1" bandRow="1">
+                <a:tableStyleId>{BDBED569-4797-4DF1-A0F4-6AAB3CD982D8}</a:tableStyleId>
+              </a:tblPr>
+              <a:tblGrid>
+                <a:gridCol w="1645920"/>
+                <a:gridCol w="1645920"/>
+                <a:gridCol w="1645920"/>
+                <a:gridCol w="1645920"/>
+                <a:gridCol w="1645920"/>
+              </a:tblGrid>
+              <a:tr h="370840">
+                <a:tc>
+                  <a:txBody>
+                    <a:bodyPr/>
+                    <a:lstStyle/>
+                    <a:p>
+                      <a:pPr algn="l" fontAlgn="b"/>
+                      <a:endParaRPr lang="it-IT" sz="1200" b="0" i="0" u="none" strike="noStrike" dirty="0">
+                        <a:solidFill>
+                          <a:srgbClr val="000000"/>
+                        </a:solidFill>
+                        <a:effectLst/>
+                        <a:latin typeface="Calibri"/>
+                      </a:endParaRPr>
+                    </a:p>
+                  </a:txBody>
+                  <a:tcPr marL="12700" marR="12700" marT="12700" marB="0" anchor="b"/>
+                </a:tc>
+                <a:tc gridSpan="2">
+                  <a:txBody>
+                    <a:bodyPr/>
+                    <a:lstStyle/>
+                    <a:p>
+                      <a:pPr algn="ctr" fontAlgn="b"/>
+                      <a:r>
+                        <a:rPr lang="it-IT" sz="1200" u="none" strike="noStrike">
+                          <a:effectLst/>
+                        </a:rPr>
+                        <a:t>Only Feasibility</a:t>
+                      </a:r>
+                      <a:endParaRPr lang="it-IT" sz="1200" b="0" i="0" u="none" strike="noStrike">
+                        <a:solidFill>
+                          <a:srgbClr val="000000"/>
+                        </a:solidFill>
+                        <a:effectLst/>
+                        <a:latin typeface="Calibri"/>
+                      </a:endParaRPr>
+                    </a:p>
+                  </a:txBody>
+                  <a:tcPr marL="12700" marR="12700" marT="12700" marB="0" anchor="b">
+                    <a:lnB w="38100" cap="flat" cmpd="sng" algn="ctr">
+                      <a:solidFill>
+                        <a:scrgbClr r="0" g="0" b="0"/>
+                      </a:solidFill>
+                      <a:prstDash val="solid"/>
+                      <a:round/>
+                      <a:headEnd type="none" w="med" len="med"/>
+                      <a:tailEnd type="none" w="med" len="med"/>
+                    </a:lnB>
+                  </a:tcPr>
+                </a:tc>
+                <a:tc hMerge="1">
+                  <a:txBody>
+                    <a:bodyPr/>
+                    <a:lstStyle/>
+                    <a:p>
+                      <a:endParaRPr lang="en-US"/>
+                    </a:p>
+                  </a:txBody>
+                  <a:tcPr/>
+                </a:tc>
+                <a:tc gridSpan="2">
+                  <a:txBody>
+                    <a:bodyPr/>
+                    <a:lstStyle/>
+                    <a:p>
+                      <a:pPr algn="ctr" fontAlgn="b"/>
+                      <a:r>
+                        <a:rPr lang="it-IT" sz="1200" u="none" strike="noStrike" dirty="0">
+                          <a:effectLst/>
+                        </a:rPr>
+                        <a:t>With </a:t>
+                      </a:r>
+                      <a:r>
+                        <a:rPr lang="it-IT" sz="1200" u="none" strike="noStrike" dirty="0" err="1">
+                          <a:effectLst/>
+                        </a:rPr>
+                        <a:t>Objective</a:t>
+                      </a:r>
+                      <a:r>
+                        <a:rPr lang="it-IT" sz="1200" u="none" strike="noStrike" dirty="0">
+                          <a:effectLst/>
+                        </a:rPr>
+                        <a:t> </a:t>
+                      </a:r>
+                      <a:r>
+                        <a:rPr lang="it-IT" sz="1200" u="none" strike="noStrike" dirty="0" err="1">
+                          <a:effectLst/>
+                        </a:rPr>
+                        <a:t>Function</a:t>
+                      </a:r>
+                      <a:endParaRPr lang="it-IT" sz="1200" b="0" i="0" u="none" strike="noStrike" dirty="0">
+                        <a:solidFill>
+                          <a:srgbClr val="000000"/>
+                        </a:solidFill>
+                        <a:effectLst/>
+                        <a:latin typeface="Calibri"/>
+                      </a:endParaRPr>
+                    </a:p>
+                  </a:txBody>
+                  <a:tcPr marL="12700" marR="12700" marT="12700" marB="0" anchor="b">
+                    <a:lnB w="38100" cap="flat" cmpd="sng" algn="ctr">
+                      <a:solidFill>
+                        <a:scrgbClr r="0" g="0" b="0"/>
+                      </a:solidFill>
+                      <a:prstDash val="solid"/>
+                      <a:round/>
+                      <a:headEnd type="none" w="med" len="med"/>
+                      <a:tailEnd type="none" w="med" len="med"/>
+                    </a:lnB>
+                  </a:tcPr>
+                </a:tc>
+                <a:tc hMerge="1">
+                  <a:txBody>
+                    <a:bodyPr/>
+                    <a:lstStyle/>
+                    <a:p>
+                      <a:endParaRPr lang="en-US"/>
+                    </a:p>
+                  </a:txBody>
+                  <a:tcPr/>
+                </a:tc>
+              </a:tr>
+              <a:tr h="370840">
+                <a:tc>
+                  <a:txBody>
+                    <a:bodyPr/>
+                    <a:lstStyle/>
+                    <a:p>
+                      <a:pPr algn="l" fontAlgn="b"/>
+                      <a:r>
+                        <a:rPr lang="it-IT" sz="1200" u="none" strike="noStrike" dirty="0" err="1" smtClean="0">
+                          <a:effectLst/>
+                        </a:rPr>
+                        <a:t>N.Of</a:t>
+                      </a:r>
+                      <a:r>
+                        <a:rPr lang="it-IT" sz="1200" u="none" strike="noStrike" dirty="0" smtClean="0">
+                          <a:effectLst/>
+                        </a:rPr>
+                        <a:t> </a:t>
+                      </a:r>
+                      <a:r>
+                        <a:rPr lang="it-IT" sz="1200" u="none" strike="noStrike" dirty="0" err="1">
+                          <a:effectLst/>
+                        </a:rPr>
+                        <a:t>Regions</a:t>
+                      </a:r>
+                      <a:endParaRPr lang="it-IT" sz="1200" b="0" i="0" u="none" strike="noStrike" dirty="0">
+                        <a:solidFill>
+                          <a:srgbClr val="000000"/>
+                        </a:solidFill>
+                        <a:effectLst/>
+                        <a:latin typeface="Calibri"/>
+                      </a:endParaRPr>
+                    </a:p>
+                  </a:txBody>
+                  <a:tcPr marL="12700" marR="12700" marT="12700" marB="0" anchor="b">
+                    <a:lnR w="38100" cap="flat" cmpd="sng" algn="ctr">
+                      <a:solidFill>
+                        <a:scrgbClr r="0" g="0" b="0"/>
+                      </a:solidFill>
+                      <a:prstDash val="solid"/>
+                      <a:round/>
+                      <a:headEnd type="none" w="med" len="med"/>
+                      <a:tailEnd type="none" w="med" len="med"/>
+                    </a:lnR>
+                  </a:tcPr>
+                </a:tc>
+                <a:tc>
+                  <a:txBody>
+                    <a:bodyPr/>
+                    <a:lstStyle/>
+                    <a:p>
+                      <a:pPr algn="ctr" fontAlgn="b"/>
+                      <a:r>
+                        <a:rPr lang="it-IT" sz="1200" u="none" strike="noStrike" dirty="0" err="1">
+                          <a:effectLst/>
+                        </a:rPr>
+                        <a:t>Discretized</a:t>
+                      </a:r>
+                      <a:r>
+                        <a:rPr lang="it-IT" sz="1200" u="none" strike="noStrike" dirty="0">
+                          <a:effectLst/>
+                        </a:rPr>
+                        <a:t> Version</a:t>
+                      </a:r>
+                      <a:endParaRPr lang="it-IT" sz="1200" b="0" i="0" u="none" strike="noStrike" dirty="0">
+                        <a:solidFill>
+                          <a:srgbClr val="000000"/>
+                        </a:solidFill>
+                        <a:effectLst/>
+                        <a:latin typeface="Calibri"/>
+                      </a:endParaRPr>
+                    </a:p>
+                  </a:txBody>
+                  <a:tcPr marL="12700" marR="12700" marT="12700" marB="0" anchor="b">
+                    <a:lnL w="38100" cap="flat" cmpd="sng" algn="ctr">
+                      <a:solidFill>
+                        <a:scrgbClr r="0" g="0" b="0"/>
+                      </a:solidFill>
+                      <a:prstDash val="solid"/>
+                      <a:round/>
+                      <a:headEnd type="none" w="med" len="med"/>
+                      <a:tailEnd type="none" w="med" len="med"/>
+                    </a:lnL>
+                    <a:lnT w="38100" cap="flat" cmpd="sng" algn="ctr">
+                      <a:solidFill>
+                        <a:scrgbClr r="0" g="0" b="0"/>
+                      </a:solidFill>
+                      <a:prstDash val="solid"/>
+                      <a:round/>
+                      <a:headEnd type="none" w="med" len="med"/>
+                      <a:tailEnd type="none" w="med" len="med"/>
+                    </a:lnT>
+                  </a:tcPr>
+                </a:tc>
+                <a:tc>
+                  <a:txBody>
+                    <a:bodyPr/>
+                    <a:lstStyle/>
+                    <a:p>
+                      <a:pPr algn="ctr" fontAlgn="b"/>
+                      <a:r>
+                        <a:rPr lang="it-IT" sz="1200" u="none" strike="noStrike">
+                          <a:effectLst/>
+                        </a:rPr>
+                        <a:t>Complete Version</a:t>
+                      </a:r>
+                      <a:endParaRPr lang="it-IT" sz="1200" b="0" i="0" u="none" strike="noStrike">
+                        <a:solidFill>
+                          <a:srgbClr val="000000"/>
+                        </a:solidFill>
+                        <a:effectLst/>
+                        <a:latin typeface="Calibri"/>
+                      </a:endParaRPr>
+                    </a:p>
+                  </a:txBody>
+                  <a:tcPr marL="12700" marR="12700" marT="12700" marB="0" anchor="b">
+                    <a:lnR w="38100" cap="flat" cmpd="sng" algn="ctr">
+                      <a:solidFill>
+                        <a:scrgbClr r="0" g="0" b="0"/>
+                      </a:solidFill>
+                      <a:prstDash val="solid"/>
+                      <a:round/>
+                      <a:headEnd type="none" w="med" len="med"/>
+                      <a:tailEnd type="none" w="med" len="med"/>
+                    </a:lnR>
+                    <a:lnT w="38100" cap="flat" cmpd="sng" algn="ctr">
+                      <a:solidFill>
+                        <a:scrgbClr r="0" g="0" b="0"/>
+                      </a:solidFill>
+                      <a:prstDash val="solid"/>
+                      <a:round/>
+                      <a:headEnd type="none" w="med" len="med"/>
+                      <a:tailEnd type="none" w="med" len="med"/>
+                    </a:lnT>
+                  </a:tcPr>
+                </a:tc>
+                <a:tc>
+                  <a:txBody>
+                    <a:bodyPr/>
+                    <a:lstStyle/>
+                    <a:p>
+                      <a:pPr algn="ctr" fontAlgn="b"/>
+                      <a:r>
+                        <a:rPr lang="it-IT" sz="1200" u="none" strike="noStrike" dirty="0" err="1">
+                          <a:effectLst/>
+                        </a:rPr>
+                        <a:t>Discretized</a:t>
+                      </a:r>
+                      <a:r>
+                        <a:rPr lang="it-IT" sz="1200" u="none" strike="noStrike" dirty="0">
+                          <a:effectLst/>
+                        </a:rPr>
+                        <a:t> Version</a:t>
+                      </a:r>
+                      <a:endParaRPr lang="it-IT" sz="1200" b="0" i="0" u="none" strike="noStrike" dirty="0">
+                        <a:solidFill>
+                          <a:srgbClr val="000000"/>
+                        </a:solidFill>
+                        <a:effectLst/>
+                        <a:latin typeface="Calibri"/>
+                      </a:endParaRPr>
+                    </a:p>
+                  </a:txBody>
+                  <a:tcPr marL="12700" marR="12700" marT="12700" marB="0" anchor="b">
+                    <a:lnL w="38100" cap="flat" cmpd="sng" algn="ctr">
+                      <a:solidFill>
+                        <a:scrgbClr r="0" g="0" b="0"/>
+                      </a:solidFill>
+                      <a:prstDash val="solid"/>
+                      <a:round/>
+                      <a:headEnd type="none" w="med" len="med"/>
+                      <a:tailEnd type="none" w="med" len="med"/>
+                    </a:lnL>
+                    <a:lnT w="38100" cap="flat" cmpd="sng" algn="ctr">
+                      <a:solidFill>
+                        <a:scrgbClr r="0" g="0" b="0"/>
+                      </a:solidFill>
+                      <a:prstDash val="solid"/>
+                      <a:round/>
+                      <a:headEnd type="none" w="med" len="med"/>
+                      <a:tailEnd type="none" w="med" len="med"/>
+                    </a:lnT>
+                  </a:tcPr>
+                </a:tc>
+                <a:tc>
+                  <a:txBody>
+                    <a:bodyPr/>
+                    <a:lstStyle/>
+                    <a:p>
+                      <a:pPr algn="ctr" fontAlgn="b"/>
+                      <a:r>
+                        <a:rPr lang="it-IT" sz="1200" u="none" strike="noStrike">
+                          <a:effectLst/>
+                        </a:rPr>
+                        <a:t>Complete Version</a:t>
+                      </a:r>
+                      <a:endParaRPr lang="it-IT" sz="1200" b="0" i="0" u="none" strike="noStrike">
+                        <a:solidFill>
+                          <a:srgbClr val="000000"/>
+                        </a:solidFill>
+                        <a:effectLst/>
+                        <a:latin typeface="Calibri"/>
+                      </a:endParaRPr>
+                    </a:p>
+                  </a:txBody>
+                  <a:tcPr marL="12700" marR="12700" marT="12700" marB="0" anchor="b">
+                    <a:lnR w="38100" cap="flat" cmpd="sng" algn="ctr">
+                      <a:solidFill>
+                        <a:scrgbClr r="0" g="0" b="0"/>
+                      </a:solidFill>
+                      <a:prstDash val="solid"/>
+                      <a:round/>
+                      <a:headEnd type="none" w="med" len="med"/>
+                      <a:tailEnd type="none" w="med" len="med"/>
+                    </a:lnR>
+                    <a:lnT w="38100" cap="flat" cmpd="sng" algn="ctr">
+                      <a:solidFill>
+                        <a:scrgbClr r="0" g="0" b="0"/>
+                      </a:solidFill>
+                      <a:prstDash val="solid"/>
+                      <a:round/>
+                      <a:headEnd type="none" w="med" len="med"/>
+                      <a:tailEnd type="none" w="med" len="med"/>
+                    </a:lnT>
+                  </a:tcPr>
+                </a:tc>
+              </a:tr>
+              <a:tr h="370840">
+                <a:tc>
+                  <a:txBody>
+                    <a:bodyPr/>
+                    <a:lstStyle/>
+                    <a:p>
+                      <a:pPr algn="ctr" fontAlgn="b"/>
+                      <a:r>
+                        <a:rPr lang="it-IT" sz="1200" u="none" strike="noStrike" dirty="0">
+                          <a:effectLst/>
+                        </a:rPr>
+                        <a:t>1</a:t>
+                      </a:r>
+                      <a:endParaRPr lang="it-IT" sz="1200" b="0" i="0" u="none" strike="noStrike" dirty="0">
+                        <a:solidFill>
+                          <a:srgbClr val="000000"/>
+                        </a:solidFill>
+                        <a:effectLst/>
+                        <a:latin typeface="Calibri"/>
+                      </a:endParaRPr>
+                    </a:p>
+                  </a:txBody>
+                  <a:tcPr marL="12700" marR="12700" marT="12700" marB="0" anchor="b">
+                    <a:lnR w="38100" cap="flat" cmpd="sng" algn="ctr">
+                      <a:solidFill>
+                        <a:scrgbClr r="0" g="0" b="0"/>
+                      </a:solidFill>
+                      <a:prstDash val="solid"/>
+                      <a:round/>
+                      <a:headEnd type="none" w="med" len="med"/>
+                      <a:tailEnd type="none" w="med" len="med"/>
+                    </a:lnR>
+                  </a:tcPr>
+                </a:tc>
+                <a:tc>
+                  <a:txBody>
+                    <a:bodyPr/>
+                    <a:lstStyle/>
+                    <a:p>
+                      <a:pPr algn="ctr" fontAlgn="b"/>
+                      <a:r>
+                        <a:rPr lang="it-IT" sz="1200" u="none" strike="noStrike" dirty="0">
+                          <a:effectLst/>
+                        </a:rPr>
+                        <a:t>0.814</a:t>
+                      </a:r>
+                      <a:endParaRPr lang="it-IT" sz="1200" b="0" i="0" u="none" strike="noStrike" dirty="0">
+                        <a:solidFill>
+                          <a:srgbClr val="000000"/>
+                        </a:solidFill>
+                        <a:effectLst/>
+                        <a:latin typeface="Calibri"/>
+                      </a:endParaRPr>
+                    </a:p>
+                  </a:txBody>
+                  <a:tcPr marL="12700" marR="12700" marT="12700" marB="0" anchor="b">
+                    <a:lnL w="38100" cap="flat" cmpd="sng" algn="ctr">
+                      <a:solidFill>
+                        <a:scrgbClr r="0" g="0" b="0"/>
+                      </a:solidFill>
+                      <a:prstDash val="solid"/>
+                      <a:round/>
+                      <a:headEnd type="none" w="med" len="med"/>
+                      <a:tailEnd type="none" w="med" len="med"/>
+                    </a:lnL>
+                  </a:tcPr>
+                </a:tc>
+                <a:tc>
+                  <a:txBody>
+                    <a:bodyPr/>
+                    <a:lstStyle/>
+                    <a:p>
+                      <a:pPr algn="ctr" fontAlgn="b"/>
+                      <a:r>
+                        <a:rPr lang="it-IT" sz="1200" u="none" strike="noStrike" dirty="0" smtClean="0">
+                          <a:effectLst/>
+                        </a:rPr>
+                        <a:t>&gt;10 </a:t>
+                      </a:r>
+                      <a:r>
+                        <a:rPr lang="it-IT" sz="1200" u="none" strike="noStrike" dirty="0" err="1">
+                          <a:effectLst/>
+                        </a:rPr>
+                        <a:t>min</a:t>
+                      </a:r>
+                      <a:endParaRPr lang="it-IT" sz="1200" b="0" i="0" u="none" strike="noStrike" dirty="0">
+                        <a:solidFill>
+                          <a:srgbClr val="000000"/>
+                        </a:solidFill>
+                        <a:effectLst/>
+                        <a:latin typeface="Calibri"/>
+                      </a:endParaRPr>
+                    </a:p>
+                  </a:txBody>
+                  <a:tcPr marL="12700" marR="12700" marT="12700" marB="0" anchor="b">
+                    <a:lnR w="38100" cap="flat" cmpd="sng" algn="ctr">
+                      <a:solidFill>
+                        <a:scrgbClr r="0" g="0" b="0"/>
+                      </a:solidFill>
+                      <a:prstDash val="solid"/>
+                      <a:round/>
+                      <a:headEnd type="none" w="med" len="med"/>
+                      <a:tailEnd type="none" w="med" len="med"/>
+                    </a:lnR>
+                  </a:tcPr>
+                </a:tc>
+                <a:tc>
+                  <a:txBody>
+                    <a:bodyPr/>
+                    <a:lstStyle/>
+                    <a:p>
+                      <a:pPr algn="ctr" fontAlgn="b"/>
+                      <a:r>
+                        <a:rPr lang="it-IT" sz="1200" u="none" strike="noStrike" dirty="0">
+                          <a:effectLst/>
+                        </a:rPr>
+                        <a:t>0.809</a:t>
+                      </a:r>
+                      <a:endParaRPr lang="it-IT" sz="1200" b="0" i="0" u="none" strike="noStrike" dirty="0">
+                        <a:solidFill>
+                          <a:srgbClr val="000000"/>
+                        </a:solidFill>
+                        <a:effectLst/>
+                        <a:latin typeface="Calibri"/>
+                      </a:endParaRPr>
+                    </a:p>
+                  </a:txBody>
+                  <a:tcPr marL="12700" marR="12700" marT="12700" marB="0" anchor="b">
+                    <a:lnL w="38100" cap="flat" cmpd="sng" algn="ctr">
+                      <a:solidFill>
+                        <a:scrgbClr r="0" g="0" b="0"/>
+                      </a:solidFill>
+                      <a:prstDash val="solid"/>
+                      <a:round/>
+                      <a:headEnd type="none" w="med" len="med"/>
+                      <a:tailEnd type="none" w="med" len="med"/>
+                    </a:lnL>
+                  </a:tcPr>
+                </a:tc>
+                <a:tc>
+                  <a:txBody>
+                    <a:bodyPr/>
+                    <a:lstStyle/>
+                    <a:p>
+                      <a:pPr algn="ctr" fontAlgn="b"/>
+                      <a:r>
+                        <a:rPr lang="it-IT" sz="1200" u="none" strike="noStrike" dirty="0" smtClean="0">
+                          <a:effectLst/>
+                        </a:rPr>
+                        <a:t>&gt;10 </a:t>
+                      </a:r>
+                      <a:r>
+                        <a:rPr lang="it-IT" sz="1200" u="none" strike="noStrike" dirty="0" err="1">
+                          <a:effectLst/>
+                        </a:rPr>
+                        <a:t>min</a:t>
+                      </a:r>
+                      <a:endParaRPr lang="it-IT" sz="1200" b="0" i="0" u="none" strike="noStrike" dirty="0">
+                        <a:solidFill>
+                          <a:srgbClr val="000000"/>
+                        </a:solidFill>
+                        <a:effectLst/>
+                        <a:latin typeface="Calibri"/>
+                      </a:endParaRPr>
+                    </a:p>
+                  </a:txBody>
+                  <a:tcPr marL="12700" marR="12700" marT="12700" marB="0" anchor="b">
+                    <a:lnR w="38100" cap="flat" cmpd="sng" algn="ctr">
+                      <a:solidFill>
+                        <a:scrgbClr r="0" g="0" b="0"/>
+                      </a:solidFill>
+                      <a:prstDash val="solid"/>
+                      <a:round/>
+                      <a:headEnd type="none" w="med" len="med"/>
+                      <a:tailEnd type="none" w="med" len="med"/>
+                    </a:lnR>
+                  </a:tcPr>
+                </a:tc>
+              </a:tr>
+              <a:tr h="370840">
+                <a:tc>
+                  <a:txBody>
+                    <a:bodyPr/>
+                    <a:lstStyle/>
+                    <a:p>
+                      <a:pPr algn="ctr" fontAlgn="b"/>
+                      <a:r>
+                        <a:rPr lang="it-IT" sz="1200" u="none" strike="noStrike" dirty="0">
+                          <a:effectLst/>
+                        </a:rPr>
+                        <a:t>2</a:t>
+                      </a:r>
+                      <a:endParaRPr lang="it-IT" sz="1200" b="0" i="0" u="none" strike="noStrike" dirty="0">
+                        <a:solidFill>
+                          <a:srgbClr val="000000"/>
+                        </a:solidFill>
+                        <a:effectLst/>
+                        <a:latin typeface="Calibri"/>
+                      </a:endParaRPr>
+                    </a:p>
+                  </a:txBody>
+                  <a:tcPr marL="12700" marR="12700" marT="12700" marB="0" anchor="b">
+                    <a:lnR w="38100" cap="flat" cmpd="sng" algn="ctr">
+                      <a:solidFill>
+                        <a:scrgbClr r="0" g="0" b="0"/>
+                      </a:solidFill>
+                      <a:prstDash val="solid"/>
+                      <a:round/>
+                      <a:headEnd type="none" w="med" len="med"/>
+                      <a:tailEnd type="none" w="med" len="med"/>
+                    </a:lnR>
+                  </a:tcPr>
+                </a:tc>
+                <a:tc>
+                  <a:txBody>
+                    <a:bodyPr/>
+                    <a:lstStyle/>
+                    <a:p>
+                      <a:pPr algn="ctr" fontAlgn="b"/>
+                      <a:r>
+                        <a:rPr lang="it-IT" sz="1200" u="none" strike="noStrike" dirty="0">
+                          <a:effectLst/>
+                        </a:rPr>
+                        <a:t>1.477</a:t>
+                      </a:r>
+                      <a:endParaRPr lang="it-IT" sz="1200" b="0" i="0" u="none" strike="noStrike" dirty="0">
+                        <a:solidFill>
+                          <a:srgbClr val="000000"/>
+                        </a:solidFill>
+                        <a:effectLst/>
+                        <a:latin typeface="Calibri"/>
+                      </a:endParaRPr>
+                    </a:p>
+                  </a:txBody>
+                  <a:tcPr marL="12700" marR="12700" marT="12700" marB="0" anchor="b">
+                    <a:lnL w="38100" cap="flat" cmpd="sng" algn="ctr">
+                      <a:solidFill>
+                        <a:scrgbClr r="0" g="0" b="0"/>
+                      </a:solidFill>
+                      <a:prstDash val="solid"/>
+                      <a:round/>
+                      <a:headEnd type="none" w="med" len="med"/>
+                      <a:tailEnd type="none" w="med" len="med"/>
+                    </a:lnL>
+                  </a:tcPr>
+                </a:tc>
+                <a:tc>
+                  <a:txBody>
+                    <a:bodyPr/>
+                    <a:lstStyle/>
+                    <a:p>
+                      <a:pPr algn="ctr" fontAlgn="b"/>
+                      <a:r>
+                        <a:rPr lang="it-IT" sz="1200" u="none" strike="noStrike" dirty="0">
+                          <a:effectLst/>
+                        </a:rPr>
+                        <a:t>&gt;20 </a:t>
+                      </a:r>
+                      <a:r>
+                        <a:rPr lang="it-IT" sz="1200" u="none" strike="noStrike" dirty="0" err="1">
+                          <a:effectLst/>
+                        </a:rPr>
+                        <a:t>min</a:t>
+                      </a:r>
+                      <a:endParaRPr lang="it-IT" sz="1200" b="0" i="0" u="none" strike="noStrike" dirty="0">
+                        <a:solidFill>
+                          <a:srgbClr val="000000"/>
+                        </a:solidFill>
+                        <a:effectLst/>
+                        <a:latin typeface="Calibri"/>
+                      </a:endParaRPr>
+                    </a:p>
+                  </a:txBody>
+                  <a:tcPr marL="12700" marR="12700" marT="12700" marB="0" anchor="b">
+                    <a:lnR w="38100" cap="flat" cmpd="sng" algn="ctr">
+                      <a:solidFill>
+                        <a:scrgbClr r="0" g="0" b="0"/>
+                      </a:solidFill>
+                      <a:prstDash val="solid"/>
+                      <a:round/>
+                      <a:headEnd type="none" w="med" len="med"/>
+                      <a:tailEnd type="none" w="med" len="med"/>
+                    </a:lnR>
+                  </a:tcPr>
+                </a:tc>
+                <a:tc>
+                  <a:txBody>
+                    <a:bodyPr/>
+                    <a:lstStyle/>
+                    <a:p>
+                      <a:pPr algn="ctr" fontAlgn="b"/>
+                      <a:r>
+                        <a:rPr lang="it-IT" sz="1200" u="none" strike="noStrike" dirty="0">
+                          <a:effectLst/>
+                        </a:rPr>
+                        <a:t>1.622</a:t>
+                      </a:r>
+                      <a:endParaRPr lang="it-IT" sz="1200" b="0" i="0" u="none" strike="noStrike" dirty="0">
+                        <a:solidFill>
+                          <a:srgbClr val="000000"/>
+                        </a:solidFill>
+                        <a:effectLst/>
+                        <a:latin typeface="Calibri"/>
+                      </a:endParaRPr>
+                    </a:p>
+                  </a:txBody>
+                  <a:tcPr marL="12700" marR="12700" marT="12700" marB="0" anchor="b">
+                    <a:lnL w="38100" cap="flat" cmpd="sng" algn="ctr">
+                      <a:solidFill>
+                        <a:scrgbClr r="0" g="0" b="0"/>
+                      </a:solidFill>
+                      <a:prstDash val="solid"/>
+                      <a:round/>
+                      <a:headEnd type="none" w="med" len="med"/>
+                      <a:tailEnd type="none" w="med" len="med"/>
+                    </a:lnL>
+                  </a:tcPr>
+                </a:tc>
+                <a:tc>
+                  <a:txBody>
+                    <a:bodyPr/>
+                    <a:lstStyle/>
+                    <a:p>
+                      <a:pPr algn="ctr" fontAlgn="b"/>
+                      <a:r>
+                        <a:rPr lang="it-IT" sz="1200" u="none" strike="noStrike">
+                          <a:effectLst/>
+                        </a:rPr>
+                        <a:t>&gt;20 min</a:t>
+                      </a:r>
+                      <a:endParaRPr lang="it-IT" sz="1200" b="0" i="0" u="none" strike="noStrike">
+                        <a:solidFill>
+                          <a:srgbClr val="000000"/>
+                        </a:solidFill>
+                        <a:effectLst/>
+                        <a:latin typeface="Calibri"/>
+                      </a:endParaRPr>
+                    </a:p>
+                  </a:txBody>
+                  <a:tcPr marL="12700" marR="12700" marT="12700" marB="0" anchor="b">
+                    <a:lnR w="38100" cap="flat" cmpd="sng" algn="ctr">
+                      <a:solidFill>
+                        <a:scrgbClr r="0" g="0" b="0"/>
+                      </a:solidFill>
+                      <a:prstDash val="solid"/>
+                      <a:round/>
+                      <a:headEnd type="none" w="med" len="med"/>
+                      <a:tailEnd type="none" w="med" len="med"/>
+                    </a:lnR>
+                  </a:tcPr>
+                </a:tc>
+              </a:tr>
+              <a:tr h="370840">
+                <a:tc>
+                  <a:txBody>
+                    <a:bodyPr/>
+                    <a:lstStyle/>
+                    <a:p>
+                      <a:pPr algn="ctr" fontAlgn="b"/>
+                      <a:r>
+                        <a:rPr lang="it-IT" sz="1200" u="none" strike="noStrike" dirty="0">
+                          <a:effectLst/>
+                        </a:rPr>
+                        <a:t>3</a:t>
+                      </a:r>
+                      <a:endParaRPr lang="it-IT" sz="1200" b="0" i="0" u="none" strike="noStrike" dirty="0">
+                        <a:solidFill>
+                          <a:srgbClr val="000000"/>
+                        </a:solidFill>
+                        <a:effectLst/>
+                        <a:latin typeface="Calibri"/>
+                      </a:endParaRPr>
+                    </a:p>
+                  </a:txBody>
+                  <a:tcPr marL="12700" marR="12700" marT="12700" marB="0" anchor="b">
+                    <a:lnR w="38100" cap="flat" cmpd="sng" algn="ctr">
+                      <a:solidFill>
+                        <a:scrgbClr r="0" g="0" b="0"/>
+                      </a:solidFill>
+                      <a:prstDash val="solid"/>
+                      <a:round/>
+                      <a:headEnd type="none" w="med" len="med"/>
+                      <a:tailEnd type="none" w="med" len="med"/>
+                    </a:lnR>
+                  </a:tcPr>
+                </a:tc>
+                <a:tc>
+                  <a:txBody>
+                    <a:bodyPr/>
+                    <a:lstStyle/>
+                    <a:p>
+                      <a:pPr algn="ctr" fontAlgn="b"/>
+                      <a:r>
+                        <a:rPr lang="it-IT" sz="1200" u="none" strike="noStrike" dirty="0">
+                          <a:effectLst/>
+                        </a:rPr>
+                        <a:t>2.138</a:t>
+                      </a:r>
+                      <a:endParaRPr lang="it-IT" sz="1200" b="0" i="0" u="none" strike="noStrike" dirty="0">
+                        <a:solidFill>
+                          <a:srgbClr val="000000"/>
+                        </a:solidFill>
+                        <a:effectLst/>
+                        <a:latin typeface="Calibri"/>
+                      </a:endParaRPr>
+                    </a:p>
+                  </a:txBody>
+                  <a:tcPr marL="12700" marR="12700" marT="12700" marB="0" anchor="b">
+                    <a:lnL w="38100" cap="flat" cmpd="sng" algn="ctr">
+                      <a:solidFill>
+                        <a:scrgbClr r="0" g="0" b="0"/>
+                      </a:solidFill>
+                      <a:prstDash val="solid"/>
+                      <a:round/>
+                      <a:headEnd type="none" w="med" len="med"/>
+                      <a:tailEnd type="none" w="med" len="med"/>
+                    </a:lnL>
+                  </a:tcPr>
+                </a:tc>
+                <a:tc>
+                  <a:txBody>
+                    <a:bodyPr/>
+                    <a:lstStyle/>
+                    <a:p>
+                      <a:pPr algn="ctr" fontAlgn="b"/>
+                      <a:r>
+                        <a:rPr lang="it-IT" sz="1200" u="none" strike="noStrike" dirty="0">
+                          <a:effectLst/>
+                        </a:rPr>
+                        <a:t>&gt;20 </a:t>
+                      </a:r>
+                      <a:r>
+                        <a:rPr lang="it-IT" sz="1200" u="none" strike="noStrike" dirty="0" err="1">
+                          <a:effectLst/>
+                        </a:rPr>
+                        <a:t>min</a:t>
+                      </a:r>
+                      <a:endParaRPr lang="it-IT" sz="1200" b="0" i="0" u="none" strike="noStrike" dirty="0">
+                        <a:solidFill>
+                          <a:srgbClr val="000000"/>
+                        </a:solidFill>
+                        <a:effectLst/>
+                        <a:latin typeface="Calibri"/>
+                      </a:endParaRPr>
+                    </a:p>
+                  </a:txBody>
+                  <a:tcPr marL="12700" marR="12700" marT="12700" marB="0" anchor="b">
+                    <a:lnR w="38100" cap="flat" cmpd="sng" algn="ctr">
+                      <a:solidFill>
+                        <a:scrgbClr r="0" g="0" b="0"/>
+                      </a:solidFill>
+                      <a:prstDash val="solid"/>
+                      <a:round/>
+                      <a:headEnd type="none" w="med" len="med"/>
+                      <a:tailEnd type="none" w="med" len="med"/>
+                    </a:lnR>
+                  </a:tcPr>
+                </a:tc>
+                <a:tc>
+                  <a:txBody>
+                    <a:bodyPr/>
+                    <a:lstStyle/>
+                    <a:p>
+                      <a:pPr algn="ctr" fontAlgn="b"/>
+                      <a:r>
+                        <a:rPr lang="it-IT" sz="1200" u="none" strike="noStrike">
+                          <a:effectLst/>
+                        </a:rPr>
+                        <a:t>2.162</a:t>
+                      </a:r>
+                      <a:endParaRPr lang="it-IT" sz="1200" b="0" i="0" u="none" strike="noStrike">
+                        <a:solidFill>
+                          <a:srgbClr val="000000"/>
+                        </a:solidFill>
+                        <a:effectLst/>
+                        <a:latin typeface="Calibri"/>
+                      </a:endParaRPr>
+                    </a:p>
+                  </a:txBody>
+                  <a:tcPr marL="12700" marR="12700" marT="12700" marB="0" anchor="b">
+                    <a:lnL w="38100" cap="flat" cmpd="sng" algn="ctr">
+                      <a:solidFill>
+                        <a:scrgbClr r="0" g="0" b="0"/>
+                      </a:solidFill>
+                      <a:prstDash val="solid"/>
+                      <a:round/>
+                      <a:headEnd type="none" w="med" len="med"/>
+                      <a:tailEnd type="none" w="med" len="med"/>
+                    </a:lnL>
+                  </a:tcPr>
+                </a:tc>
+                <a:tc>
+                  <a:txBody>
+                    <a:bodyPr/>
+                    <a:lstStyle/>
+                    <a:p>
+                      <a:pPr algn="ctr" fontAlgn="b"/>
+                      <a:r>
+                        <a:rPr lang="it-IT" sz="1200" u="none" strike="noStrike">
+                          <a:effectLst/>
+                        </a:rPr>
+                        <a:t>&gt;20 min</a:t>
+                      </a:r>
+                      <a:endParaRPr lang="it-IT" sz="1200" b="0" i="0" u="none" strike="noStrike">
+                        <a:solidFill>
+                          <a:srgbClr val="000000"/>
+                        </a:solidFill>
+                        <a:effectLst/>
+                        <a:latin typeface="Calibri"/>
+                      </a:endParaRPr>
+                    </a:p>
+                  </a:txBody>
+                  <a:tcPr marL="12700" marR="12700" marT="12700" marB="0" anchor="b">
+                    <a:lnR w="38100" cap="flat" cmpd="sng" algn="ctr">
+                      <a:solidFill>
+                        <a:scrgbClr r="0" g="0" b="0"/>
+                      </a:solidFill>
+                      <a:prstDash val="solid"/>
+                      <a:round/>
+                      <a:headEnd type="none" w="med" len="med"/>
+                      <a:tailEnd type="none" w="med" len="med"/>
+                    </a:lnR>
+                  </a:tcPr>
+                </a:tc>
+              </a:tr>
+              <a:tr h="370840">
+                <a:tc>
+                  <a:txBody>
+                    <a:bodyPr/>
+                    <a:lstStyle/>
+                    <a:p>
+                      <a:pPr algn="ctr" fontAlgn="b"/>
+                      <a:r>
+                        <a:rPr lang="it-IT" sz="1200" u="none" strike="noStrike" dirty="0">
+                          <a:effectLst/>
+                        </a:rPr>
+                        <a:t>4</a:t>
+                      </a:r>
+                      <a:endParaRPr lang="it-IT" sz="1200" b="0" i="0" u="none" strike="noStrike" dirty="0">
+                        <a:solidFill>
+                          <a:srgbClr val="000000"/>
+                        </a:solidFill>
+                        <a:effectLst/>
+                        <a:latin typeface="Calibri"/>
+                      </a:endParaRPr>
+                    </a:p>
+                  </a:txBody>
+                  <a:tcPr marL="12700" marR="12700" marT="12700" marB="0" anchor="b">
+                    <a:lnR w="38100" cap="flat" cmpd="sng" algn="ctr">
+                      <a:solidFill>
+                        <a:scrgbClr r="0" g="0" b="0"/>
+                      </a:solidFill>
+                      <a:prstDash val="solid"/>
+                      <a:round/>
+                      <a:headEnd type="none" w="med" len="med"/>
+                      <a:tailEnd type="none" w="med" len="med"/>
+                    </a:lnR>
+                  </a:tcPr>
+                </a:tc>
+                <a:tc>
+                  <a:txBody>
+                    <a:bodyPr/>
+                    <a:lstStyle/>
+                    <a:p>
+                      <a:pPr algn="ctr" fontAlgn="b"/>
+                      <a:r>
+                        <a:rPr lang="it-IT" sz="1200" u="none" strike="noStrike">
+                          <a:effectLst/>
+                        </a:rPr>
+                        <a:t>2.861</a:t>
+                      </a:r>
+                      <a:endParaRPr lang="it-IT" sz="1200" b="0" i="0" u="none" strike="noStrike">
+                        <a:solidFill>
+                          <a:srgbClr val="000000"/>
+                        </a:solidFill>
+                        <a:effectLst/>
+                        <a:latin typeface="Calibri"/>
+                      </a:endParaRPr>
+                    </a:p>
+                  </a:txBody>
+                  <a:tcPr marL="12700" marR="12700" marT="12700" marB="0" anchor="b">
+                    <a:lnL w="38100" cap="flat" cmpd="sng" algn="ctr">
+                      <a:solidFill>
+                        <a:scrgbClr r="0" g="0" b="0"/>
+                      </a:solidFill>
+                      <a:prstDash val="solid"/>
+                      <a:round/>
+                      <a:headEnd type="none" w="med" len="med"/>
+                      <a:tailEnd type="none" w="med" len="med"/>
+                    </a:lnL>
+                  </a:tcPr>
+                </a:tc>
+                <a:tc>
+                  <a:txBody>
+                    <a:bodyPr/>
+                    <a:lstStyle/>
+                    <a:p>
+                      <a:pPr algn="ctr" fontAlgn="b"/>
+                      <a:r>
+                        <a:rPr lang="it-IT" sz="1200" u="none" strike="noStrike" dirty="0">
+                          <a:effectLst/>
+                        </a:rPr>
+                        <a:t>&gt;20 </a:t>
+                      </a:r>
+                      <a:r>
+                        <a:rPr lang="it-IT" sz="1200" u="none" strike="noStrike" dirty="0" err="1">
+                          <a:effectLst/>
+                        </a:rPr>
+                        <a:t>min</a:t>
+                      </a:r>
+                      <a:endParaRPr lang="it-IT" sz="1200" b="0" i="0" u="none" strike="noStrike" dirty="0">
+                        <a:solidFill>
+                          <a:srgbClr val="000000"/>
+                        </a:solidFill>
+                        <a:effectLst/>
+                        <a:latin typeface="Calibri"/>
+                      </a:endParaRPr>
+                    </a:p>
+                  </a:txBody>
+                  <a:tcPr marL="12700" marR="12700" marT="12700" marB="0" anchor="b">
+                    <a:lnR w="38100" cap="flat" cmpd="sng" algn="ctr">
+                      <a:solidFill>
+                        <a:scrgbClr r="0" g="0" b="0"/>
+                      </a:solidFill>
+                      <a:prstDash val="solid"/>
+                      <a:round/>
+                      <a:headEnd type="none" w="med" len="med"/>
+                      <a:tailEnd type="none" w="med" len="med"/>
+                    </a:lnR>
+                  </a:tcPr>
+                </a:tc>
+                <a:tc>
+                  <a:txBody>
+                    <a:bodyPr/>
+                    <a:lstStyle/>
+                    <a:p>
+                      <a:pPr algn="ctr" fontAlgn="b"/>
+                      <a:r>
+                        <a:rPr lang="it-IT" sz="1200" u="none" strike="noStrike" dirty="0">
+                          <a:effectLst/>
+                        </a:rPr>
+                        <a:t>2.943</a:t>
+                      </a:r>
+                      <a:endParaRPr lang="it-IT" sz="1200" b="0" i="0" u="none" strike="noStrike" dirty="0">
+                        <a:solidFill>
+                          <a:srgbClr val="000000"/>
+                        </a:solidFill>
+                        <a:effectLst/>
+                        <a:latin typeface="Calibri"/>
+                      </a:endParaRPr>
+                    </a:p>
+                  </a:txBody>
+                  <a:tcPr marL="12700" marR="12700" marT="12700" marB="0" anchor="b">
+                    <a:lnL w="38100" cap="flat" cmpd="sng" algn="ctr">
+                      <a:solidFill>
+                        <a:scrgbClr r="0" g="0" b="0"/>
+                      </a:solidFill>
+                      <a:prstDash val="solid"/>
+                      <a:round/>
+                      <a:headEnd type="none" w="med" len="med"/>
+                      <a:tailEnd type="none" w="med" len="med"/>
+                    </a:lnL>
+                  </a:tcPr>
+                </a:tc>
+                <a:tc>
+                  <a:txBody>
+                    <a:bodyPr/>
+                    <a:lstStyle/>
+                    <a:p>
+                      <a:pPr algn="ctr" fontAlgn="b"/>
+                      <a:r>
+                        <a:rPr lang="it-IT" sz="1200" u="none" strike="noStrike" dirty="0">
+                          <a:effectLst/>
+                        </a:rPr>
+                        <a:t>&gt;20 </a:t>
+                      </a:r>
+                      <a:r>
+                        <a:rPr lang="it-IT" sz="1200" u="none" strike="noStrike" dirty="0" err="1">
+                          <a:effectLst/>
+                        </a:rPr>
+                        <a:t>min</a:t>
+                      </a:r>
+                      <a:endParaRPr lang="it-IT" sz="1200" b="0" i="0" u="none" strike="noStrike" dirty="0">
+                        <a:solidFill>
+                          <a:srgbClr val="000000"/>
+                        </a:solidFill>
+                        <a:effectLst/>
+                        <a:latin typeface="Calibri"/>
+                      </a:endParaRPr>
+                    </a:p>
+                  </a:txBody>
+                  <a:tcPr marL="12700" marR="12700" marT="12700" marB="0" anchor="b">
+                    <a:lnR w="38100" cap="flat" cmpd="sng" algn="ctr">
+                      <a:solidFill>
+                        <a:scrgbClr r="0" g="0" b="0"/>
+                      </a:solidFill>
+                      <a:prstDash val="solid"/>
+                      <a:round/>
+                      <a:headEnd type="none" w="med" len="med"/>
+                      <a:tailEnd type="none" w="med" len="med"/>
+                    </a:lnR>
+                  </a:tcPr>
+                </a:tc>
+              </a:tr>
+              <a:tr h="370840">
+                <a:tc>
+                  <a:txBody>
+                    <a:bodyPr/>
+                    <a:lstStyle/>
+                    <a:p>
+                      <a:pPr algn="ctr" fontAlgn="b"/>
+                      <a:r>
+                        <a:rPr lang="it-IT" sz="1200" u="none" strike="noStrike" dirty="0">
+                          <a:effectLst/>
+                        </a:rPr>
+                        <a:t>5</a:t>
+                      </a:r>
+                      <a:endParaRPr lang="it-IT" sz="1200" b="0" i="0" u="none" strike="noStrike" dirty="0">
+                        <a:solidFill>
+                          <a:srgbClr val="000000"/>
+                        </a:solidFill>
+                        <a:effectLst/>
+                        <a:latin typeface="Calibri"/>
+                      </a:endParaRPr>
+                    </a:p>
+                  </a:txBody>
+                  <a:tcPr marL="12700" marR="12700" marT="12700" marB="0" anchor="b">
+                    <a:lnR w="38100" cap="flat" cmpd="sng" algn="ctr">
+                      <a:solidFill>
+                        <a:scrgbClr r="0" g="0" b="0"/>
+                      </a:solidFill>
+                      <a:prstDash val="solid"/>
+                      <a:round/>
+                      <a:headEnd type="none" w="med" len="med"/>
+                      <a:tailEnd type="none" w="med" len="med"/>
+                    </a:lnR>
+                  </a:tcPr>
+                </a:tc>
+                <a:tc>
+                  <a:txBody>
+                    <a:bodyPr/>
+                    <a:lstStyle/>
+                    <a:p>
+                      <a:pPr algn="ctr" fontAlgn="b"/>
+                      <a:r>
+                        <a:rPr lang="it-IT" sz="1200" u="none" strike="noStrike">
+                          <a:effectLst/>
+                        </a:rPr>
+                        <a:t>3.433</a:t>
+                      </a:r>
+                      <a:endParaRPr lang="it-IT" sz="1200" b="0" i="0" u="none" strike="noStrike">
+                        <a:solidFill>
+                          <a:srgbClr val="000000"/>
+                        </a:solidFill>
+                        <a:effectLst/>
+                        <a:latin typeface="Calibri"/>
+                      </a:endParaRPr>
+                    </a:p>
+                  </a:txBody>
+                  <a:tcPr marL="12700" marR="12700" marT="12700" marB="0" anchor="b">
+                    <a:lnL w="38100" cap="flat" cmpd="sng" algn="ctr">
+                      <a:solidFill>
+                        <a:scrgbClr r="0" g="0" b="0"/>
+                      </a:solidFill>
+                      <a:prstDash val="solid"/>
+                      <a:round/>
+                      <a:headEnd type="none" w="med" len="med"/>
+                      <a:tailEnd type="none" w="med" len="med"/>
+                    </a:lnL>
+                    <a:lnB w="38100" cap="flat" cmpd="sng" algn="ctr">
+                      <a:solidFill>
+                        <a:scrgbClr r="0" g="0" b="0"/>
+                      </a:solidFill>
+                      <a:prstDash val="solid"/>
+                      <a:round/>
+                      <a:headEnd type="none" w="med" len="med"/>
+                      <a:tailEnd type="none" w="med" len="med"/>
+                    </a:lnB>
+                  </a:tcPr>
+                </a:tc>
+                <a:tc>
+                  <a:txBody>
+                    <a:bodyPr/>
+                    <a:lstStyle/>
+                    <a:p>
+                      <a:pPr algn="ctr" fontAlgn="b"/>
+                      <a:r>
+                        <a:rPr lang="it-IT" sz="1200" u="none" strike="noStrike" dirty="0">
+                          <a:effectLst/>
+                        </a:rPr>
+                        <a:t>&gt;20 </a:t>
+                      </a:r>
+                      <a:r>
+                        <a:rPr lang="it-IT" sz="1200" u="none" strike="noStrike" dirty="0" err="1">
+                          <a:effectLst/>
+                        </a:rPr>
+                        <a:t>min</a:t>
+                      </a:r>
+                      <a:endParaRPr lang="it-IT" sz="1200" b="0" i="0" u="none" strike="noStrike" dirty="0">
+                        <a:solidFill>
+                          <a:srgbClr val="000000"/>
+                        </a:solidFill>
+                        <a:effectLst/>
+                        <a:latin typeface="Calibri"/>
+                      </a:endParaRPr>
+                    </a:p>
+                  </a:txBody>
+                  <a:tcPr marL="12700" marR="12700" marT="12700" marB="0" anchor="b">
+                    <a:lnR w="38100" cap="flat" cmpd="sng" algn="ctr">
+                      <a:solidFill>
+                        <a:scrgbClr r="0" g="0" b="0"/>
+                      </a:solidFill>
+                      <a:prstDash val="solid"/>
+                      <a:round/>
+                      <a:headEnd type="none" w="med" len="med"/>
+                      <a:tailEnd type="none" w="med" len="med"/>
+                    </a:lnR>
+                    <a:lnB w="38100" cap="flat" cmpd="sng" algn="ctr">
+                      <a:solidFill>
+                        <a:scrgbClr r="0" g="0" b="0"/>
+                      </a:solidFill>
+                      <a:prstDash val="solid"/>
+                      <a:round/>
+                      <a:headEnd type="none" w="med" len="med"/>
+                      <a:tailEnd type="none" w="med" len="med"/>
+                    </a:lnB>
+                  </a:tcPr>
+                </a:tc>
+                <a:tc>
+                  <a:txBody>
+                    <a:bodyPr/>
+                    <a:lstStyle/>
+                    <a:p>
+                      <a:pPr algn="ctr" fontAlgn="b"/>
+                      <a:r>
+                        <a:rPr lang="it-IT" sz="1200" u="none" strike="noStrike" dirty="0">
+                          <a:effectLst/>
+                        </a:rPr>
+                        <a:t>3.508</a:t>
+                      </a:r>
+                      <a:endParaRPr lang="it-IT" sz="1200" b="0" i="0" u="none" strike="noStrike" dirty="0">
+                        <a:solidFill>
+                          <a:srgbClr val="000000"/>
+                        </a:solidFill>
+                        <a:effectLst/>
+                        <a:latin typeface="Calibri"/>
+                      </a:endParaRPr>
+                    </a:p>
+                  </a:txBody>
+                  <a:tcPr marL="12700" marR="12700" marT="12700" marB="0" anchor="b">
+                    <a:lnL w="38100" cap="flat" cmpd="sng" algn="ctr">
+                      <a:solidFill>
+                        <a:scrgbClr r="0" g="0" b="0"/>
+                      </a:solidFill>
+                      <a:prstDash val="solid"/>
+                      <a:round/>
+                      <a:headEnd type="none" w="med" len="med"/>
+                      <a:tailEnd type="none" w="med" len="med"/>
+                    </a:lnL>
+                    <a:lnB w="38100" cap="flat" cmpd="sng" algn="ctr">
+                      <a:solidFill>
+                        <a:scrgbClr r="0" g="0" b="0"/>
+                      </a:solidFill>
+                      <a:prstDash val="solid"/>
+                      <a:round/>
+                      <a:headEnd type="none" w="med" len="med"/>
+                      <a:tailEnd type="none" w="med" len="med"/>
+                    </a:lnB>
+                  </a:tcPr>
+                </a:tc>
+                <a:tc>
+                  <a:txBody>
+                    <a:bodyPr/>
+                    <a:lstStyle/>
+                    <a:p>
+                      <a:pPr algn="ctr" fontAlgn="b"/>
+                      <a:r>
+                        <a:rPr lang="it-IT" sz="1200" u="none" strike="noStrike" dirty="0">
+                          <a:effectLst/>
+                        </a:rPr>
+                        <a:t>&gt;20 </a:t>
+                      </a:r>
+                      <a:r>
+                        <a:rPr lang="it-IT" sz="1200" u="none" strike="noStrike" dirty="0" err="1">
+                          <a:effectLst/>
+                        </a:rPr>
+                        <a:t>min</a:t>
+                      </a:r>
+                      <a:endParaRPr lang="it-IT" sz="1200" b="0" i="0" u="none" strike="noStrike" dirty="0">
+                        <a:solidFill>
+                          <a:srgbClr val="000000"/>
+                        </a:solidFill>
+                        <a:effectLst/>
+                        <a:latin typeface="Calibri"/>
+                      </a:endParaRPr>
+                    </a:p>
+                  </a:txBody>
+                  <a:tcPr marL="12700" marR="12700" marT="12700" marB="0" anchor="b">
+                    <a:lnR w="38100" cap="flat" cmpd="sng" algn="ctr">
+                      <a:solidFill>
+                        <a:scrgbClr r="0" g="0" b="0"/>
+                      </a:solidFill>
+                      <a:prstDash val="solid"/>
+                      <a:round/>
+                      <a:headEnd type="none" w="med" len="med"/>
+                      <a:tailEnd type="none" w="med" len="med"/>
+                    </a:lnR>
+                    <a:lnB w="38100" cap="flat" cmpd="sng" algn="ctr">
+                      <a:solidFill>
+                        <a:scrgbClr r="0" g="0" b="0"/>
+                      </a:solidFill>
+                      <a:prstDash val="solid"/>
+                      <a:round/>
+                      <a:headEnd type="none" w="med" len="med"/>
+                      <a:tailEnd type="none" w="med" len="med"/>
+                    </a:lnB>
+                  </a:tcPr>
+                </a:tc>
+              </a:tr>
+            </a:tbl>
+          </a:graphicData>
+        </a:graphic>
+      </p:graphicFrame>
+    </p:spTree>
+    <p:extLst>
+      <p:ext uri="{BB962C8B-B14F-4D97-AF65-F5344CB8AC3E}">
+        <p14:creationId xmlns:p14="http://schemas.microsoft.com/office/powerpoint/2010/main" val="3667894951"/>
+      </p:ext>
+    </p:extLst>
+  </p:cSld>
+  <p:clrMapOvr>
+    <a:masterClrMapping/>
+  </p:clrMapOvr>
+</p:sld>
+</file>
+
 <file path=ppt/slides/slide2.xml><?xml version="1.0" encoding="utf-8"?>
 <p:sld xmlns:a="http://schemas.openxmlformats.org/drawingml/2006/main" xmlns:r="http://schemas.openxmlformats.org/officeDocument/2006/relationships" xmlns:p="http://schemas.openxmlformats.org/presentationml/2006/main">
   <p:cSld>
@@ -3978,39 +5533,32 @@
       </p:grpSpPr>
       <p:sp>
         <p:nvSpPr>
-          <p:cNvPr id="2" name="Titolo 1"/>
-          <p:cNvSpPr>
-            <a:spLocks noGrp="1"/>
-          </p:cNvSpPr>
-          <p:nvPr>
-            <p:ph type="title"/>
-          </p:nvPr>
-        </p:nvSpPr>
-        <p:spPr/>
-        <p:txBody>
-          <a:bodyPr/>
-          <a:lstStyle/>
-          <a:p>
-            <a:endParaRPr lang="en-US"/>
-          </a:p>
-        </p:txBody>
-      </p:sp>
-      <p:sp>
-        <p:nvSpPr>
-          <p:cNvPr id="3" name="Segnaposto contenuto 2"/>
-          <p:cNvSpPr>
-            <a:spLocks noGrp="1"/>
-          </p:cNvSpPr>
-          <p:nvPr>
-            <p:ph idx="1"/>
-          </p:nvPr>
-        </p:nvSpPr>
-        <p:spPr/>
-        <p:txBody>
-          <a:bodyPr/>
-          <a:lstStyle/>
-          <a:p>
-            <a:endParaRPr lang="en-US"/>
+          <p:cNvPr id="4" name="Titolo 3"/>
+          <p:cNvSpPr>
+            <a:spLocks noGrp="1"/>
+          </p:cNvSpPr>
+          <p:nvPr>
+            <p:ph type="ctrTitle"/>
+          </p:nvPr>
+        </p:nvSpPr>
+        <p:spPr/>
+        <p:txBody>
+          <a:bodyPr/>
+          <a:lstStyle/>
+          <a:p>
+            <a:r>
+              <a:rPr lang="en-US" dirty="0" smtClean="0">
+                <a:solidFill>
+                  <a:srgbClr val="4F81BD"/>
+                </a:solidFill>
+              </a:rPr>
+              <a:t>Examples</a:t>
+            </a:r>
+            <a:endParaRPr lang="en-US" dirty="0">
+              <a:solidFill>
+                <a:srgbClr val="4F81BD"/>
+              </a:solidFill>
+            </a:endParaRPr>
           </a:p>
         </p:txBody>
       </p:sp>

--- a/ResultPresentation.pptx
+++ b/ResultPresentation.pptx
@@ -17,6 +17,9 @@
     <p:sldId id="265" r:id="rId11"/>
     <p:sldId id="266" r:id="rId12"/>
     <p:sldId id="267" r:id="rId13"/>
+    <p:sldId id="269" r:id="rId14"/>
+    <p:sldId id="270" r:id="rId15"/>
+    <p:sldId id="268" r:id="rId16"/>
   </p:sldIdLst>
   <p:sldSz cx="9144000" cy="6858000" type="screen4x3"/>
   <p:notesSz cx="6858000" cy="9144000"/>
@@ -4709,6 +4712,2814 @@
     <p:extLst>
       <p:ext uri="{BB962C8B-B14F-4D97-AF65-F5344CB8AC3E}">
         <p14:creationId xmlns:p14="http://schemas.microsoft.com/office/powerpoint/2010/main" val="3667894951"/>
+      </p:ext>
+    </p:extLst>
+  </p:cSld>
+  <p:clrMapOvr>
+    <a:masterClrMapping/>
+  </p:clrMapOvr>
+</p:sld>
+</file>
+
+<file path=ppt/slides/slide13.xml><?xml version="1.0" encoding="utf-8"?>
+<p:sld xmlns:a="http://schemas.openxmlformats.org/drawingml/2006/main" xmlns:r="http://schemas.openxmlformats.org/officeDocument/2006/relationships" xmlns:p="http://schemas.openxmlformats.org/presentationml/2006/main">
+  <p:cSld>
+    <p:spTree>
+      <p:nvGrpSpPr>
+        <p:cNvPr id="1" name=""/>
+        <p:cNvGrpSpPr/>
+        <p:nvPr/>
+      </p:nvGrpSpPr>
+      <p:grpSpPr>
+        <a:xfrm>
+          <a:off x="0" y="0"/>
+          <a:ext cx="0" cy="0"/>
+          <a:chOff x="0" y="0"/>
+          <a:chExt cx="0" cy="0"/>
+        </a:xfrm>
+      </p:grpSpPr>
+      <p:sp>
+        <p:nvSpPr>
+          <p:cNvPr id="2" name="Titolo 1"/>
+          <p:cNvSpPr>
+            <a:spLocks noGrp="1"/>
+          </p:cNvSpPr>
+          <p:nvPr>
+            <p:ph type="title"/>
+          </p:nvPr>
+        </p:nvSpPr>
+        <p:spPr/>
+        <p:txBody>
+          <a:bodyPr>
+            <a:normAutofit fontScale="90000"/>
+          </a:bodyPr>
+          <a:lstStyle/>
+          <a:p>
+            <a:r>
+              <a:rPr lang="en-US" dirty="0" smtClean="0">
+                <a:solidFill>
+                  <a:srgbClr val="4F81BD"/>
+                </a:solidFill>
+              </a:rPr>
+              <a:t>Comparing Precision: </a:t>
+            </a:r>
+            <a:br>
+              <a:rPr lang="en-US" dirty="0" smtClean="0">
+                <a:solidFill>
+                  <a:srgbClr val="4F81BD"/>
+                </a:solidFill>
+              </a:rPr>
+            </a:br>
+            <a:r>
+              <a:rPr lang="en-US" dirty="0" smtClean="0">
+                <a:solidFill>
+                  <a:srgbClr val="4F81BD"/>
+                </a:solidFill>
+              </a:rPr>
+              <a:t>Regions Parameters</a:t>
+            </a:r>
+            <a:endParaRPr lang="it-IT" dirty="0"/>
+          </a:p>
+        </p:txBody>
+      </p:sp>
+      <p:graphicFrame>
+        <p:nvGraphicFramePr>
+          <p:cNvPr id="4" name="Tabella 3"/>
+          <p:cNvGraphicFramePr>
+            <a:graphicFrameLocks noGrp="1"/>
+          </p:cNvGraphicFramePr>
+          <p:nvPr>
+            <p:extLst>
+              <p:ext uri="{D42A27DB-BD31-4B8C-83A1-F6EECF244321}">
+                <p14:modId xmlns:p14="http://schemas.microsoft.com/office/powerpoint/2010/main" val="2086377713"/>
+              </p:ext>
+            </p:extLst>
+          </p:nvPr>
+        </p:nvGraphicFramePr>
+        <p:xfrm>
+          <a:off x="2514600" y="1789394"/>
+          <a:ext cx="4114800" cy="2944837"/>
+        </p:xfrm>
+        <a:graphic>
+          <a:graphicData uri="http://schemas.openxmlformats.org/drawingml/2006/table">
+            <a:tbl>
+              <a:tblPr firstRow="1" bandRow="1">
+                <a:tableStyleId>{BDBED569-4797-4DF1-A0F4-6AAB3CD982D8}</a:tableStyleId>
+              </a:tblPr>
+              <a:tblGrid>
+                <a:gridCol w="1028700"/>
+                <a:gridCol w="1028700"/>
+                <a:gridCol w="1028700"/>
+                <a:gridCol w="1028700"/>
+              </a:tblGrid>
+              <a:tr h="724647">
+                <a:tc>
+                  <a:txBody>
+                    <a:bodyPr/>
+                    <a:lstStyle/>
+                    <a:p>
+                      <a:pPr algn="ctr"/>
+                      <a:r>
+                        <a:rPr lang="it-IT" sz="1400" dirty="0" err="1" smtClean="0"/>
+                        <a:t>Region</a:t>
+                      </a:r>
+                      <a:endParaRPr lang="it-IT" sz="1400" dirty="0"/>
+                    </a:p>
+                  </a:txBody>
+                  <a:tcPr/>
+                </a:tc>
+                <a:tc>
+                  <a:txBody>
+                    <a:bodyPr/>
+                    <a:lstStyle/>
+                    <a:p>
+                      <a:pPr algn="ctr"/>
+                      <a:r>
+                        <a:rPr lang="it-IT" sz="1400" dirty="0" smtClean="0"/>
+                        <a:t>LAB</a:t>
+                      </a:r>
+                      <a:endParaRPr lang="it-IT" sz="1400" dirty="0"/>
+                    </a:p>
+                  </a:txBody>
+                  <a:tcPr/>
+                </a:tc>
+                <a:tc>
+                  <a:txBody>
+                    <a:bodyPr/>
+                    <a:lstStyle/>
+                    <a:p>
+                      <a:pPr algn="ctr"/>
+                      <a:r>
+                        <a:rPr lang="it-IT" sz="1400" dirty="0" smtClean="0"/>
+                        <a:t>DSP</a:t>
+                      </a:r>
+                      <a:endParaRPr lang="it-IT" sz="1400" dirty="0"/>
+                    </a:p>
+                  </a:txBody>
+                  <a:tcPr/>
+                </a:tc>
+                <a:tc>
+                  <a:txBody>
+                    <a:bodyPr/>
+                    <a:lstStyle/>
+                    <a:p>
+                      <a:pPr algn="ctr"/>
+                      <a:r>
+                        <a:rPr lang="it-IT" sz="1400" dirty="0" smtClean="0"/>
+                        <a:t>MK20</a:t>
+                      </a:r>
+                      <a:endParaRPr lang="it-IT" sz="1400" dirty="0"/>
+                    </a:p>
+                  </a:txBody>
+                  <a:tcPr/>
+                </a:tc>
+              </a:tr>
+              <a:tr h="444038">
+                <a:tc>
+                  <a:txBody>
+                    <a:bodyPr/>
+                    <a:lstStyle/>
+                    <a:p>
+                      <a:pPr algn="ctr"/>
+                      <a:r>
+                        <a:rPr lang="it-IT" dirty="0" smtClean="0"/>
+                        <a:t>1</a:t>
+                      </a:r>
+                      <a:endParaRPr lang="it-IT" dirty="0"/>
+                    </a:p>
+                  </a:txBody>
+                  <a:tcPr/>
+                </a:tc>
+                <a:tc>
+                  <a:txBody>
+                    <a:bodyPr/>
+                    <a:lstStyle/>
+                    <a:p>
+                      <a:pPr algn="ctr"/>
+                      <a:r>
+                        <a:rPr lang="it-IT" dirty="0" smtClean="0"/>
+                        <a:t>1000</a:t>
+                      </a:r>
+                      <a:endParaRPr lang="it-IT" dirty="0"/>
+                    </a:p>
+                  </a:txBody>
+                  <a:tcPr/>
+                </a:tc>
+                <a:tc>
+                  <a:txBody>
+                    <a:bodyPr/>
+                    <a:lstStyle/>
+                    <a:p>
+                      <a:pPr algn="ctr"/>
+                      <a:r>
+                        <a:rPr lang="it-IT" dirty="0" smtClean="0"/>
+                        <a:t>30</a:t>
+                      </a:r>
+                      <a:endParaRPr lang="it-IT" dirty="0"/>
+                    </a:p>
+                  </a:txBody>
+                  <a:tcPr/>
+                </a:tc>
+                <a:tc>
+                  <a:txBody>
+                    <a:bodyPr/>
+                    <a:lstStyle/>
+                    <a:p>
+                      <a:pPr algn="ctr"/>
+                      <a:r>
+                        <a:rPr lang="it-IT" dirty="0" smtClean="0"/>
+                        <a:t>20</a:t>
+                      </a:r>
+                      <a:endParaRPr lang="it-IT" dirty="0"/>
+                    </a:p>
+                  </a:txBody>
+                  <a:tcPr/>
+                </a:tc>
+              </a:tr>
+              <a:tr h="444038">
+                <a:tc>
+                  <a:txBody>
+                    <a:bodyPr/>
+                    <a:lstStyle/>
+                    <a:p>
+                      <a:pPr algn="ctr"/>
+                      <a:r>
+                        <a:rPr lang="it-IT" dirty="0" smtClean="0"/>
+                        <a:t>2</a:t>
+                      </a:r>
+                      <a:endParaRPr lang="it-IT" dirty="0"/>
+                    </a:p>
+                  </a:txBody>
+                  <a:tcPr/>
+                </a:tc>
+                <a:tc>
+                  <a:txBody>
+                    <a:bodyPr/>
+                    <a:lstStyle/>
+                    <a:p>
+                      <a:pPr algn="ctr"/>
+                      <a:r>
+                        <a:rPr lang="it-IT" dirty="0" smtClean="0"/>
+                        <a:t>1000</a:t>
+                      </a:r>
+                      <a:endParaRPr lang="it-IT" dirty="0"/>
+                    </a:p>
+                  </a:txBody>
+                  <a:tcPr/>
+                </a:tc>
+                <a:tc>
+                  <a:txBody>
+                    <a:bodyPr/>
+                    <a:lstStyle/>
+                    <a:p>
+                      <a:pPr algn="ctr"/>
+                      <a:r>
+                        <a:rPr lang="it-IT" dirty="0" smtClean="0"/>
+                        <a:t>0</a:t>
+                      </a:r>
+                      <a:endParaRPr lang="it-IT" dirty="0"/>
+                    </a:p>
+                  </a:txBody>
+                  <a:tcPr/>
+                </a:tc>
+                <a:tc>
+                  <a:txBody>
+                    <a:bodyPr/>
+                    <a:lstStyle/>
+                    <a:p>
+                      <a:pPr algn="ctr"/>
+                      <a:r>
+                        <a:rPr lang="it-IT" dirty="0" smtClean="0"/>
+                        <a:t>0</a:t>
+                      </a:r>
+                      <a:endParaRPr lang="it-IT" dirty="0"/>
+                    </a:p>
+                  </a:txBody>
+                  <a:tcPr/>
+                </a:tc>
+              </a:tr>
+              <a:tr h="444038">
+                <a:tc>
+                  <a:txBody>
+                    <a:bodyPr/>
+                    <a:lstStyle/>
+                    <a:p>
+                      <a:pPr algn="ctr"/>
+                      <a:r>
+                        <a:rPr lang="it-IT" dirty="0" smtClean="0"/>
+                        <a:t>3</a:t>
+                      </a:r>
+                      <a:endParaRPr lang="it-IT" dirty="0"/>
+                    </a:p>
+                  </a:txBody>
+                  <a:tcPr/>
+                </a:tc>
+                <a:tc>
+                  <a:txBody>
+                    <a:bodyPr/>
+                    <a:lstStyle/>
+                    <a:p>
+                      <a:pPr algn="ctr"/>
+                      <a:r>
+                        <a:rPr lang="it-IT" dirty="0" smtClean="0"/>
+                        <a:t>100</a:t>
+                      </a:r>
+                      <a:endParaRPr lang="it-IT" dirty="0"/>
+                    </a:p>
+                  </a:txBody>
+                  <a:tcPr/>
+                </a:tc>
+                <a:tc>
+                  <a:txBody>
+                    <a:bodyPr/>
+                    <a:lstStyle/>
+                    <a:p>
+                      <a:pPr algn="ctr"/>
+                      <a:r>
+                        <a:rPr lang="it-IT" dirty="0" smtClean="0"/>
+                        <a:t>0</a:t>
+                      </a:r>
+                      <a:endParaRPr lang="it-IT" dirty="0"/>
+                    </a:p>
+                  </a:txBody>
+                  <a:tcPr/>
+                </a:tc>
+                <a:tc>
+                  <a:txBody>
+                    <a:bodyPr/>
+                    <a:lstStyle/>
+                    <a:p>
+                      <a:pPr algn="ctr"/>
+                      <a:r>
+                        <a:rPr lang="it-IT" dirty="0" smtClean="0"/>
+                        <a:t>0</a:t>
+                      </a:r>
+                      <a:endParaRPr lang="it-IT" dirty="0"/>
+                    </a:p>
+                  </a:txBody>
+                  <a:tcPr/>
+                </a:tc>
+              </a:tr>
+              <a:tr h="444038">
+                <a:tc>
+                  <a:txBody>
+                    <a:bodyPr/>
+                    <a:lstStyle/>
+                    <a:p>
+                      <a:pPr algn="ctr"/>
+                      <a:r>
+                        <a:rPr lang="it-IT" dirty="0" smtClean="0"/>
+                        <a:t>4</a:t>
+                      </a:r>
+                      <a:endParaRPr lang="it-IT" dirty="0"/>
+                    </a:p>
+                  </a:txBody>
+                  <a:tcPr/>
+                </a:tc>
+                <a:tc>
+                  <a:txBody>
+                    <a:bodyPr/>
+                    <a:lstStyle/>
+                    <a:p>
+                      <a:pPr algn="ctr"/>
+                      <a:r>
+                        <a:rPr lang="it-IT" dirty="0" smtClean="0"/>
+                        <a:t>2000</a:t>
+                      </a:r>
+                      <a:endParaRPr lang="it-IT" dirty="0"/>
+                    </a:p>
+                  </a:txBody>
+                  <a:tcPr/>
+                </a:tc>
+                <a:tc>
+                  <a:txBody>
+                    <a:bodyPr/>
+                    <a:lstStyle/>
+                    <a:p>
+                      <a:pPr algn="ctr"/>
+                      <a:r>
+                        <a:rPr lang="it-IT" dirty="0" smtClean="0"/>
+                        <a:t>10</a:t>
+                      </a:r>
+                      <a:endParaRPr lang="it-IT" dirty="0"/>
+                    </a:p>
+                  </a:txBody>
+                  <a:tcPr/>
+                </a:tc>
+                <a:tc>
+                  <a:txBody>
+                    <a:bodyPr/>
+                    <a:lstStyle/>
+                    <a:p>
+                      <a:pPr algn="ctr"/>
+                      <a:r>
+                        <a:rPr lang="it-IT" dirty="0" smtClean="0"/>
+                        <a:t>20</a:t>
+                      </a:r>
+                      <a:endParaRPr lang="it-IT" dirty="0"/>
+                    </a:p>
+                  </a:txBody>
+                  <a:tcPr/>
+                </a:tc>
+              </a:tr>
+              <a:tr h="444038">
+                <a:tc>
+                  <a:txBody>
+                    <a:bodyPr/>
+                    <a:lstStyle/>
+                    <a:p>
+                      <a:pPr algn="ctr"/>
+                      <a:r>
+                        <a:rPr lang="it-IT" dirty="0" smtClean="0"/>
+                        <a:t>5</a:t>
+                      </a:r>
+                    </a:p>
+                  </a:txBody>
+                  <a:tcPr/>
+                </a:tc>
+                <a:tc>
+                  <a:txBody>
+                    <a:bodyPr/>
+                    <a:lstStyle/>
+                    <a:p>
+                      <a:pPr algn="ctr"/>
+                      <a:r>
+                        <a:rPr lang="it-IT" dirty="0" smtClean="0"/>
+                        <a:t>400</a:t>
+                      </a:r>
+                      <a:endParaRPr lang="it-IT" dirty="0"/>
+                    </a:p>
+                  </a:txBody>
+                  <a:tcPr/>
+                </a:tc>
+                <a:tc>
+                  <a:txBody>
+                    <a:bodyPr/>
+                    <a:lstStyle/>
+                    <a:p>
+                      <a:pPr algn="ctr"/>
+                      <a:r>
+                        <a:rPr lang="it-IT" dirty="0" smtClean="0"/>
+                        <a:t>10</a:t>
+                      </a:r>
+                      <a:endParaRPr lang="it-IT" dirty="0"/>
+                    </a:p>
+                  </a:txBody>
+                  <a:tcPr/>
+                </a:tc>
+                <a:tc>
+                  <a:txBody>
+                    <a:bodyPr/>
+                    <a:lstStyle/>
+                    <a:p>
+                      <a:pPr algn="ctr"/>
+                      <a:r>
+                        <a:rPr lang="it-IT" dirty="0" smtClean="0"/>
+                        <a:t>0</a:t>
+                      </a:r>
+                      <a:endParaRPr lang="it-IT" dirty="0"/>
+                    </a:p>
+                  </a:txBody>
+                  <a:tcPr/>
+                </a:tc>
+              </a:tr>
+            </a:tbl>
+          </a:graphicData>
+        </a:graphic>
+      </p:graphicFrame>
+    </p:spTree>
+    <p:extLst>
+      <p:ext uri="{BB962C8B-B14F-4D97-AF65-F5344CB8AC3E}">
+        <p14:creationId xmlns:p14="http://schemas.microsoft.com/office/powerpoint/2010/main" val="1536193251"/>
+      </p:ext>
+    </p:extLst>
+  </p:cSld>
+  <p:clrMapOvr>
+    <a:masterClrMapping/>
+  </p:clrMapOvr>
+</p:sld>
+</file>
+
+<file path=ppt/slides/slide14.xml><?xml version="1.0" encoding="utf-8"?>
+<p:sld xmlns:a="http://schemas.openxmlformats.org/drawingml/2006/main" xmlns:r="http://schemas.openxmlformats.org/officeDocument/2006/relationships" xmlns:p="http://schemas.openxmlformats.org/presentationml/2006/main">
+  <p:cSld>
+    <p:spTree>
+      <p:nvGrpSpPr>
+        <p:cNvPr id="1" name=""/>
+        <p:cNvGrpSpPr/>
+        <p:nvPr/>
+      </p:nvGrpSpPr>
+      <p:grpSpPr>
+        <a:xfrm>
+          <a:off x="0" y="0"/>
+          <a:ext cx="0" cy="0"/>
+          <a:chOff x="0" y="0"/>
+          <a:chExt cx="0" cy="0"/>
+        </a:xfrm>
+      </p:grpSpPr>
+      <p:sp>
+        <p:nvSpPr>
+          <p:cNvPr id="2" name="Titolo 1"/>
+          <p:cNvSpPr>
+            <a:spLocks noGrp="1"/>
+          </p:cNvSpPr>
+          <p:nvPr>
+            <p:ph type="title"/>
+          </p:nvPr>
+        </p:nvSpPr>
+        <p:spPr/>
+        <p:txBody>
+          <a:bodyPr>
+            <a:normAutofit fontScale="90000"/>
+          </a:bodyPr>
+          <a:lstStyle/>
+          <a:p>
+            <a:r>
+              <a:rPr lang="en-US" dirty="0">
+                <a:solidFill>
+                  <a:srgbClr val="4F81BD"/>
+                </a:solidFill>
+              </a:rPr>
+              <a:t>Comparing Precision: </a:t>
+            </a:r>
+            <a:br>
+              <a:rPr lang="en-US" dirty="0">
+                <a:solidFill>
+                  <a:srgbClr val="4F81BD"/>
+                </a:solidFill>
+              </a:rPr>
+            </a:br>
+            <a:r>
+              <a:rPr lang="en-US" dirty="0">
+                <a:solidFill>
+                  <a:srgbClr val="4F81BD"/>
+                </a:solidFill>
+              </a:rPr>
+              <a:t>Regions Parameters</a:t>
+            </a:r>
+            <a:endParaRPr lang="it-IT" dirty="0"/>
+          </a:p>
+        </p:txBody>
+      </p:sp>
+      <p:graphicFrame>
+        <p:nvGraphicFramePr>
+          <p:cNvPr id="6" name="Tabella 5"/>
+          <p:cNvGraphicFramePr>
+            <a:graphicFrameLocks noGrp="1"/>
+          </p:cNvGraphicFramePr>
+          <p:nvPr>
+            <p:extLst>
+              <p:ext uri="{D42A27DB-BD31-4B8C-83A1-F6EECF244321}">
+                <p14:modId xmlns:p14="http://schemas.microsoft.com/office/powerpoint/2010/main" val="669016303"/>
+              </p:ext>
+            </p:extLst>
+          </p:nvPr>
+        </p:nvGraphicFramePr>
+        <p:xfrm>
+          <a:off x="262964" y="1726080"/>
+          <a:ext cx="4114800" cy="2944837"/>
+        </p:xfrm>
+        <a:graphic>
+          <a:graphicData uri="http://schemas.openxmlformats.org/drawingml/2006/table">
+            <a:tbl>
+              <a:tblPr firstRow="1" bandRow="1">
+                <a:tableStyleId>{BDBED569-4797-4DF1-A0F4-6AAB3CD982D8}</a:tableStyleId>
+              </a:tblPr>
+              <a:tblGrid>
+                <a:gridCol w="1028700"/>
+                <a:gridCol w="1028700"/>
+                <a:gridCol w="1028700"/>
+                <a:gridCol w="1028700"/>
+              </a:tblGrid>
+              <a:tr h="724647">
+                <a:tc>
+                  <a:txBody>
+                    <a:bodyPr/>
+                    <a:lstStyle/>
+                    <a:p>
+                      <a:pPr algn="ctr"/>
+                      <a:r>
+                        <a:rPr lang="it-IT" sz="1400" dirty="0" err="1" smtClean="0"/>
+                        <a:t>Region</a:t>
+                      </a:r>
+                      <a:endParaRPr lang="it-IT" sz="1400" dirty="0"/>
+                    </a:p>
+                  </a:txBody>
+                  <a:tcPr/>
+                </a:tc>
+                <a:tc>
+                  <a:txBody>
+                    <a:bodyPr/>
+                    <a:lstStyle/>
+                    <a:p>
+                      <a:pPr algn="ctr"/>
+                      <a:r>
+                        <a:rPr lang="it-IT" sz="1400" dirty="0" smtClean="0"/>
+                        <a:t>LAB</a:t>
+                      </a:r>
+                      <a:endParaRPr lang="it-IT" sz="1400" dirty="0"/>
+                    </a:p>
+                  </a:txBody>
+                  <a:tcPr/>
+                </a:tc>
+                <a:tc>
+                  <a:txBody>
+                    <a:bodyPr/>
+                    <a:lstStyle/>
+                    <a:p>
+                      <a:pPr algn="ctr"/>
+                      <a:r>
+                        <a:rPr lang="it-IT" sz="1400" dirty="0" smtClean="0"/>
+                        <a:t>DSP</a:t>
+                      </a:r>
+                      <a:endParaRPr lang="it-IT" sz="1400" dirty="0"/>
+                    </a:p>
+                  </a:txBody>
+                  <a:tcPr/>
+                </a:tc>
+                <a:tc>
+                  <a:txBody>
+                    <a:bodyPr/>
+                    <a:lstStyle/>
+                    <a:p>
+                      <a:pPr algn="ctr"/>
+                      <a:r>
+                        <a:rPr lang="it-IT" sz="1400" dirty="0" smtClean="0"/>
+                        <a:t>MK20</a:t>
+                      </a:r>
+                      <a:endParaRPr lang="it-IT" sz="1400" dirty="0"/>
+                    </a:p>
+                  </a:txBody>
+                  <a:tcPr/>
+                </a:tc>
+              </a:tr>
+              <a:tr h="444038">
+                <a:tc>
+                  <a:txBody>
+                    <a:bodyPr/>
+                    <a:lstStyle/>
+                    <a:p>
+                      <a:pPr algn="ctr"/>
+                      <a:r>
+                        <a:rPr lang="it-IT" dirty="0" smtClean="0"/>
+                        <a:t>1</a:t>
+                      </a:r>
+                      <a:endParaRPr lang="it-IT" dirty="0"/>
+                    </a:p>
+                  </a:txBody>
+                  <a:tcPr/>
+                </a:tc>
+                <a:tc>
+                  <a:txBody>
+                    <a:bodyPr/>
+                    <a:lstStyle/>
+                    <a:p>
+                      <a:pPr algn="ctr"/>
+                      <a:r>
+                        <a:rPr lang="it-IT" dirty="0" smtClean="0"/>
+                        <a:t>1000</a:t>
+                      </a:r>
+                      <a:endParaRPr lang="it-IT" dirty="0"/>
+                    </a:p>
+                  </a:txBody>
+                  <a:tcPr/>
+                </a:tc>
+                <a:tc>
+                  <a:txBody>
+                    <a:bodyPr/>
+                    <a:lstStyle/>
+                    <a:p>
+                      <a:pPr algn="ctr"/>
+                      <a:r>
+                        <a:rPr lang="it-IT" dirty="0" smtClean="0"/>
+                        <a:t>30</a:t>
+                      </a:r>
+                      <a:endParaRPr lang="it-IT" dirty="0"/>
+                    </a:p>
+                  </a:txBody>
+                  <a:tcPr/>
+                </a:tc>
+                <a:tc>
+                  <a:txBody>
+                    <a:bodyPr/>
+                    <a:lstStyle/>
+                    <a:p>
+                      <a:pPr algn="ctr"/>
+                      <a:r>
+                        <a:rPr lang="it-IT" dirty="0" smtClean="0"/>
+                        <a:t>20</a:t>
+                      </a:r>
+                      <a:endParaRPr lang="it-IT" dirty="0"/>
+                    </a:p>
+                  </a:txBody>
+                  <a:tcPr/>
+                </a:tc>
+              </a:tr>
+              <a:tr h="444038">
+                <a:tc>
+                  <a:txBody>
+                    <a:bodyPr/>
+                    <a:lstStyle/>
+                    <a:p>
+                      <a:pPr algn="ctr"/>
+                      <a:r>
+                        <a:rPr lang="it-IT" dirty="0" smtClean="0"/>
+                        <a:t>2</a:t>
+                      </a:r>
+                      <a:endParaRPr lang="it-IT" dirty="0"/>
+                    </a:p>
+                  </a:txBody>
+                  <a:tcPr/>
+                </a:tc>
+                <a:tc>
+                  <a:txBody>
+                    <a:bodyPr/>
+                    <a:lstStyle/>
+                    <a:p>
+                      <a:pPr algn="ctr"/>
+                      <a:r>
+                        <a:rPr lang="it-IT" dirty="0" smtClean="0"/>
+                        <a:t>1000</a:t>
+                      </a:r>
+                      <a:endParaRPr lang="it-IT" dirty="0"/>
+                    </a:p>
+                  </a:txBody>
+                  <a:tcPr/>
+                </a:tc>
+                <a:tc>
+                  <a:txBody>
+                    <a:bodyPr/>
+                    <a:lstStyle/>
+                    <a:p>
+                      <a:pPr algn="ctr"/>
+                      <a:r>
+                        <a:rPr lang="it-IT" dirty="0" smtClean="0"/>
+                        <a:t>0</a:t>
+                      </a:r>
+                      <a:endParaRPr lang="it-IT" dirty="0"/>
+                    </a:p>
+                  </a:txBody>
+                  <a:tcPr/>
+                </a:tc>
+                <a:tc>
+                  <a:txBody>
+                    <a:bodyPr/>
+                    <a:lstStyle/>
+                    <a:p>
+                      <a:pPr algn="ctr"/>
+                      <a:r>
+                        <a:rPr lang="it-IT" dirty="0" smtClean="0"/>
+                        <a:t>0</a:t>
+                      </a:r>
+                      <a:endParaRPr lang="it-IT" dirty="0"/>
+                    </a:p>
+                  </a:txBody>
+                  <a:tcPr/>
+                </a:tc>
+              </a:tr>
+              <a:tr h="444038">
+                <a:tc>
+                  <a:txBody>
+                    <a:bodyPr/>
+                    <a:lstStyle/>
+                    <a:p>
+                      <a:pPr algn="ctr"/>
+                      <a:r>
+                        <a:rPr lang="it-IT" dirty="0" smtClean="0"/>
+                        <a:t>3</a:t>
+                      </a:r>
+                      <a:endParaRPr lang="it-IT" dirty="0"/>
+                    </a:p>
+                  </a:txBody>
+                  <a:tcPr/>
+                </a:tc>
+                <a:tc>
+                  <a:txBody>
+                    <a:bodyPr/>
+                    <a:lstStyle/>
+                    <a:p>
+                      <a:pPr algn="ctr"/>
+                      <a:r>
+                        <a:rPr lang="it-IT" dirty="0" smtClean="0"/>
+                        <a:t>100</a:t>
+                      </a:r>
+                      <a:endParaRPr lang="it-IT" dirty="0"/>
+                    </a:p>
+                  </a:txBody>
+                  <a:tcPr/>
+                </a:tc>
+                <a:tc>
+                  <a:txBody>
+                    <a:bodyPr/>
+                    <a:lstStyle/>
+                    <a:p>
+                      <a:pPr algn="ctr"/>
+                      <a:r>
+                        <a:rPr lang="it-IT" dirty="0" smtClean="0"/>
+                        <a:t>0</a:t>
+                      </a:r>
+                      <a:endParaRPr lang="it-IT" dirty="0"/>
+                    </a:p>
+                  </a:txBody>
+                  <a:tcPr/>
+                </a:tc>
+                <a:tc>
+                  <a:txBody>
+                    <a:bodyPr/>
+                    <a:lstStyle/>
+                    <a:p>
+                      <a:pPr algn="ctr"/>
+                      <a:r>
+                        <a:rPr lang="it-IT" dirty="0" smtClean="0"/>
+                        <a:t>0</a:t>
+                      </a:r>
+                      <a:endParaRPr lang="it-IT" dirty="0"/>
+                    </a:p>
+                  </a:txBody>
+                  <a:tcPr/>
+                </a:tc>
+              </a:tr>
+              <a:tr h="444038">
+                <a:tc>
+                  <a:txBody>
+                    <a:bodyPr/>
+                    <a:lstStyle/>
+                    <a:p>
+                      <a:pPr algn="ctr"/>
+                      <a:r>
+                        <a:rPr lang="it-IT" dirty="0" smtClean="0"/>
+                        <a:t>4</a:t>
+                      </a:r>
+                      <a:endParaRPr lang="it-IT" dirty="0"/>
+                    </a:p>
+                  </a:txBody>
+                  <a:tcPr/>
+                </a:tc>
+                <a:tc>
+                  <a:txBody>
+                    <a:bodyPr/>
+                    <a:lstStyle/>
+                    <a:p>
+                      <a:pPr algn="ctr"/>
+                      <a:r>
+                        <a:rPr lang="it-IT" dirty="0" smtClean="0"/>
+                        <a:t>2000</a:t>
+                      </a:r>
+                      <a:endParaRPr lang="it-IT" dirty="0"/>
+                    </a:p>
+                  </a:txBody>
+                  <a:tcPr/>
+                </a:tc>
+                <a:tc>
+                  <a:txBody>
+                    <a:bodyPr/>
+                    <a:lstStyle/>
+                    <a:p>
+                      <a:pPr algn="ctr"/>
+                      <a:r>
+                        <a:rPr lang="it-IT" dirty="0" smtClean="0"/>
+                        <a:t>10</a:t>
+                      </a:r>
+                      <a:endParaRPr lang="it-IT" dirty="0"/>
+                    </a:p>
+                  </a:txBody>
+                  <a:tcPr/>
+                </a:tc>
+                <a:tc>
+                  <a:txBody>
+                    <a:bodyPr/>
+                    <a:lstStyle/>
+                    <a:p>
+                      <a:pPr algn="ctr"/>
+                      <a:r>
+                        <a:rPr lang="it-IT" dirty="0" smtClean="0"/>
+                        <a:t>20</a:t>
+                      </a:r>
+                      <a:endParaRPr lang="it-IT" dirty="0"/>
+                    </a:p>
+                  </a:txBody>
+                  <a:tcPr/>
+                </a:tc>
+              </a:tr>
+              <a:tr h="444038">
+                <a:tc>
+                  <a:txBody>
+                    <a:bodyPr/>
+                    <a:lstStyle/>
+                    <a:p>
+                      <a:pPr algn="ctr"/>
+                      <a:r>
+                        <a:rPr lang="it-IT" dirty="0" smtClean="0"/>
+                        <a:t>5</a:t>
+                      </a:r>
+                    </a:p>
+                  </a:txBody>
+                  <a:tcPr/>
+                </a:tc>
+                <a:tc>
+                  <a:txBody>
+                    <a:bodyPr/>
+                    <a:lstStyle/>
+                    <a:p>
+                      <a:pPr algn="ctr"/>
+                      <a:r>
+                        <a:rPr lang="it-IT" dirty="0" smtClean="0"/>
+                        <a:t>400</a:t>
+                      </a:r>
+                      <a:endParaRPr lang="it-IT" dirty="0"/>
+                    </a:p>
+                  </a:txBody>
+                  <a:tcPr/>
+                </a:tc>
+                <a:tc>
+                  <a:txBody>
+                    <a:bodyPr/>
+                    <a:lstStyle/>
+                    <a:p>
+                      <a:pPr algn="ctr"/>
+                      <a:r>
+                        <a:rPr lang="it-IT" dirty="0" smtClean="0"/>
+                        <a:t>10</a:t>
+                      </a:r>
+                      <a:endParaRPr lang="it-IT" dirty="0"/>
+                    </a:p>
+                  </a:txBody>
+                  <a:tcPr/>
+                </a:tc>
+                <a:tc>
+                  <a:txBody>
+                    <a:bodyPr/>
+                    <a:lstStyle/>
+                    <a:p>
+                      <a:pPr algn="ctr"/>
+                      <a:r>
+                        <a:rPr lang="it-IT" dirty="0" smtClean="0"/>
+                        <a:t>0</a:t>
+                      </a:r>
+                      <a:endParaRPr lang="it-IT" dirty="0"/>
+                    </a:p>
+                  </a:txBody>
+                  <a:tcPr/>
+                </a:tc>
+              </a:tr>
+            </a:tbl>
+          </a:graphicData>
+        </a:graphic>
+      </p:graphicFrame>
+      <p:graphicFrame>
+        <p:nvGraphicFramePr>
+          <p:cNvPr id="7" name="Tabella 6"/>
+          <p:cNvGraphicFramePr>
+            <a:graphicFrameLocks noGrp="1"/>
+          </p:cNvGraphicFramePr>
+          <p:nvPr>
+            <p:extLst>
+              <p:ext uri="{D42A27DB-BD31-4B8C-83A1-F6EECF244321}">
+                <p14:modId xmlns:p14="http://schemas.microsoft.com/office/powerpoint/2010/main" val="4284584281"/>
+              </p:ext>
+            </p:extLst>
+          </p:nvPr>
+        </p:nvGraphicFramePr>
+        <p:xfrm>
+          <a:off x="4572000" y="3488359"/>
+          <a:ext cx="4114800" cy="2944837"/>
+        </p:xfrm>
+        <a:graphic>
+          <a:graphicData uri="http://schemas.openxmlformats.org/drawingml/2006/table">
+            <a:tbl>
+              <a:tblPr firstRow="1" bandRow="1">
+                <a:tableStyleId>{BDBED569-4797-4DF1-A0F4-6AAB3CD982D8}</a:tableStyleId>
+              </a:tblPr>
+              <a:tblGrid>
+                <a:gridCol w="1028700"/>
+                <a:gridCol w="1028700"/>
+                <a:gridCol w="1028700"/>
+                <a:gridCol w="1028700"/>
+              </a:tblGrid>
+              <a:tr h="724647">
+                <a:tc>
+                  <a:txBody>
+                    <a:bodyPr/>
+                    <a:lstStyle/>
+                    <a:p>
+                      <a:pPr algn="ctr"/>
+                      <a:r>
+                        <a:rPr lang="it-IT" sz="1400" dirty="0" err="1" smtClean="0"/>
+                        <a:t>Region</a:t>
+                      </a:r>
+                      <a:endParaRPr lang="it-IT" sz="1400" dirty="0"/>
+                    </a:p>
+                  </a:txBody>
+                  <a:tcPr/>
+                </a:tc>
+                <a:tc>
+                  <a:txBody>
+                    <a:bodyPr/>
+                    <a:lstStyle/>
+                    <a:p>
+                      <a:pPr algn="ctr"/>
+                      <a:r>
+                        <a:rPr lang="it-IT" sz="1400" dirty="0" smtClean="0"/>
+                        <a:t>LAB</a:t>
+                      </a:r>
+                      <a:endParaRPr lang="it-IT" sz="1400" dirty="0"/>
+                    </a:p>
+                  </a:txBody>
+                  <a:tcPr/>
+                </a:tc>
+                <a:tc>
+                  <a:txBody>
+                    <a:bodyPr/>
+                    <a:lstStyle/>
+                    <a:p>
+                      <a:pPr algn="ctr"/>
+                      <a:r>
+                        <a:rPr lang="it-IT" sz="1400" dirty="0" smtClean="0"/>
+                        <a:t>DSP</a:t>
+                      </a:r>
+                      <a:endParaRPr lang="it-IT" sz="1400" dirty="0"/>
+                    </a:p>
+                  </a:txBody>
+                  <a:tcPr/>
+                </a:tc>
+                <a:tc>
+                  <a:txBody>
+                    <a:bodyPr/>
+                    <a:lstStyle/>
+                    <a:p>
+                      <a:pPr algn="ctr"/>
+                      <a:r>
+                        <a:rPr lang="it-IT" sz="1400" dirty="0" smtClean="0"/>
+                        <a:t>MK20</a:t>
+                      </a:r>
+                      <a:endParaRPr lang="it-IT" sz="1400" dirty="0"/>
+                    </a:p>
+                  </a:txBody>
+                  <a:tcPr/>
+                </a:tc>
+              </a:tr>
+              <a:tr h="444038">
+                <a:tc>
+                  <a:txBody>
+                    <a:bodyPr/>
+                    <a:lstStyle/>
+                    <a:p>
+                      <a:pPr algn="ctr"/>
+                      <a:r>
+                        <a:rPr lang="it-IT" dirty="0" smtClean="0"/>
+                        <a:t>6</a:t>
+                      </a:r>
+                      <a:endParaRPr lang="it-IT" dirty="0"/>
+                    </a:p>
+                  </a:txBody>
+                  <a:tcPr/>
+                </a:tc>
+                <a:tc>
+                  <a:txBody>
+                    <a:bodyPr/>
+                    <a:lstStyle/>
+                    <a:p>
+                      <a:pPr algn="ctr"/>
+                      <a:r>
+                        <a:rPr lang="it-IT" dirty="0" smtClean="0"/>
+                        <a:t>1000</a:t>
+                      </a:r>
+                      <a:endParaRPr lang="it-IT" dirty="0"/>
+                    </a:p>
+                  </a:txBody>
+                  <a:tcPr/>
+                </a:tc>
+                <a:tc>
+                  <a:txBody>
+                    <a:bodyPr/>
+                    <a:lstStyle/>
+                    <a:p>
+                      <a:pPr algn="ctr"/>
+                      <a:r>
+                        <a:rPr lang="it-IT" dirty="0" smtClean="0"/>
+                        <a:t>30</a:t>
+                      </a:r>
+                      <a:endParaRPr lang="it-IT" dirty="0"/>
+                    </a:p>
+                  </a:txBody>
+                  <a:tcPr/>
+                </a:tc>
+                <a:tc>
+                  <a:txBody>
+                    <a:bodyPr/>
+                    <a:lstStyle/>
+                    <a:p>
+                      <a:pPr algn="ctr"/>
+                      <a:r>
+                        <a:rPr lang="it-IT" dirty="0" smtClean="0"/>
+                        <a:t>20</a:t>
+                      </a:r>
+                      <a:endParaRPr lang="it-IT" dirty="0"/>
+                    </a:p>
+                  </a:txBody>
+                  <a:tcPr/>
+                </a:tc>
+              </a:tr>
+              <a:tr h="444038">
+                <a:tc>
+                  <a:txBody>
+                    <a:bodyPr/>
+                    <a:lstStyle/>
+                    <a:p>
+                      <a:pPr algn="ctr"/>
+                      <a:r>
+                        <a:rPr lang="it-IT" dirty="0" smtClean="0"/>
+                        <a:t>7</a:t>
+                      </a:r>
+                      <a:endParaRPr lang="it-IT" dirty="0"/>
+                    </a:p>
+                  </a:txBody>
+                  <a:tcPr/>
+                </a:tc>
+                <a:tc>
+                  <a:txBody>
+                    <a:bodyPr/>
+                    <a:lstStyle/>
+                    <a:p>
+                      <a:pPr algn="ctr"/>
+                      <a:r>
+                        <a:rPr lang="it-IT" dirty="0" smtClean="0"/>
+                        <a:t>1000</a:t>
+                      </a:r>
+                      <a:endParaRPr lang="it-IT" dirty="0"/>
+                    </a:p>
+                  </a:txBody>
+                  <a:tcPr/>
+                </a:tc>
+                <a:tc>
+                  <a:txBody>
+                    <a:bodyPr/>
+                    <a:lstStyle/>
+                    <a:p>
+                      <a:pPr algn="ctr"/>
+                      <a:r>
+                        <a:rPr lang="it-IT" dirty="0" smtClean="0"/>
+                        <a:t>0</a:t>
+                      </a:r>
+                      <a:endParaRPr lang="it-IT" dirty="0"/>
+                    </a:p>
+                  </a:txBody>
+                  <a:tcPr/>
+                </a:tc>
+                <a:tc>
+                  <a:txBody>
+                    <a:bodyPr/>
+                    <a:lstStyle/>
+                    <a:p>
+                      <a:pPr algn="ctr"/>
+                      <a:r>
+                        <a:rPr lang="it-IT" dirty="0" smtClean="0"/>
+                        <a:t>0</a:t>
+                      </a:r>
+                      <a:endParaRPr lang="it-IT" dirty="0"/>
+                    </a:p>
+                  </a:txBody>
+                  <a:tcPr/>
+                </a:tc>
+              </a:tr>
+              <a:tr h="444038">
+                <a:tc>
+                  <a:txBody>
+                    <a:bodyPr/>
+                    <a:lstStyle/>
+                    <a:p>
+                      <a:pPr algn="ctr"/>
+                      <a:r>
+                        <a:rPr lang="it-IT" dirty="0" smtClean="0"/>
+                        <a:t>8</a:t>
+                      </a:r>
+                      <a:endParaRPr lang="it-IT" dirty="0"/>
+                    </a:p>
+                  </a:txBody>
+                  <a:tcPr/>
+                </a:tc>
+                <a:tc>
+                  <a:txBody>
+                    <a:bodyPr/>
+                    <a:lstStyle/>
+                    <a:p>
+                      <a:pPr algn="ctr"/>
+                      <a:r>
+                        <a:rPr lang="it-IT" dirty="0" smtClean="0"/>
+                        <a:t>100</a:t>
+                      </a:r>
+                      <a:endParaRPr lang="it-IT" dirty="0"/>
+                    </a:p>
+                  </a:txBody>
+                  <a:tcPr/>
+                </a:tc>
+                <a:tc>
+                  <a:txBody>
+                    <a:bodyPr/>
+                    <a:lstStyle/>
+                    <a:p>
+                      <a:pPr algn="ctr"/>
+                      <a:r>
+                        <a:rPr lang="it-IT" dirty="0" smtClean="0"/>
+                        <a:t>0</a:t>
+                      </a:r>
+                      <a:endParaRPr lang="it-IT" dirty="0"/>
+                    </a:p>
+                  </a:txBody>
+                  <a:tcPr/>
+                </a:tc>
+                <a:tc>
+                  <a:txBody>
+                    <a:bodyPr/>
+                    <a:lstStyle/>
+                    <a:p>
+                      <a:pPr algn="ctr"/>
+                      <a:r>
+                        <a:rPr lang="it-IT" dirty="0" smtClean="0"/>
+                        <a:t>0</a:t>
+                      </a:r>
+                      <a:endParaRPr lang="it-IT" dirty="0"/>
+                    </a:p>
+                  </a:txBody>
+                  <a:tcPr/>
+                </a:tc>
+              </a:tr>
+              <a:tr h="444038">
+                <a:tc>
+                  <a:txBody>
+                    <a:bodyPr/>
+                    <a:lstStyle/>
+                    <a:p>
+                      <a:pPr algn="ctr"/>
+                      <a:r>
+                        <a:rPr lang="it-IT" dirty="0" smtClean="0"/>
+                        <a:t>9</a:t>
+                      </a:r>
+                      <a:endParaRPr lang="it-IT" dirty="0"/>
+                    </a:p>
+                  </a:txBody>
+                  <a:tcPr/>
+                </a:tc>
+                <a:tc>
+                  <a:txBody>
+                    <a:bodyPr/>
+                    <a:lstStyle/>
+                    <a:p>
+                      <a:pPr algn="ctr"/>
+                      <a:r>
+                        <a:rPr lang="it-IT" dirty="0" smtClean="0"/>
+                        <a:t>2000</a:t>
+                      </a:r>
+                      <a:endParaRPr lang="it-IT" dirty="0"/>
+                    </a:p>
+                  </a:txBody>
+                  <a:tcPr/>
+                </a:tc>
+                <a:tc>
+                  <a:txBody>
+                    <a:bodyPr/>
+                    <a:lstStyle/>
+                    <a:p>
+                      <a:pPr algn="ctr"/>
+                      <a:r>
+                        <a:rPr lang="it-IT" dirty="0" smtClean="0"/>
+                        <a:t>10</a:t>
+                      </a:r>
+                      <a:endParaRPr lang="it-IT" dirty="0"/>
+                    </a:p>
+                  </a:txBody>
+                  <a:tcPr/>
+                </a:tc>
+                <a:tc>
+                  <a:txBody>
+                    <a:bodyPr/>
+                    <a:lstStyle/>
+                    <a:p>
+                      <a:pPr algn="ctr"/>
+                      <a:r>
+                        <a:rPr lang="it-IT" dirty="0" smtClean="0"/>
+                        <a:t>20</a:t>
+                      </a:r>
+                      <a:endParaRPr lang="it-IT" dirty="0"/>
+                    </a:p>
+                  </a:txBody>
+                  <a:tcPr/>
+                </a:tc>
+              </a:tr>
+              <a:tr h="444038">
+                <a:tc>
+                  <a:txBody>
+                    <a:bodyPr/>
+                    <a:lstStyle/>
+                    <a:p>
+                      <a:pPr algn="ctr"/>
+                      <a:r>
+                        <a:rPr lang="it-IT" smtClean="0"/>
+                        <a:t>10</a:t>
+                      </a:r>
+                      <a:endParaRPr lang="it-IT" dirty="0" smtClean="0"/>
+                    </a:p>
+                  </a:txBody>
+                  <a:tcPr/>
+                </a:tc>
+                <a:tc>
+                  <a:txBody>
+                    <a:bodyPr/>
+                    <a:lstStyle/>
+                    <a:p>
+                      <a:pPr algn="ctr"/>
+                      <a:r>
+                        <a:rPr lang="it-IT" dirty="0" smtClean="0"/>
+                        <a:t>400</a:t>
+                      </a:r>
+                      <a:endParaRPr lang="it-IT" dirty="0"/>
+                    </a:p>
+                  </a:txBody>
+                  <a:tcPr/>
+                </a:tc>
+                <a:tc>
+                  <a:txBody>
+                    <a:bodyPr/>
+                    <a:lstStyle/>
+                    <a:p>
+                      <a:pPr algn="ctr"/>
+                      <a:r>
+                        <a:rPr lang="it-IT" dirty="0" smtClean="0"/>
+                        <a:t>10</a:t>
+                      </a:r>
+                      <a:endParaRPr lang="it-IT" dirty="0"/>
+                    </a:p>
+                  </a:txBody>
+                  <a:tcPr/>
+                </a:tc>
+                <a:tc>
+                  <a:txBody>
+                    <a:bodyPr/>
+                    <a:lstStyle/>
+                    <a:p>
+                      <a:pPr algn="ctr"/>
+                      <a:r>
+                        <a:rPr lang="it-IT" dirty="0" smtClean="0"/>
+                        <a:t>0</a:t>
+                      </a:r>
+                      <a:endParaRPr lang="it-IT" dirty="0"/>
+                    </a:p>
+                  </a:txBody>
+                  <a:tcPr/>
+                </a:tc>
+              </a:tr>
+            </a:tbl>
+          </a:graphicData>
+        </a:graphic>
+      </p:graphicFrame>
+    </p:spTree>
+    <p:extLst>
+      <p:ext uri="{BB962C8B-B14F-4D97-AF65-F5344CB8AC3E}">
+        <p14:creationId xmlns:p14="http://schemas.microsoft.com/office/powerpoint/2010/main" val="3272321208"/>
+      </p:ext>
+    </p:extLst>
+  </p:cSld>
+  <p:clrMapOvr>
+    <a:masterClrMapping/>
+  </p:clrMapOvr>
+</p:sld>
+</file>
+
+<file path=ppt/slides/slide15.xml><?xml version="1.0" encoding="utf-8"?>
+<p:sld xmlns:a="http://schemas.openxmlformats.org/drawingml/2006/main" xmlns:r="http://schemas.openxmlformats.org/officeDocument/2006/relationships" xmlns:p="http://schemas.openxmlformats.org/presentationml/2006/main">
+  <p:cSld>
+    <p:spTree>
+      <p:nvGrpSpPr>
+        <p:cNvPr id="1" name=""/>
+        <p:cNvGrpSpPr/>
+        <p:nvPr/>
+      </p:nvGrpSpPr>
+      <p:grpSpPr>
+        <a:xfrm>
+          <a:off x="0" y="0"/>
+          <a:ext cx="0" cy="0"/>
+          <a:chOff x="0" y="0"/>
+          <a:chExt cx="0" cy="0"/>
+        </a:xfrm>
+      </p:grpSpPr>
+      <p:sp>
+        <p:nvSpPr>
+          <p:cNvPr id="2" name="Titolo 1"/>
+          <p:cNvSpPr>
+            <a:spLocks noGrp="1"/>
+          </p:cNvSpPr>
+          <p:nvPr>
+            <p:ph type="title"/>
+          </p:nvPr>
+        </p:nvSpPr>
+        <p:spPr/>
+        <p:txBody>
+          <a:bodyPr/>
+          <a:lstStyle/>
+          <a:p>
+            <a:r>
+              <a:rPr lang="en-US" dirty="0" smtClean="0">
+                <a:solidFill>
+                  <a:srgbClr val="4F81BD"/>
+                </a:solidFill>
+              </a:rPr>
+              <a:t>Comparing Precisions</a:t>
+            </a:r>
+            <a:endParaRPr lang="it-IT" dirty="0"/>
+          </a:p>
+        </p:txBody>
+      </p:sp>
+      <p:graphicFrame>
+        <p:nvGraphicFramePr>
+          <p:cNvPr id="5" name="Tabella 4"/>
+          <p:cNvGraphicFramePr>
+            <a:graphicFrameLocks noGrp="1"/>
+          </p:cNvGraphicFramePr>
+          <p:nvPr>
+            <p:extLst>
+              <p:ext uri="{D42A27DB-BD31-4B8C-83A1-F6EECF244321}">
+                <p14:modId xmlns:p14="http://schemas.microsoft.com/office/powerpoint/2010/main" val="1347883094"/>
+              </p:ext>
+            </p:extLst>
+          </p:nvPr>
+        </p:nvGraphicFramePr>
+        <p:xfrm>
+          <a:off x="457200" y="1417638"/>
+          <a:ext cx="8229600" cy="5171899"/>
+        </p:xfrm>
+        <a:graphic>
+          <a:graphicData uri="http://schemas.openxmlformats.org/drawingml/2006/table">
+            <a:tbl>
+              <a:tblPr firstRow="1" bandRow="1">
+                <a:tableStyleId>{BDBED569-4797-4DF1-A0F4-6AAB3CD982D8}</a:tableStyleId>
+              </a:tblPr>
+              <a:tblGrid>
+                <a:gridCol w="1028700"/>
+                <a:gridCol w="1028700"/>
+                <a:gridCol w="1028700"/>
+                <a:gridCol w="1028700"/>
+                <a:gridCol w="1028700"/>
+                <a:gridCol w="1028700"/>
+                <a:gridCol w="1028700"/>
+                <a:gridCol w="1028700"/>
+              </a:tblGrid>
+              <a:tr h="724647">
+                <a:tc>
+                  <a:txBody>
+                    <a:bodyPr/>
+                    <a:lstStyle/>
+                    <a:p>
+                      <a:pPr algn="ctr"/>
+                      <a:r>
+                        <a:rPr lang="it-IT" sz="1400" dirty="0" err="1" smtClean="0"/>
+                        <a:t>Number</a:t>
+                      </a:r>
+                      <a:r>
+                        <a:rPr lang="it-IT" sz="1400" baseline="0" dirty="0" smtClean="0"/>
+                        <a:t> of </a:t>
+                      </a:r>
+                      <a:r>
+                        <a:rPr lang="it-IT" sz="1400" baseline="0" dirty="0" err="1" smtClean="0"/>
+                        <a:t>regions</a:t>
+                      </a:r>
+                      <a:endParaRPr lang="it-IT" sz="1400" dirty="0"/>
+                    </a:p>
+                  </a:txBody>
+                  <a:tcPr/>
+                </a:tc>
+                <a:tc>
+                  <a:txBody>
+                    <a:bodyPr/>
+                    <a:lstStyle/>
+                    <a:p>
+                      <a:pPr algn="ctr"/>
+                      <a:r>
+                        <a:rPr lang="it-IT" sz="1400" dirty="0" err="1" smtClean="0"/>
+                        <a:t>Wirelenght</a:t>
+                      </a:r>
+                      <a:r>
+                        <a:rPr lang="it-IT" sz="1400" baseline="0" dirty="0" smtClean="0"/>
+                        <a:t> </a:t>
+                      </a:r>
+                      <a:r>
+                        <a:rPr lang="it-IT" sz="1400" baseline="0" dirty="0" err="1" smtClean="0"/>
+                        <a:t>Weight</a:t>
+                      </a:r>
+                      <a:endParaRPr lang="it-IT" sz="1400" dirty="0"/>
+                    </a:p>
+                  </a:txBody>
+                  <a:tcPr/>
+                </a:tc>
+                <a:tc>
+                  <a:txBody>
+                    <a:bodyPr/>
+                    <a:lstStyle/>
+                    <a:p>
+                      <a:pPr algn="ctr"/>
+                      <a:r>
+                        <a:rPr lang="it-IT" sz="1400" dirty="0" smtClean="0"/>
+                        <a:t>Bitstream </a:t>
+                      </a:r>
+                      <a:r>
+                        <a:rPr lang="it-IT" sz="1400" dirty="0" err="1" smtClean="0"/>
+                        <a:t>Weigth</a:t>
+                      </a:r>
+                      <a:endParaRPr lang="it-IT" sz="1400" dirty="0"/>
+                    </a:p>
+                  </a:txBody>
+                  <a:tcPr/>
+                </a:tc>
+                <a:tc>
+                  <a:txBody>
+                    <a:bodyPr/>
+                    <a:lstStyle/>
+                    <a:p>
+                      <a:pPr algn="ctr"/>
+                      <a:r>
+                        <a:rPr lang="it-IT" sz="1400" dirty="0" err="1" smtClean="0"/>
+                        <a:t>Perimeter</a:t>
+                      </a:r>
+                      <a:r>
+                        <a:rPr lang="it-IT" sz="1400" dirty="0" smtClean="0"/>
+                        <a:t> </a:t>
+                      </a:r>
+                      <a:r>
+                        <a:rPr lang="it-IT" sz="1400" dirty="0" err="1" smtClean="0"/>
+                        <a:t>Weight</a:t>
+                      </a:r>
+                      <a:endParaRPr lang="it-IT" sz="1400" dirty="0"/>
+                    </a:p>
+                  </a:txBody>
+                  <a:tcPr/>
+                </a:tc>
+                <a:tc>
+                  <a:txBody>
+                    <a:bodyPr/>
+                    <a:lstStyle/>
+                    <a:p>
+                      <a:pPr algn="ctr"/>
+                      <a:r>
+                        <a:rPr lang="it-IT" sz="1400" dirty="0" err="1" smtClean="0"/>
+                        <a:t>Wasted</a:t>
+                      </a:r>
+                      <a:r>
+                        <a:rPr lang="it-IT" sz="1400" dirty="0" smtClean="0"/>
+                        <a:t> </a:t>
+                      </a:r>
+                      <a:r>
+                        <a:rPr lang="it-IT" sz="1400" dirty="0" err="1" smtClean="0"/>
+                        <a:t>Resources</a:t>
+                      </a:r>
+                      <a:r>
+                        <a:rPr lang="it-IT" sz="1400" dirty="0" smtClean="0"/>
+                        <a:t> </a:t>
+                      </a:r>
+                      <a:r>
+                        <a:rPr lang="it-IT" sz="1400" dirty="0" err="1" smtClean="0"/>
+                        <a:t>Weight</a:t>
+                      </a:r>
+                      <a:endParaRPr lang="it-IT" sz="1400" dirty="0"/>
+                    </a:p>
+                  </a:txBody>
+                  <a:tcPr/>
+                </a:tc>
+                <a:tc>
+                  <a:txBody>
+                    <a:bodyPr/>
+                    <a:lstStyle/>
+                    <a:p>
+                      <a:pPr algn="ctr"/>
+                      <a:r>
+                        <a:rPr lang="it-IT" sz="1400" dirty="0" err="1" smtClean="0"/>
+                        <a:t>Low</a:t>
+                      </a:r>
+                      <a:r>
+                        <a:rPr lang="it-IT" sz="1400" baseline="0" dirty="0" smtClean="0"/>
+                        <a:t> Precision</a:t>
+                      </a:r>
+                    </a:p>
+                    <a:p>
+                      <a:pPr algn="ctr"/>
+                      <a:r>
+                        <a:rPr lang="it-IT" sz="1400" baseline="0" dirty="0" smtClean="0"/>
+                        <a:t>Time</a:t>
+                      </a:r>
+                      <a:endParaRPr lang="it-IT" sz="1400" dirty="0"/>
+                    </a:p>
+                  </a:txBody>
+                  <a:tcPr/>
+                </a:tc>
+                <a:tc>
+                  <a:txBody>
+                    <a:bodyPr/>
+                    <a:lstStyle/>
+                    <a:p>
+                      <a:pPr algn="ctr"/>
+                      <a:r>
+                        <a:rPr lang="it-IT" sz="1400" dirty="0" smtClean="0"/>
+                        <a:t>Medium</a:t>
+                      </a:r>
+                      <a:r>
+                        <a:rPr lang="it-IT" sz="1400" baseline="0" dirty="0" smtClean="0"/>
+                        <a:t> Precision</a:t>
+                      </a:r>
+                    </a:p>
+                    <a:p>
+                      <a:pPr algn="ctr"/>
+                      <a:r>
+                        <a:rPr lang="it-IT" sz="1400" baseline="0" dirty="0" smtClean="0"/>
+                        <a:t>Time</a:t>
+                      </a:r>
+                      <a:endParaRPr lang="it-IT" sz="1400" dirty="0"/>
+                    </a:p>
+                  </a:txBody>
+                  <a:tcPr/>
+                </a:tc>
+                <a:tc>
+                  <a:txBody>
+                    <a:bodyPr/>
+                    <a:lstStyle/>
+                    <a:p>
+                      <a:pPr algn="ctr"/>
+                      <a:r>
+                        <a:rPr lang="it-IT" sz="1400" dirty="0" smtClean="0"/>
+                        <a:t>High Precision</a:t>
+                      </a:r>
+                    </a:p>
+                    <a:p>
+                      <a:pPr algn="ctr"/>
+                      <a:r>
+                        <a:rPr lang="it-IT" sz="1400" dirty="0" smtClean="0"/>
+                        <a:t>Time</a:t>
+                      </a:r>
+                      <a:endParaRPr lang="it-IT" sz="1400" dirty="0"/>
+                    </a:p>
+                  </a:txBody>
+                  <a:tcPr/>
+                </a:tc>
+              </a:tr>
+              <a:tr h="444038">
+                <a:tc>
+                  <a:txBody>
+                    <a:bodyPr/>
+                    <a:lstStyle/>
+                    <a:p>
+                      <a:pPr algn="ctr"/>
+                      <a:r>
+                        <a:rPr lang="it-IT" dirty="0" smtClean="0"/>
+                        <a:t>5</a:t>
+                      </a:r>
+                      <a:endParaRPr lang="it-IT" dirty="0"/>
+                    </a:p>
+                  </a:txBody>
+                  <a:tcPr/>
+                </a:tc>
+                <a:tc>
+                  <a:txBody>
+                    <a:bodyPr/>
+                    <a:lstStyle/>
+                    <a:p>
+                      <a:pPr algn="ctr"/>
+                      <a:r>
+                        <a:rPr lang="it-IT" dirty="0" smtClean="0"/>
+                        <a:t>0</a:t>
+                      </a:r>
+                      <a:endParaRPr lang="it-IT" dirty="0"/>
+                    </a:p>
+                  </a:txBody>
+                  <a:tcPr/>
+                </a:tc>
+                <a:tc>
+                  <a:txBody>
+                    <a:bodyPr/>
+                    <a:lstStyle/>
+                    <a:p>
+                      <a:pPr algn="ctr"/>
+                      <a:r>
+                        <a:rPr lang="it-IT" dirty="0" smtClean="0"/>
+                        <a:t>0</a:t>
+                      </a:r>
+                      <a:endParaRPr lang="it-IT" dirty="0"/>
+                    </a:p>
+                  </a:txBody>
+                  <a:tcPr/>
+                </a:tc>
+                <a:tc>
+                  <a:txBody>
+                    <a:bodyPr/>
+                    <a:lstStyle/>
+                    <a:p>
+                      <a:pPr algn="ctr"/>
+                      <a:r>
+                        <a:rPr lang="it-IT" dirty="0" smtClean="0"/>
+                        <a:t>0</a:t>
+                      </a:r>
+                      <a:endParaRPr lang="it-IT" dirty="0"/>
+                    </a:p>
+                  </a:txBody>
+                  <a:tcPr/>
+                </a:tc>
+                <a:tc>
+                  <a:txBody>
+                    <a:bodyPr/>
+                    <a:lstStyle/>
+                    <a:p>
+                      <a:pPr algn="ctr"/>
+                      <a:r>
+                        <a:rPr lang="it-IT" dirty="0" smtClean="0"/>
+                        <a:t>0</a:t>
+                      </a:r>
+                      <a:endParaRPr lang="it-IT" dirty="0"/>
+                    </a:p>
+                  </a:txBody>
+                  <a:tcPr/>
+                </a:tc>
+                <a:tc>
+                  <a:txBody>
+                    <a:bodyPr/>
+                    <a:lstStyle/>
+                    <a:p>
+                      <a:pPr algn="ctr"/>
+                      <a:r>
+                        <a:rPr lang="it-IT" dirty="0" smtClean="0"/>
+                        <a:t>7.189s</a:t>
+                      </a:r>
+                      <a:endParaRPr lang="it-IT" dirty="0"/>
+                    </a:p>
+                  </a:txBody>
+                  <a:tcPr/>
+                </a:tc>
+                <a:tc>
+                  <a:txBody>
+                    <a:bodyPr/>
+                    <a:lstStyle/>
+                    <a:p>
+                      <a:pPr algn="ctr"/>
+                      <a:r>
+                        <a:rPr lang="it-IT" dirty="0" smtClean="0"/>
+                        <a:t>16.866s</a:t>
+                      </a:r>
+                      <a:endParaRPr lang="it-IT" dirty="0"/>
+                    </a:p>
+                  </a:txBody>
+                  <a:tcPr/>
+                </a:tc>
+                <a:tc>
+                  <a:txBody>
+                    <a:bodyPr/>
+                    <a:lstStyle/>
+                    <a:p>
+                      <a:pPr algn="ctr"/>
+                      <a:r>
+                        <a:rPr lang="it-IT" dirty="0" smtClean="0"/>
+                        <a:t>75.064s</a:t>
+                      </a:r>
+                      <a:endParaRPr lang="it-IT" dirty="0"/>
+                    </a:p>
+                  </a:txBody>
+                  <a:tcPr/>
+                </a:tc>
+              </a:tr>
+              <a:tr h="444038">
+                <a:tc>
+                  <a:txBody>
+                    <a:bodyPr/>
+                    <a:lstStyle/>
+                    <a:p>
+                      <a:pPr algn="ctr"/>
+                      <a:r>
+                        <a:rPr lang="it-IT" dirty="0" smtClean="0"/>
+                        <a:t>5</a:t>
+                      </a:r>
+                      <a:endParaRPr lang="it-IT" dirty="0"/>
+                    </a:p>
+                  </a:txBody>
+                  <a:tcPr/>
+                </a:tc>
+                <a:tc>
+                  <a:txBody>
+                    <a:bodyPr/>
+                    <a:lstStyle/>
+                    <a:p>
+                      <a:pPr algn="ctr"/>
+                      <a:r>
+                        <a:rPr lang="it-IT" dirty="0" smtClean="0"/>
+                        <a:t>0</a:t>
+                      </a:r>
+                      <a:endParaRPr lang="it-IT" dirty="0"/>
+                    </a:p>
+                  </a:txBody>
+                  <a:tcPr/>
+                </a:tc>
+                <a:tc>
+                  <a:txBody>
+                    <a:bodyPr/>
+                    <a:lstStyle/>
+                    <a:p>
+                      <a:pPr algn="ctr"/>
+                      <a:r>
+                        <a:rPr lang="it-IT" dirty="0" smtClean="0"/>
+                        <a:t>100</a:t>
+                      </a:r>
+                      <a:endParaRPr lang="it-IT" dirty="0"/>
+                    </a:p>
+                  </a:txBody>
+                  <a:tcPr/>
+                </a:tc>
+                <a:tc>
+                  <a:txBody>
+                    <a:bodyPr/>
+                    <a:lstStyle/>
+                    <a:p>
+                      <a:pPr algn="ctr"/>
+                      <a:r>
+                        <a:rPr lang="it-IT" dirty="0" smtClean="0"/>
+                        <a:t>0</a:t>
+                      </a:r>
+                      <a:endParaRPr lang="it-IT" dirty="0"/>
+                    </a:p>
+                  </a:txBody>
+                  <a:tcPr/>
+                </a:tc>
+                <a:tc>
+                  <a:txBody>
+                    <a:bodyPr/>
+                    <a:lstStyle/>
+                    <a:p>
+                      <a:pPr algn="ctr"/>
+                      <a:r>
+                        <a:rPr lang="it-IT" dirty="0" smtClean="0"/>
+                        <a:t>0</a:t>
+                      </a:r>
+                      <a:endParaRPr lang="it-IT" dirty="0"/>
+                    </a:p>
+                  </a:txBody>
+                  <a:tcPr/>
+                </a:tc>
+                <a:tc>
+                  <a:txBody>
+                    <a:bodyPr/>
+                    <a:lstStyle/>
+                    <a:p>
+                      <a:pPr algn="ctr"/>
+                      <a:r>
+                        <a:rPr lang="it-IT" dirty="0" smtClean="0"/>
+                        <a:t>7.219s</a:t>
+                      </a:r>
+                      <a:endParaRPr lang="it-IT" dirty="0"/>
+                    </a:p>
+                  </a:txBody>
+                  <a:tcPr/>
+                </a:tc>
+                <a:tc>
+                  <a:txBody>
+                    <a:bodyPr/>
+                    <a:lstStyle/>
+                    <a:p>
+                      <a:pPr algn="ctr"/>
+                      <a:r>
+                        <a:rPr lang="it-IT" dirty="0" smtClean="0"/>
+                        <a:t>16.913s</a:t>
+                      </a:r>
+                      <a:endParaRPr lang="it-IT" dirty="0"/>
+                    </a:p>
+                  </a:txBody>
+                  <a:tcPr/>
+                </a:tc>
+                <a:tc>
+                  <a:txBody>
+                    <a:bodyPr/>
+                    <a:lstStyle/>
+                    <a:p>
+                      <a:pPr algn="ctr"/>
+                      <a:r>
+                        <a:rPr lang="it-IT" dirty="0" smtClean="0"/>
+                        <a:t>74.51s</a:t>
+                      </a:r>
+                      <a:endParaRPr lang="it-IT" dirty="0"/>
+                    </a:p>
+                  </a:txBody>
+                  <a:tcPr/>
+                </a:tc>
+              </a:tr>
+              <a:tr h="444038">
+                <a:tc>
+                  <a:txBody>
+                    <a:bodyPr/>
+                    <a:lstStyle/>
+                    <a:p>
+                      <a:pPr algn="ctr"/>
+                      <a:r>
+                        <a:rPr lang="it-IT" dirty="0" smtClean="0"/>
+                        <a:t>5</a:t>
+                      </a:r>
+                      <a:endParaRPr lang="it-IT" dirty="0"/>
+                    </a:p>
+                  </a:txBody>
+                  <a:tcPr/>
+                </a:tc>
+                <a:tc>
+                  <a:txBody>
+                    <a:bodyPr/>
+                    <a:lstStyle/>
+                    <a:p>
+                      <a:pPr algn="ctr"/>
+                      <a:r>
+                        <a:rPr lang="it-IT" dirty="0" smtClean="0"/>
+                        <a:t>0</a:t>
+                      </a:r>
+                      <a:endParaRPr lang="it-IT" dirty="0"/>
+                    </a:p>
+                  </a:txBody>
+                  <a:tcPr/>
+                </a:tc>
+                <a:tc>
+                  <a:txBody>
+                    <a:bodyPr/>
+                    <a:lstStyle/>
+                    <a:p>
+                      <a:pPr algn="ctr"/>
+                      <a:r>
+                        <a:rPr lang="it-IT" dirty="0" smtClean="0"/>
+                        <a:t>0</a:t>
+                      </a:r>
+                      <a:endParaRPr lang="it-IT" dirty="0"/>
+                    </a:p>
+                  </a:txBody>
+                  <a:tcPr/>
+                </a:tc>
+                <a:tc>
+                  <a:txBody>
+                    <a:bodyPr/>
+                    <a:lstStyle/>
+                    <a:p>
+                      <a:pPr algn="ctr"/>
+                      <a:r>
+                        <a:rPr lang="it-IT" dirty="0" smtClean="0"/>
+                        <a:t>0</a:t>
+                      </a:r>
+                      <a:endParaRPr lang="it-IT" dirty="0"/>
+                    </a:p>
+                  </a:txBody>
+                  <a:tcPr/>
+                </a:tc>
+                <a:tc>
+                  <a:txBody>
+                    <a:bodyPr/>
+                    <a:lstStyle/>
+                    <a:p>
+                      <a:pPr algn="ctr"/>
+                      <a:r>
+                        <a:rPr lang="it-IT" dirty="0" smtClean="0"/>
+                        <a:t>100</a:t>
+                      </a:r>
+                      <a:endParaRPr lang="it-IT" dirty="0"/>
+                    </a:p>
+                  </a:txBody>
+                  <a:tcPr/>
+                </a:tc>
+                <a:tc>
+                  <a:txBody>
+                    <a:bodyPr/>
+                    <a:lstStyle/>
+                    <a:p>
+                      <a:pPr algn="ctr"/>
+                      <a:r>
+                        <a:rPr lang="it-IT" dirty="0" smtClean="0"/>
+                        <a:t>18.553s</a:t>
+                      </a:r>
+                      <a:endParaRPr lang="it-IT" dirty="0"/>
+                    </a:p>
+                  </a:txBody>
+                  <a:tcPr/>
+                </a:tc>
+                <a:tc>
+                  <a:txBody>
+                    <a:bodyPr/>
+                    <a:lstStyle/>
+                    <a:p>
+                      <a:pPr algn="ctr"/>
+                      <a:r>
+                        <a:rPr lang="it-IT" dirty="0" smtClean="0"/>
+                        <a:t>30.748s</a:t>
+                      </a:r>
+                      <a:endParaRPr lang="it-IT" dirty="0"/>
+                    </a:p>
+                  </a:txBody>
+                  <a:tcPr/>
+                </a:tc>
+                <a:tc>
+                  <a:txBody>
+                    <a:bodyPr/>
+                    <a:lstStyle/>
+                    <a:p>
+                      <a:pPr algn="ctr"/>
+                      <a:r>
+                        <a:rPr lang="it-IT" dirty="0" smtClean="0"/>
+                        <a:t>75.634s</a:t>
+                      </a:r>
+                      <a:endParaRPr lang="it-IT" dirty="0"/>
+                    </a:p>
+                  </a:txBody>
+                  <a:tcPr/>
+                </a:tc>
+              </a:tr>
+              <a:tr h="444038">
+                <a:tc>
+                  <a:txBody>
+                    <a:bodyPr/>
+                    <a:lstStyle/>
+                    <a:p>
+                      <a:pPr algn="ctr"/>
+                      <a:r>
+                        <a:rPr lang="it-IT" dirty="0" smtClean="0"/>
+                        <a:t>5</a:t>
+                      </a:r>
+                      <a:endParaRPr lang="it-IT" dirty="0"/>
+                    </a:p>
+                  </a:txBody>
+                  <a:tcPr/>
+                </a:tc>
+                <a:tc>
+                  <a:txBody>
+                    <a:bodyPr/>
+                    <a:lstStyle/>
+                    <a:p>
+                      <a:pPr algn="ctr"/>
+                      <a:r>
+                        <a:rPr lang="it-IT" dirty="0" smtClean="0"/>
+                        <a:t>50</a:t>
+                      </a:r>
+                      <a:endParaRPr lang="it-IT" dirty="0"/>
+                    </a:p>
+                  </a:txBody>
+                  <a:tcPr/>
+                </a:tc>
+                <a:tc>
+                  <a:txBody>
+                    <a:bodyPr/>
+                    <a:lstStyle/>
+                    <a:p>
+                      <a:pPr algn="ctr"/>
+                      <a:r>
+                        <a:rPr lang="it-IT" dirty="0" smtClean="0"/>
+                        <a:t>50</a:t>
+                      </a:r>
+                      <a:endParaRPr lang="it-IT" dirty="0"/>
+                    </a:p>
+                  </a:txBody>
+                  <a:tcPr/>
+                </a:tc>
+                <a:tc>
+                  <a:txBody>
+                    <a:bodyPr/>
+                    <a:lstStyle/>
+                    <a:p>
+                      <a:pPr algn="ctr"/>
+                      <a:r>
+                        <a:rPr lang="it-IT" dirty="0" smtClean="0"/>
+                        <a:t>50</a:t>
+                      </a:r>
+                      <a:endParaRPr lang="it-IT" dirty="0"/>
+                    </a:p>
+                  </a:txBody>
+                  <a:tcPr/>
+                </a:tc>
+                <a:tc>
+                  <a:txBody>
+                    <a:bodyPr/>
+                    <a:lstStyle/>
+                    <a:p>
+                      <a:pPr algn="ctr"/>
+                      <a:r>
+                        <a:rPr lang="it-IT" dirty="0" smtClean="0"/>
+                        <a:t>50</a:t>
+                      </a:r>
+                      <a:endParaRPr lang="it-IT" dirty="0"/>
+                    </a:p>
+                  </a:txBody>
+                  <a:tcPr/>
+                </a:tc>
+                <a:tc>
+                  <a:txBody>
+                    <a:bodyPr/>
+                    <a:lstStyle/>
+                    <a:p>
+                      <a:pPr algn="ctr"/>
+                      <a:r>
+                        <a:rPr lang="it-IT" dirty="0" smtClean="0"/>
+                        <a:t>23.421s</a:t>
+                      </a:r>
+                      <a:endParaRPr lang="it-IT" dirty="0"/>
+                    </a:p>
+                  </a:txBody>
+                  <a:tcPr/>
+                </a:tc>
+                <a:tc>
+                  <a:txBody>
+                    <a:bodyPr/>
+                    <a:lstStyle/>
+                    <a:p>
+                      <a:pPr algn="ctr"/>
+                      <a:r>
+                        <a:rPr lang="it-IT" dirty="0" smtClean="0"/>
+                        <a:t>28.106s</a:t>
+                      </a:r>
+                      <a:endParaRPr lang="it-IT" dirty="0"/>
+                    </a:p>
+                  </a:txBody>
+                  <a:tcPr/>
+                </a:tc>
+                <a:tc>
+                  <a:txBody>
+                    <a:bodyPr/>
+                    <a:lstStyle/>
+                    <a:p>
+                      <a:pPr algn="ctr"/>
+                      <a:r>
+                        <a:rPr lang="it-IT" dirty="0" smtClean="0"/>
+                        <a:t>76.331s</a:t>
+                      </a:r>
+                      <a:endParaRPr lang="it-IT" dirty="0"/>
+                    </a:p>
+                  </a:txBody>
+                  <a:tcPr/>
+                </a:tc>
+              </a:tr>
+              <a:tr h="444038">
+                <a:tc>
+                  <a:txBody>
+                    <a:bodyPr/>
+                    <a:lstStyle/>
+                    <a:p>
+                      <a:pPr algn="ctr"/>
+                      <a:r>
+                        <a:rPr lang="it-IT" dirty="0" smtClean="0"/>
+                        <a:t>5</a:t>
+                      </a:r>
+                    </a:p>
+                  </a:txBody>
+                  <a:tcPr/>
+                </a:tc>
+                <a:tc>
+                  <a:txBody>
+                    <a:bodyPr/>
+                    <a:lstStyle/>
+                    <a:p>
+                      <a:pPr algn="ctr"/>
+                      <a:r>
+                        <a:rPr lang="it-IT" dirty="0" smtClean="0"/>
+                        <a:t>100</a:t>
+                      </a:r>
+                      <a:endParaRPr lang="it-IT" dirty="0"/>
+                    </a:p>
+                  </a:txBody>
+                  <a:tcPr/>
+                </a:tc>
+                <a:tc>
+                  <a:txBody>
+                    <a:bodyPr/>
+                    <a:lstStyle/>
+                    <a:p>
+                      <a:pPr algn="ctr"/>
+                      <a:r>
+                        <a:rPr lang="it-IT" dirty="0" smtClean="0"/>
+                        <a:t>100</a:t>
+                      </a:r>
+                      <a:endParaRPr lang="it-IT" dirty="0"/>
+                    </a:p>
+                  </a:txBody>
+                  <a:tcPr/>
+                </a:tc>
+                <a:tc>
+                  <a:txBody>
+                    <a:bodyPr/>
+                    <a:lstStyle/>
+                    <a:p>
+                      <a:pPr algn="ctr"/>
+                      <a:r>
+                        <a:rPr lang="it-IT" dirty="0" smtClean="0"/>
+                        <a:t>100</a:t>
+                      </a:r>
+                      <a:endParaRPr lang="it-IT" dirty="0"/>
+                    </a:p>
+                  </a:txBody>
+                  <a:tcPr/>
+                </a:tc>
+                <a:tc>
+                  <a:txBody>
+                    <a:bodyPr/>
+                    <a:lstStyle/>
+                    <a:p>
+                      <a:pPr algn="ctr"/>
+                      <a:r>
+                        <a:rPr lang="it-IT" dirty="0" smtClean="0"/>
+                        <a:t>100</a:t>
+                      </a:r>
+                      <a:endParaRPr lang="it-IT" dirty="0"/>
+                    </a:p>
+                  </a:txBody>
+                  <a:tcPr/>
+                </a:tc>
+                <a:tc>
+                  <a:txBody>
+                    <a:bodyPr/>
+                    <a:lstStyle/>
+                    <a:p>
+                      <a:pPr algn="ctr"/>
+                      <a:r>
+                        <a:rPr lang="it-IT" dirty="0" smtClean="0"/>
+                        <a:t>23.594s</a:t>
+                      </a:r>
+                      <a:endParaRPr lang="it-IT" dirty="0"/>
+                    </a:p>
+                  </a:txBody>
+                  <a:tcPr/>
+                </a:tc>
+                <a:tc>
+                  <a:txBody>
+                    <a:bodyPr/>
+                    <a:lstStyle/>
+                    <a:p>
+                      <a:pPr algn="ctr"/>
+                      <a:r>
+                        <a:rPr lang="it-IT" dirty="0" smtClean="0"/>
+                        <a:t>28.871s</a:t>
+                      </a:r>
+                      <a:endParaRPr lang="it-IT" dirty="0"/>
+                    </a:p>
+                  </a:txBody>
+                  <a:tcPr/>
+                </a:tc>
+                <a:tc>
+                  <a:txBody>
+                    <a:bodyPr/>
+                    <a:lstStyle/>
+                    <a:p>
+                      <a:pPr algn="ctr"/>
+                      <a:r>
+                        <a:rPr lang="it-IT" dirty="0" smtClean="0"/>
+                        <a:t>78.667s</a:t>
+                      </a:r>
+                      <a:endParaRPr lang="it-IT" dirty="0"/>
+                    </a:p>
+                  </a:txBody>
+                  <a:tcPr/>
+                </a:tc>
+              </a:tr>
+              <a:tr h="444038">
+                <a:tc>
+                  <a:txBody>
+                    <a:bodyPr/>
+                    <a:lstStyle/>
+                    <a:p>
+                      <a:pPr algn="ctr"/>
+                      <a:r>
+                        <a:rPr lang="it-IT" dirty="0" smtClean="0"/>
+                        <a:t>10</a:t>
+                      </a:r>
+                    </a:p>
+                  </a:txBody>
+                  <a:tcPr/>
+                </a:tc>
+                <a:tc>
+                  <a:txBody>
+                    <a:bodyPr/>
+                    <a:lstStyle/>
+                    <a:p>
+                      <a:pPr algn="ctr"/>
+                      <a:r>
+                        <a:rPr lang="it-IT" dirty="0" smtClean="0"/>
+                        <a:t>0</a:t>
+                      </a:r>
+                      <a:endParaRPr lang="it-IT" dirty="0"/>
+                    </a:p>
+                  </a:txBody>
+                  <a:tcPr/>
+                </a:tc>
+                <a:tc>
+                  <a:txBody>
+                    <a:bodyPr/>
+                    <a:lstStyle/>
+                    <a:p>
+                      <a:pPr algn="ctr"/>
+                      <a:r>
+                        <a:rPr lang="it-IT" dirty="0" smtClean="0"/>
+                        <a:t>0</a:t>
+                      </a:r>
+                      <a:endParaRPr lang="it-IT" dirty="0"/>
+                    </a:p>
+                  </a:txBody>
+                  <a:tcPr/>
+                </a:tc>
+                <a:tc>
+                  <a:txBody>
+                    <a:bodyPr/>
+                    <a:lstStyle/>
+                    <a:p>
+                      <a:pPr algn="ctr"/>
+                      <a:r>
+                        <a:rPr lang="it-IT" dirty="0" smtClean="0"/>
+                        <a:t>0</a:t>
+                      </a:r>
+                      <a:endParaRPr lang="it-IT" dirty="0"/>
+                    </a:p>
+                  </a:txBody>
+                  <a:tcPr/>
+                </a:tc>
+                <a:tc>
+                  <a:txBody>
+                    <a:bodyPr/>
+                    <a:lstStyle/>
+                    <a:p>
+                      <a:pPr algn="ctr"/>
+                      <a:r>
+                        <a:rPr lang="it-IT" dirty="0" smtClean="0"/>
+                        <a:t>0</a:t>
+                      </a:r>
+                      <a:endParaRPr lang="it-IT" dirty="0"/>
+                    </a:p>
+                  </a:txBody>
+                  <a:tcPr/>
+                </a:tc>
+                <a:tc>
+                  <a:txBody>
+                    <a:bodyPr/>
+                    <a:lstStyle/>
+                    <a:p>
+                      <a:pPr algn="ctr"/>
+                      <a:endParaRPr lang="it-IT" dirty="0"/>
+                    </a:p>
+                  </a:txBody>
+                  <a:tcPr/>
+                </a:tc>
+                <a:tc>
+                  <a:txBody>
+                    <a:bodyPr/>
+                    <a:lstStyle/>
+                    <a:p>
+                      <a:pPr algn="ctr"/>
+                      <a:endParaRPr lang="it-IT" dirty="0"/>
+                    </a:p>
+                  </a:txBody>
+                  <a:tcPr/>
+                </a:tc>
+                <a:tc>
+                  <a:txBody>
+                    <a:bodyPr/>
+                    <a:lstStyle/>
+                    <a:p>
+                      <a:pPr algn="ctr"/>
+                      <a:endParaRPr lang="it-IT" dirty="0"/>
+                    </a:p>
+                  </a:txBody>
+                  <a:tcPr/>
+                </a:tc>
+              </a:tr>
+              <a:tr h="444038">
+                <a:tc>
+                  <a:txBody>
+                    <a:bodyPr/>
+                    <a:lstStyle/>
+                    <a:p>
+                      <a:pPr algn="ctr"/>
+                      <a:r>
+                        <a:rPr lang="it-IT" dirty="0" smtClean="0"/>
+                        <a:t>10</a:t>
+                      </a:r>
+                    </a:p>
+                  </a:txBody>
+                  <a:tcPr/>
+                </a:tc>
+                <a:tc>
+                  <a:txBody>
+                    <a:bodyPr/>
+                    <a:lstStyle/>
+                    <a:p>
+                      <a:pPr algn="ctr"/>
+                      <a:r>
+                        <a:rPr lang="it-IT" dirty="0" smtClean="0"/>
+                        <a:t>0</a:t>
+                      </a:r>
+                      <a:endParaRPr lang="it-IT" dirty="0"/>
+                    </a:p>
+                  </a:txBody>
+                  <a:tcPr/>
+                </a:tc>
+                <a:tc>
+                  <a:txBody>
+                    <a:bodyPr/>
+                    <a:lstStyle/>
+                    <a:p>
+                      <a:pPr algn="ctr"/>
+                      <a:r>
+                        <a:rPr lang="it-IT" dirty="0" smtClean="0"/>
+                        <a:t>100</a:t>
+                      </a:r>
+                      <a:endParaRPr lang="it-IT" dirty="0"/>
+                    </a:p>
+                  </a:txBody>
+                  <a:tcPr/>
+                </a:tc>
+                <a:tc>
+                  <a:txBody>
+                    <a:bodyPr/>
+                    <a:lstStyle/>
+                    <a:p>
+                      <a:pPr algn="ctr"/>
+                      <a:r>
+                        <a:rPr lang="it-IT" dirty="0" smtClean="0"/>
+                        <a:t>0</a:t>
+                      </a:r>
+                      <a:endParaRPr lang="it-IT" dirty="0"/>
+                    </a:p>
+                  </a:txBody>
+                  <a:tcPr/>
+                </a:tc>
+                <a:tc>
+                  <a:txBody>
+                    <a:bodyPr/>
+                    <a:lstStyle/>
+                    <a:p>
+                      <a:pPr algn="ctr"/>
+                      <a:r>
+                        <a:rPr lang="it-IT" dirty="0" smtClean="0"/>
+                        <a:t>0</a:t>
+                      </a:r>
+                      <a:endParaRPr lang="it-IT" dirty="0"/>
+                    </a:p>
+                  </a:txBody>
+                  <a:tcPr/>
+                </a:tc>
+                <a:tc>
+                  <a:txBody>
+                    <a:bodyPr/>
+                    <a:lstStyle/>
+                    <a:p>
+                      <a:pPr algn="ctr"/>
+                      <a:endParaRPr lang="it-IT" dirty="0"/>
+                    </a:p>
+                  </a:txBody>
+                  <a:tcPr/>
+                </a:tc>
+                <a:tc>
+                  <a:txBody>
+                    <a:bodyPr/>
+                    <a:lstStyle/>
+                    <a:p>
+                      <a:pPr algn="ctr"/>
+                      <a:endParaRPr lang="it-IT" dirty="0"/>
+                    </a:p>
+                  </a:txBody>
+                  <a:tcPr/>
+                </a:tc>
+                <a:tc>
+                  <a:txBody>
+                    <a:bodyPr/>
+                    <a:lstStyle/>
+                    <a:p>
+                      <a:pPr algn="ctr"/>
+                      <a:endParaRPr lang="it-IT" dirty="0"/>
+                    </a:p>
+                  </a:txBody>
+                  <a:tcPr/>
+                </a:tc>
+              </a:tr>
+              <a:tr h="444038">
+                <a:tc>
+                  <a:txBody>
+                    <a:bodyPr/>
+                    <a:lstStyle/>
+                    <a:p>
+                      <a:pPr algn="ctr"/>
+                      <a:r>
+                        <a:rPr lang="it-IT" dirty="0" smtClean="0"/>
+                        <a:t>10</a:t>
+                      </a:r>
+                    </a:p>
+                  </a:txBody>
+                  <a:tcPr/>
+                </a:tc>
+                <a:tc>
+                  <a:txBody>
+                    <a:bodyPr/>
+                    <a:lstStyle/>
+                    <a:p>
+                      <a:pPr algn="ctr"/>
+                      <a:r>
+                        <a:rPr lang="it-IT" dirty="0" smtClean="0"/>
+                        <a:t>0</a:t>
+                      </a:r>
+                      <a:endParaRPr lang="it-IT" dirty="0"/>
+                    </a:p>
+                  </a:txBody>
+                  <a:tcPr/>
+                </a:tc>
+                <a:tc>
+                  <a:txBody>
+                    <a:bodyPr/>
+                    <a:lstStyle/>
+                    <a:p>
+                      <a:pPr algn="ctr"/>
+                      <a:r>
+                        <a:rPr lang="it-IT" dirty="0" smtClean="0"/>
+                        <a:t>0</a:t>
+                      </a:r>
+                      <a:endParaRPr lang="it-IT" dirty="0"/>
+                    </a:p>
+                  </a:txBody>
+                  <a:tcPr/>
+                </a:tc>
+                <a:tc>
+                  <a:txBody>
+                    <a:bodyPr/>
+                    <a:lstStyle/>
+                    <a:p>
+                      <a:pPr algn="ctr"/>
+                      <a:r>
+                        <a:rPr lang="it-IT" dirty="0" smtClean="0"/>
+                        <a:t>0</a:t>
+                      </a:r>
+                      <a:endParaRPr lang="it-IT" dirty="0"/>
+                    </a:p>
+                  </a:txBody>
+                  <a:tcPr/>
+                </a:tc>
+                <a:tc>
+                  <a:txBody>
+                    <a:bodyPr/>
+                    <a:lstStyle/>
+                    <a:p>
+                      <a:pPr algn="ctr"/>
+                      <a:r>
+                        <a:rPr lang="it-IT" dirty="0" smtClean="0"/>
+                        <a:t>100</a:t>
+                      </a:r>
+                      <a:endParaRPr lang="it-IT" dirty="0"/>
+                    </a:p>
+                  </a:txBody>
+                  <a:tcPr/>
+                </a:tc>
+                <a:tc>
+                  <a:txBody>
+                    <a:bodyPr/>
+                    <a:lstStyle/>
+                    <a:p>
+                      <a:pPr algn="ctr"/>
+                      <a:endParaRPr lang="it-IT"/>
+                    </a:p>
+                  </a:txBody>
+                  <a:tcPr/>
+                </a:tc>
+                <a:tc>
+                  <a:txBody>
+                    <a:bodyPr/>
+                    <a:lstStyle/>
+                    <a:p>
+                      <a:pPr algn="ctr"/>
+                      <a:endParaRPr lang="it-IT" dirty="0"/>
+                    </a:p>
+                  </a:txBody>
+                  <a:tcPr/>
+                </a:tc>
+                <a:tc>
+                  <a:txBody>
+                    <a:bodyPr/>
+                    <a:lstStyle/>
+                    <a:p>
+                      <a:pPr algn="ctr"/>
+                      <a:endParaRPr lang="it-IT" dirty="0"/>
+                    </a:p>
+                  </a:txBody>
+                  <a:tcPr/>
+                </a:tc>
+              </a:tr>
+              <a:tr h="444038">
+                <a:tc>
+                  <a:txBody>
+                    <a:bodyPr/>
+                    <a:lstStyle/>
+                    <a:p>
+                      <a:pPr algn="ctr"/>
+                      <a:r>
+                        <a:rPr lang="it-IT" dirty="0" smtClean="0"/>
+                        <a:t>10</a:t>
+                      </a:r>
+                    </a:p>
+                  </a:txBody>
+                  <a:tcPr/>
+                </a:tc>
+                <a:tc>
+                  <a:txBody>
+                    <a:bodyPr/>
+                    <a:lstStyle/>
+                    <a:p>
+                      <a:pPr algn="ctr"/>
+                      <a:r>
+                        <a:rPr lang="it-IT" dirty="0" smtClean="0"/>
+                        <a:t>50</a:t>
+                      </a:r>
+                      <a:endParaRPr lang="it-IT" dirty="0"/>
+                    </a:p>
+                  </a:txBody>
+                  <a:tcPr/>
+                </a:tc>
+                <a:tc>
+                  <a:txBody>
+                    <a:bodyPr/>
+                    <a:lstStyle/>
+                    <a:p>
+                      <a:pPr algn="ctr"/>
+                      <a:r>
+                        <a:rPr lang="it-IT" dirty="0" smtClean="0"/>
+                        <a:t>50</a:t>
+                      </a:r>
+                      <a:endParaRPr lang="it-IT" dirty="0"/>
+                    </a:p>
+                  </a:txBody>
+                  <a:tcPr/>
+                </a:tc>
+                <a:tc>
+                  <a:txBody>
+                    <a:bodyPr/>
+                    <a:lstStyle/>
+                    <a:p>
+                      <a:pPr algn="ctr"/>
+                      <a:r>
+                        <a:rPr lang="it-IT" dirty="0" smtClean="0"/>
+                        <a:t>50</a:t>
+                      </a:r>
+                      <a:endParaRPr lang="it-IT" dirty="0"/>
+                    </a:p>
+                  </a:txBody>
+                  <a:tcPr/>
+                </a:tc>
+                <a:tc>
+                  <a:txBody>
+                    <a:bodyPr/>
+                    <a:lstStyle/>
+                    <a:p>
+                      <a:pPr algn="ctr"/>
+                      <a:r>
+                        <a:rPr lang="it-IT" dirty="0" smtClean="0"/>
+                        <a:t>50</a:t>
+                      </a:r>
+                      <a:endParaRPr lang="it-IT" dirty="0"/>
+                    </a:p>
+                  </a:txBody>
+                  <a:tcPr/>
+                </a:tc>
+                <a:tc>
+                  <a:txBody>
+                    <a:bodyPr/>
+                    <a:lstStyle/>
+                    <a:p>
+                      <a:pPr algn="ctr"/>
+                      <a:endParaRPr lang="it-IT"/>
+                    </a:p>
+                  </a:txBody>
+                  <a:tcPr/>
+                </a:tc>
+                <a:tc>
+                  <a:txBody>
+                    <a:bodyPr/>
+                    <a:lstStyle/>
+                    <a:p>
+                      <a:pPr algn="ctr"/>
+                      <a:endParaRPr lang="it-IT" dirty="0"/>
+                    </a:p>
+                  </a:txBody>
+                  <a:tcPr/>
+                </a:tc>
+                <a:tc>
+                  <a:txBody>
+                    <a:bodyPr/>
+                    <a:lstStyle/>
+                    <a:p>
+                      <a:pPr algn="ctr"/>
+                      <a:endParaRPr lang="it-IT" dirty="0"/>
+                    </a:p>
+                  </a:txBody>
+                  <a:tcPr/>
+                </a:tc>
+              </a:tr>
+              <a:tr h="444038">
+                <a:tc>
+                  <a:txBody>
+                    <a:bodyPr/>
+                    <a:lstStyle/>
+                    <a:p>
+                      <a:pPr algn="ctr"/>
+                      <a:r>
+                        <a:rPr lang="it-IT" dirty="0" smtClean="0"/>
+                        <a:t>10</a:t>
+                      </a:r>
+                    </a:p>
+                  </a:txBody>
+                  <a:tcPr/>
+                </a:tc>
+                <a:tc>
+                  <a:txBody>
+                    <a:bodyPr/>
+                    <a:lstStyle/>
+                    <a:p>
+                      <a:pPr algn="ctr"/>
+                      <a:r>
+                        <a:rPr lang="it-IT" dirty="0" smtClean="0"/>
+                        <a:t>100</a:t>
+                      </a:r>
+                      <a:endParaRPr lang="it-IT" dirty="0"/>
+                    </a:p>
+                  </a:txBody>
+                  <a:tcPr/>
+                </a:tc>
+                <a:tc>
+                  <a:txBody>
+                    <a:bodyPr/>
+                    <a:lstStyle/>
+                    <a:p>
+                      <a:pPr algn="ctr"/>
+                      <a:r>
+                        <a:rPr lang="it-IT" dirty="0" smtClean="0"/>
+                        <a:t>100</a:t>
+                      </a:r>
+                      <a:endParaRPr lang="it-IT" dirty="0"/>
+                    </a:p>
+                  </a:txBody>
+                  <a:tcPr/>
+                </a:tc>
+                <a:tc>
+                  <a:txBody>
+                    <a:bodyPr/>
+                    <a:lstStyle/>
+                    <a:p>
+                      <a:pPr algn="ctr"/>
+                      <a:r>
+                        <a:rPr lang="it-IT" dirty="0" smtClean="0"/>
+                        <a:t>100</a:t>
+                      </a:r>
+                      <a:endParaRPr lang="it-IT" dirty="0"/>
+                    </a:p>
+                  </a:txBody>
+                  <a:tcPr/>
+                </a:tc>
+                <a:tc>
+                  <a:txBody>
+                    <a:bodyPr/>
+                    <a:lstStyle/>
+                    <a:p>
+                      <a:pPr algn="ctr"/>
+                      <a:r>
+                        <a:rPr lang="it-IT" dirty="0" smtClean="0"/>
+                        <a:t>100</a:t>
+                      </a:r>
+                      <a:endParaRPr lang="it-IT" dirty="0"/>
+                    </a:p>
+                  </a:txBody>
+                  <a:tcPr/>
+                </a:tc>
+                <a:tc>
+                  <a:txBody>
+                    <a:bodyPr/>
+                    <a:lstStyle/>
+                    <a:p>
+                      <a:pPr algn="ctr"/>
+                      <a:endParaRPr lang="it-IT"/>
+                    </a:p>
+                  </a:txBody>
+                  <a:tcPr/>
+                </a:tc>
+                <a:tc>
+                  <a:txBody>
+                    <a:bodyPr/>
+                    <a:lstStyle/>
+                    <a:p>
+                      <a:pPr algn="ctr"/>
+                      <a:endParaRPr lang="it-IT" dirty="0"/>
+                    </a:p>
+                  </a:txBody>
+                  <a:tcPr/>
+                </a:tc>
+                <a:tc>
+                  <a:txBody>
+                    <a:bodyPr/>
+                    <a:lstStyle/>
+                    <a:p>
+                      <a:pPr algn="ctr"/>
+                      <a:endParaRPr lang="it-IT" dirty="0"/>
+                    </a:p>
+                  </a:txBody>
+                  <a:tcPr/>
+                </a:tc>
+              </a:tr>
+            </a:tbl>
+          </a:graphicData>
+        </a:graphic>
+      </p:graphicFrame>
+    </p:spTree>
+    <p:extLst>
+      <p:ext uri="{BB962C8B-B14F-4D97-AF65-F5344CB8AC3E}">
+        <p14:creationId xmlns:p14="http://schemas.microsoft.com/office/powerpoint/2010/main" val="195587343"/>
       </p:ext>
     </p:extLst>
   </p:cSld>

--- a/ResultPresentation.pptx
+++ b/ResultPresentation.pptx
@@ -20,6 +20,7 @@
     <p:sldId id="269" r:id="rId14"/>
     <p:sldId id="270" r:id="rId15"/>
     <p:sldId id="268" r:id="rId16"/>
+    <p:sldId id="271" r:id="rId17"/>
   </p:sldIdLst>
   <p:sldSz cx="9144000" cy="6858000" type="screen4x3"/>
   <p:notesSz cx="6858000" cy="9144000"/>
@@ -302,7 +303,7 @@
           <a:p>
             <a:fld id="{B08B1B42-8622-3540-A01B-51440168FE9C}" type="datetimeFigureOut">
               <a:rPr lang="it-IT" smtClean="0"/>
-              <a:t>14/05/15</a:t>
+              <a:t>28/05/15</a:t>
             </a:fld>
             <a:endParaRPr lang="en-US"/>
           </a:p>
@@ -472,7 +473,7 @@
           <a:p>
             <a:fld id="{B08B1B42-8622-3540-A01B-51440168FE9C}" type="datetimeFigureOut">
               <a:rPr lang="it-IT" smtClean="0"/>
-              <a:t>14/05/15</a:t>
+              <a:t>28/05/15</a:t>
             </a:fld>
             <a:endParaRPr lang="en-US"/>
           </a:p>
@@ -652,7 +653,7 @@
           <a:p>
             <a:fld id="{B08B1B42-8622-3540-A01B-51440168FE9C}" type="datetimeFigureOut">
               <a:rPr lang="it-IT" smtClean="0"/>
-              <a:t>14/05/15</a:t>
+              <a:t>28/05/15</a:t>
             </a:fld>
             <a:endParaRPr lang="en-US"/>
           </a:p>
@@ -822,7 +823,7 @@
           <a:p>
             <a:fld id="{B08B1B42-8622-3540-A01B-51440168FE9C}" type="datetimeFigureOut">
               <a:rPr lang="it-IT" smtClean="0"/>
-              <a:t>14/05/15</a:t>
+              <a:t>28/05/15</a:t>
             </a:fld>
             <a:endParaRPr lang="en-US"/>
           </a:p>
@@ -1068,7 +1069,7 @@
           <a:p>
             <a:fld id="{B08B1B42-8622-3540-A01B-51440168FE9C}" type="datetimeFigureOut">
               <a:rPr lang="it-IT" smtClean="0"/>
-              <a:t>14/05/15</a:t>
+              <a:t>28/05/15</a:t>
             </a:fld>
             <a:endParaRPr lang="en-US"/>
           </a:p>
@@ -1356,7 +1357,7 @@
           <a:p>
             <a:fld id="{B08B1B42-8622-3540-A01B-51440168FE9C}" type="datetimeFigureOut">
               <a:rPr lang="it-IT" smtClean="0"/>
-              <a:t>14/05/15</a:t>
+              <a:t>28/05/15</a:t>
             </a:fld>
             <a:endParaRPr lang="en-US"/>
           </a:p>
@@ -1778,7 +1779,7 @@
           <a:p>
             <a:fld id="{B08B1B42-8622-3540-A01B-51440168FE9C}" type="datetimeFigureOut">
               <a:rPr lang="it-IT" smtClean="0"/>
-              <a:t>14/05/15</a:t>
+              <a:t>28/05/15</a:t>
             </a:fld>
             <a:endParaRPr lang="en-US"/>
           </a:p>
@@ -1896,7 +1897,7 @@
           <a:p>
             <a:fld id="{B08B1B42-8622-3540-A01B-51440168FE9C}" type="datetimeFigureOut">
               <a:rPr lang="it-IT" smtClean="0"/>
-              <a:t>14/05/15</a:t>
+              <a:t>28/05/15</a:t>
             </a:fld>
             <a:endParaRPr lang="en-US"/>
           </a:p>
@@ -1991,7 +1992,7 @@
           <a:p>
             <a:fld id="{B08B1B42-8622-3540-A01B-51440168FE9C}" type="datetimeFigureOut">
               <a:rPr lang="it-IT" smtClean="0"/>
-              <a:t>14/05/15</a:t>
+              <a:t>28/05/15</a:t>
             </a:fld>
             <a:endParaRPr lang="en-US"/>
           </a:p>
@@ -2268,7 +2269,7 @@
           <a:p>
             <a:fld id="{B08B1B42-8622-3540-A01B-51440168FE9C}" type="datetimeFigureOut">
               <a:rPr lang="it-IT" smtClean="0"/>
-              <a:t>14/05/15</a:t>
+              <a:t>28/05/15</a:t>
             </a:fld>
             <a:endParaRPr lang="en-US"/>
           </a:p>
@@ -2521,7 +2522,7 @@
           <a:p>
             <a:fld id="{B08B1B42-8622-3540-A01B-51440168FE9C}" type="datetimeFigureOut">
               <a:rPr lang="it-IT" smtClean="0"/>
-              <a:t>14/05/15</a:t>
+              <a:t>28/05/15</a:t>
             </a:fld>
             <a:endParaRPr lang="en-US"/>
           </a:p>
@@ -2734,7 +2735,7 @@
           <a:p>
             <a:fld id="{B08B1B42-8622-3540-A01B-51440168FE9C}" type="datetimeFigureOut">
               <a:rPr lang="it-IT" smtClean="0"/>
-              <a:t>14/05/15</a:t>
+              <a:t>28/05/15</a:t>
             </a:fld>
             <a:endParaRPr lang="en-US"/>
           </a:p>
@@ -5675,7 +5676,7 @@
           <p:nvPr>
             <p:extLst>
               <p:ext uri="{D42A27DB-BD31-4B8C-83A1-F6EECF244321}">
-                <p14:modId xmlns:p14="http://schemas.microsoft.com/office/powerpoint/2010/main" val="4284584281"/>
+                <p14:modId xmlns:p14="http://schemas.microsoft.com/office/powerpoint/2010/main" val="515017"/>
               </p:ext>
             </p:extLst>
           </p:nvPr>
@@ -5797,7 +5798,54 @@
                       <a:pPr algn="ctr"/>
                       <a:r>
                         <a:rPr lang="it-IT" dirty="0" smtClean="0"/>
-                        <a:t>30</a:t>
+                        <a:t>0</a:t>
+                      </a:r>
+                      <a:endParaRPr lang="it-IT" dirty="0"/>
+                    </a:p>
+                  </a:txBody>
+                  <a:tcPr/>
+                </a:tc>
+                <a:tc>
+                  <a:txBody>
+                    <a:bodyPr/>
+                    <a:lstStyle/>
+                    <a:p>
+                      <a:pPr algn="ctr"/>
+                      <a:r>
+                        <a:rPr lang="it-IT" dirty="0" smtClean="0"/>
+                        <a:t>0</a:t>
+                      </a:r>
+                      <a:endParaRPr lang="it-IT" dirty="0"/>
+                    </a:p>
+                  </a:txBody>
+                  <a:tcPr/>
+                </a:tc>
+              </a:tr>
+              <a:tr h="444038">
+                <a:tc>
+                  <a:txBody>
+                    <a:bodyPr/>
+                    <a:lstStyle/>
+                    <a:p>
+                      <a:pPr algn="ctr"/>
+                      <a:r>
+                        <a:rPr lang="it-IT" dirty="0" smtClean="0"/>
+                        <a:t>7</a:t>
+                      </a:r>
+                      <a:endParaRPr lang="it-IT" dirty="0"/>
+                    </a:p>
+                  </a:txBody>
+                  <a:tcPr/>
+                </a:tc>
+                <a:tc>
+                  <a:txBody>
+                    <a:bodyPr/>
+                    <a:lstStyle/>
+                    <a:p>
+                      <a:pPr algn="ctr"/>
+                      <a:r>
+                        <a:rPr lang="it-IT" dirty="0" smtClean="0"/>
+                        <a:t>100</a:t>
                       </a:r>
                       <a:endParaRPr lang="it-IT" dirty="0"/>
                     </a:p>
@@ -5819,6 +5867,21 @@
                   </a:txBody>
                   <a:tcPr/>
                 </a:tc>
+                <a:tc>
+                  <a:txBody>
+                    <a:bodyPr/>
+                    <a:lstStyle/>
+                    <a:p>
+                      <a:pPr algn="ctr"/>
+                      <a:r>
+                        <a:rPr lang="it-IT" dirty="0" smtClean="0"/>
+                        <a:t>0</a:t>
+                      </a:r>
+                      <a:endParaRPr lang="it-IT" dirty="0"/>
+                    </a:p>
+                  </a:txBody>
+                  <a:tcPr/>
+                </a:tc>
               </a:tr>
               <a:tr h="444038">
                 <a:tc>
@@ -5829,22 +5892,7 @@
                       <a:pPr algn="ctr"/>
                       <a:r>
                         <a:rPr lang="it-IT" dirty="0" smtClean="0"/>
-                        <a:t>7</a:t>
-                      </a:r>
-                      <a:endParaRPr lang="it-IT" dirty="0"/>
-                    </a:p>
-                  </a:txBody>
-                  <a:tcPr/>
-                </a:tc>
-                <a:tc>
-                  <a:txBody>
-                    <a:bodyPr/>
-                    <a:lstStyle/>
-                    <a:p>
-                      <a:pPr algn="ctr"/>
-                      <a:r>
-                        <a:rPr lang="it-IT" dirty="0" smtClean="0"/>
-                        <a:t>1000</a:t>
+                        <a:t>8</a:t>
                       </a:r>
                       <a:endParaRPr lang="it-IT" dirty="0"/>
                     </a:p>
@@ -5881,6 +5929,21 @@
                   </a:txBody>
                   <a:tcPr/>
                 </a:tc>
+                <a:tc>
+                  <a:txBody>
+                    <a:bodyPr/>
+                    <a:lstStyle/>
+                    <a:p>
+                      <a:pPr algn="ctr"/>
+                      <a:r>
+                        <a:rPr lang="it-IT" dirty="0" smtClean="0"/>
+                        <a:t>30</a:t>
+                      </a:r>
+                      <a:endParaRPr lang="it-IT" dirty="0"/>
+                    </a:p>
+                  </a:txBody>
+                  <a:tcPr/>
+                </a:tc>
               </a:tr>
               <a:tr h="444038">
                 <a:tc>
@@ -5891,7 +5954,7 @@
                       <a:pPr algn="ctr"/>
                       <a:r>
                         <a:rPr lang="it-IT" dirty="0" smtClean="0"/>
-                        <a:t>8</a:t>
+                        <a:t>9</a:t>
                       </a:r>
                       <a:endParaRPr lang="it-IT" dirty="0"/>
                     </a:p>
@@ -5906,7 +5969,22 @@
                       <a:pPr algn="ctr"/>
                       <a:r>
                         <a:rPr lang="it-IT" dirty="0" smtClean="0"/>
-                        <a:t>100</a:t>
+                        <a:t>1500</a:t>
+                      </a:r>
+                      <a:endParaRPr lang="it-IT" dirty="0"/>
+                    </a:p>
+                  </a:txBody>
+                  <a:tcPr/>
+                </a:tc>
+                <a:tc>
+                  <a:txBody>
+                    <a:bodyPr/>
+                    <a:lstStyle/>
+                    <a:p>
+                      <a:pPr algn="ctr"/>
+                      <a:r>
+                        <a:rPr lang="it-IT" dirty="0" smtClean="0"/>
+                        <a:t>5</a:t>
                       </a:r>
                       <a:endParaRPr lang="it-IT" dirty="0"/>
                     </a:p>
@@ -5928,6 +6006,38 @@
                   </a:txBody>
                   <a:tcPr/>
                 </a:tc>
+              </a:tr>
+              <a:tr h="444038">
+                <a:tc>
+                  <a:txBody>
+                    <a:bodyPr/>
+                    <a:lstStyle/>
+                    <a:p>
+                      <a:pPr algn="ctr"/>
+                      <a:r>
+                        <a:rPr lang="it-IT" smtClean="0"/>
+                        <a:t>10</a:t>
+                      </a:r>
+                      <a:endParaRPr lang="it-IT" dirty="0" smtClean="0"/>
+                    </a:p>
+                  </a:txBody>
+                  <a:tcPr/>
+                </a:tc>
+                <a:tc>
+                  <a:txBody>
+                    <a:bodyPr/>
+                    <a:lstStyle/>
+                    <a:p>
+                      <a:pPr algn="ctr"/>
+                      <a:r>
+                        <a:rPr lang="it-IT" dirty="0" smtClean="0"/>
+                        <a:t>500</a:t>
+                      </a:r>
+                      <a:endParaRPr lang="it-IT" dirty="0"/>
+                    </a:p>
+                  </a:txBody>
+                  <a:tcPr/>
+                </a:tc>
                 <a:tc>
                   <a:txBody>
                     <a:bodyPr/>
@@ -5937,115 +6047,6 @@
                       <a:r>
                         <a:rPr lang="it-IT" dirty="0" smtClean="0"/>
                         <a:t>0</a:t>
-                      </a:r>
-                      <a:endParaRPr lang="it-IT" dirty="0"/>
-                    </a:p>
-                  </a:txBody>
-                  <a:tcPr/>
-                </a:tc>
-              </a:tr>
-              <a:tr h="444038">
-                <a:tc>
-                  <a:txBody>
-                    <a:bodyPr/>
-                    <a:lstStyle/>
-                    <a:p>
-                      <a:pPr algn="ctr"/>
-                      <a:r>
-                        <a:rPr lang="it-IT" dirty="0" smtClean="0"/>
-                        <a:t>9</a:t>
-                      </a:r>
-                      <a:endParaRPr lang="it-IT" dirty="0"/>
-                    </a:p>
-                  </a:txBody>
-                  <a:tcPr/>
-                </a:tc>
-                <a:tc>
-                  <a:txBody>
-                    <a:bodyPr/>
-                    <a:lstStyle/>
-                    <a:p>
-                      <a:pPr algn="ctr"/>
-                      <a:r>
-                        <a:rPr lang="it-IT" dirty="0" smtClean="0"/>
-                        <a:t>2000</a:t>
-                      </a:r>
-                      <a:endParaRPr lang="it-IT" dirty="0"/>
-                    </a:p>
-                  </a:txBody>
-                  <a:tcPr/>
-                </a:tc>
-                <a:tc>
-                  <a:txBody>
-                    <a:bodyPr/>
-                    <a:lstStyle/>
-                    <a:p>
-                      <a:pPr algn="ctr"/>
-                      <a:r>
-                        <a:rPr lang="it-IT" dirty="0" smtClean="0"/>
-                        <a:t>10</a:t>
-                      </a:r>
-                      <a:endParaRPr lang="it-IT" dirty="0"/>
-                    </a:p>
-                  </a:txBody>
-                  <a:tcPr/>
-                </a:tc>
-                <a:tc>
-                  <a:txBody>
-                    <a:bodyPr/>
-                    <a:lstStyle/>
-                    <a:p>
-                      <a:pPr algn="ctr"/>
-                      <a:r>
-                        <a:rPr lang="it-IT" dirty="0" smtClean="0"/>
-                        <a:t>20</a:t>
-                      </a:r>
-                      <a:endParaRPr lang="it-IT" dirty="0"/>
-                    </a:p>
-                  </a:txBody>
-                  <a:tcPr/>
-                </a:tc>
-              </a:tr>
-              <a:tr h="444038">
-                <a:tc>
-                  <a:txBody>
-                    <a:bodyPr/>
-                    <a:lstStyle/>
-                    <a:p>
-                      <a:pPr algn="ctr"/>
-                      <a:r>
-                        <a:rPr lang="it-IT" smtClean="0"/>
-                        <a:t>10</a:t>
-                      </a:r>
-                      <a:endParaRPr lang="it-IT" dirty="0" smtClean="0"/>
-                    </a:p>
-                  </a:txBody>
-                  <a:tcPr/>
-                </a:tc>
-                <a:tc>
-                  <a:txBody>
-                    <a:bodyPr/>
-                    <a:lstStyle/>
-                    <a:p>
-                      <a:pPr algn="ctr"/>
-                      <a:r>
-                        <a:rPr lang="it-IT" dirty="0" smtClean="0"/>
-                        <a:t>400</a:t>
-                      </a:r>
-                      <a:endParaRPr lang="it-IT" dirty="0"/>
-                    </a:p>
-                  </a:txBody>
-                  <a:tcPr/>
-                </a:tc>
-                <a:tc>
-                  <a:txBody>
-                    <a:bodyPr/>
-                    <a:lstStyle/>
-                    <a:p>
-                      <a:pPr algn="ctr"/>
-                      <a:r>
-                        <a:rPr lang="it-IT" dirty="0" smtClean="0"/>
-                        <a:t>10</a:t>
                       </a:r>
                       <a:endParaRPr lang="it-IT" dirty="0"/>
                     </a:p>
@@ -6102,33 +6103,6 @@
           <a:chExt cx="0" cy="0"/>
         </a:xfrm>
       </p:grpSpPr>
-      <p:sp>
-        <p:nvSpPr>
-          <p:cNvPr id="2" name="Titolo 1"/>
-          <p:cNvSpPr>
-            <a:spLocks noGrp="1"/>
-          </p:cNvSpPr>
-          <p:nvPr>
-            <p:ph type="title"/>
-          </p:nvPr>
-        </p:nvSpPr>
-        <p:spPr/>
-        <p:txBody>
-          <a:bodyPr/>
-          <a:lstStyle/>
-          <a:p>
-            <a:r>
-              <a:rPr lang="en-US" dirty="0" smtClean="0">
-                <a:solidFill>
-                  <a:srgbClr val="4F81BD"/>
-                </a:solidFill>
-              </a:rPr>
-              <a:t>Comparing Precisions</a:t>
-            </a:r>
-            <a:endParaRPr lang="it-IT" dirty="0"/>
-          </a:p>
-        </p:txBody>
-      </p:sp>
       <p:graphicFrame>
         <p:nvGraphicFramePr>
           <p:cNvPr id="5" name="Tabella 4"/>
@@ -6138,14 +6112,14 @@
           <p:nvPr>
             <p:extLst>
               <p:ext uri="{D42A27DB-BD31-4B8C-83A1-F6EECF244321}">
-                <p14:modId xmlns:p14="http://schemas.microsoft.com/office/powerpoint/2010/main" val="1347883094"/>
+                <p14:modId xmlns:p14="http://schemas.microsoft.com/office/powerpoint/2010/main" val="857914436"/>
               </p:ext>
             </p:extLst>
           </p:nvPr>
         </p:nvGraphicFramePr>
         <p:xfrm>
-          <a:off x="457200" y="1417638"/>
-          <a:ext cx="8229600" cy="5171899"/>
+          <a:off x="457202" y="179960"/>
+          <a:ext cx="8309266" cy="6323755"/>
         </p:xfrm>
         <a:graphic>
           <a:graphicData uri="http://schemas.openxmlformats.org/drawingml/2006/table">
@@ -6154,16 +6128,15 @@
                 <a:tableStyleId>{BDBED569-4797-4DF1-A0F4-6AAB3CD982D8}</a:tableStyleId>
               </a:tblPr>
               <a:tblGrid>
-                <a:gridCol w="1028700"/>
-                <a:gridCol w="1028700"/>
-                <a:gridCol w="1028700"/>
-                <a:gridCol w="1028700"/>
-                <a:gridCol w="1028700"/>
-                <a:gridCol w="1028700"/>
-                <a:gridCol w="1028700"/>
-                <a:gridCol w="1028700"/>
+                <a:gridCol w="1187038"/>
+                <a:gridCol w="1187038"/>
+                <a:gridCol w="1187038"/>
+                <a:gridCol w="1187038"/>
+                <a:gridCol w="1187038"/>
+                <a:gridCol w="1187038"/>
+                <a:gridCol w="1187038"/>
               </a:tblGrid>
-              <a:tr h="724647">
+              <a:tr h="532555">
                 <a:tc>
                   <a:txBody>
                     <a:bodyPr/>
@@ -6194,56 +6167,64 @@
                     <a:p>
                       <a:pPr algn="ctr"/>
                       <a:r>
+                        <a:rPr lang="it-IT" sz="1400" dirty="0" smtClean="0"/>
+                        <a:t>Bitstream </a:t>
+                      </a:r>
+                      <a:r>
                         <a:rPr lang="it-IT" sz="1400" dirty="0" err="1" smtClean="0"/>
-                        <a:t>Wirelenght</a:t>
+                        <a:t>Weigth</a:t>
+                      </a:r>
+                      <a:endParaRPr lang="it-IT" sz="1400" dirty="0"/>
+                    </a:p>
+                  </a:txBody>
+                  <a:tcPr/>
+                </a:tc>
+                <a:tc>
+                  <a:txBody>
+                    <a:bodyPr/>
+                    <a:lstStyle/>
+                    <a:p>
+                      <a:pPr algn="ctr"/>
+                      <a:r>
+                        <a:rPr lang="it-IT" sz="1400" dirty="0" err="1" smtClean="0"/>
+                        <a:t>Perimeter</a:t>
+                      </a:r>
+                      <a:r>
+                        <a:rPr lang="it-IT" sz="1400" dirty="0" smtClean="0"/>
+                        <a:t> </a:t>
+                      </a:r>
+                      <a:r>
+                        <a:rPr lang="it-IT" sz="1400" dirty="0" err="1" smtClean="0"/>
+                        <a:t>Weight</a:t>
+                      </a:r>
+                      <a:endParaRPr lang="it-IT" sz="1400" dirty="0"/>
+                    </a:p>
+                  </a:txBody>
+                  <a:tcPr/>
+                </a:tc>
+                <a:tc>
+                  <a:txBody>
+                    <a:bodyPr/>
+                    <a:lstStyle/>
+                    <a:p>
+                      <a:pPr algn="ctr"/>
+                      <a:r>
+                        <a:rPr lang="it-IT" sz="1400" dirty="0" err="1" smtClean="0"/>
+                        <a:t>Wasted</a:t>
+                      </a:r>
+                      <a:r>
+                        <a:rPr lang="it-IT" sz="1400" dirty="0" smtClean="0"/>
+                        <a:t> </a:t>
+                      </a:r>
+                      <a:r>
+                        <a:rPr lang="it-IT" sz="1400" dirty="0" err="1" smtClean="0"/>
+                        <a:t>Rsc</a:t>
                       </a:r>
                       <a:r>
                         <a:rPr lang="it-IT" sz="1400" baseline="0" dirty="0" smtClean="0"/>
                         <a:t> </a:t>
                       </a:r>
                       <a:r>
-                        <a:rPr lang="it-IT" sz="1400" baseline="0" dirty="0" err="1" smtClean="0"/>
-                        <a:t>Weight</a:t>
-                      </a:r>
-                      <a:endParaRPr lang="it-IT" sz="1400" dirty="0"/>
-                    </a:p>
-                  </a:txBody>
-                  <a:tcPr/>
-                </a:tc>
-                <a:tc>
-                  <a:txBody>
-                    <a:bodyPr/>
-                    <a:lstStyle/>
-                    <a:p>
-                      <a:pPr algn="ctr"/>
-                      <a:r>
-                        <a:rPr lang="it-IT" sz="1400" dirty="0" smtClean="0"/>
-                        <a:t>Bitstream </a:t>
-                      </a:r>
-                      <a:r>
-                        <a:rPr lang="it-IT" sz="1400" dirty="0" err="1" smtClean="0"/>
-                        <a:t>Weigth</a:t>
-                      </a:r>
-                      <a:endParaRPr lang="it-IT" sz="1400" dirty="0"/>
-                    </a:p>
-                  </a:txBody>
-                  <a:tcPr/>
-                </a:tc>
-                <a:tc>
-                  <a:txBody>
-                    <a:bodyPr/>
-                    <a:lstStyle/>
-                    <a:p>
-                      <a:pPr algn="ctr"/>
-                      <a:r>
-                        <a:rPr lang="it-IT" sz="1400" dirty="0" err="1" smtClean="0"/>
-                        <a:t>Perimeter</a:t>
-                      </a:r>
-                      <a:r>
-                        <a:rPr lang="it-IT" sz="1400" dirty="0" smtClean="0"/>
-                        <a:t> </a:t>
-                      </a:r>
-                      <a:r>
                         <a:rPr lang="it-IT" sz="1400" dirty="0" err="1" smtClean="0"/>
                         <a:t>Weight</a:t>
                       </a:r>
@@ -6260,43 +6241,17 @@
                       <a:pPr algn="ctr"/>
                       <a:r>
                         <a:rPr lang="it-IT" sz="1400" dirty="0" err="1" smtClean="0"/>
-                        <a:t>Wasted</a:t>
-                      </a:r>
-                      <a:r>
-                        <a:rPr lang="it-IT" sz="1400" dirty="0" smtClean="0"/>
+                        <a:t>Low</a:t>
+                      </a:r>
+                      <a:r>
+                        <a:rPr lang="it-IT" sz="1400" baseline="0" dirty="0" smtClean="0"/>
                         <a:t> </a:t>
                       </a:r>
                       <a:r>
-                        <a:rPr lang="it-IT" sz="1400" dirty="0" err="1" smtClean="0"/>
-                        <a:t>Resources</a:t>
-                      </a:r>
-                      <a:r>
-                        <a:rPr lang="it-IT" sz="1400" dirty="0" smtClean="0"/>
-                        <a:t> </a:t>
-                      </a:r>
-                      <a:r>
-                        <a:rPr lang="it-IT" sz="1400" dirty="0" err="1" smtClean="0"/>
-                        <a:t>Weight</a:t>
-                      </a:r>
-                      <a:endParaRPr lang="it-IT" sz="1400" dirty="0"/>
-                    </a:p>
-                  </a:txBody>
-                  <a:tcPr/>
-                </a:tc>
-                <a:tc>
-                  <a:txBody>
-                    <a:bodyPr/>
-                    <a:lstStyle/>
-                    <a:p>
-                      <a:pPr algn="ctr"/>
-                      <a:r>
-                        <a:rPr lang="it-IT" sz="1400" dirty="0" err="1" smtClean="0"/>
-                        <a:t>Low</a:t>
-                      </a:r>
-                      <a:r>
-                        <a:rPr lang="it-IT" sz="1400" baseline="0" dirty="0" smtClean="0"/>
-                        <a:t> Precision</a:t>
-                      </a:r>
+                        <a:rPr lang="it-IT" sz="1400" baseline="0" dirty="0" err="1" smtClean="0"/>
+                        <a:t>Prec</a:t>
+                      </a:r>
+                      <a:endParaRPr lang="it-IT" sz="1400" baseline="0" dirty="0" smtClean="0"/>
                     </a:p>
                     <a:p>
                       <a:pPr algn="ctr"/>
@@ -6321,8 +6276,13 @@
                       </a:r>
                       <a:r>
                         <a:rPr lang="it-IT" sz="1400" baseline="0" dirty="0" smtClean="0"/>
-                        <a:t> Precision</a:t>
-                      </a:r>
+                        <a:t> </a:t>
+                      </a:r>
+                      <a:r>
+                        <a:rPr lang="it-IT" sz="1400" baseline="0" dirty="0" err="1" smtClean="0"/>
+                        <a:t>Prec</a:t>
+                      </a:r>
+                      <a:endParaRPr lang="it-IT" sz="1400" baseline="0" dirty="0" smtClean="0"/>
                     </a:p>
                     <a:p>
                       <a:pPr algn="ctr"/>
@@ -6343,8 +6303,13 @@
                       <a:pPr algn="ctr"/>
                       <a:r>
                         <a:rPr lang="it-IT" sz="1400" dirty="0" smtClean="0"/>
-                        <a:t>High Precision</a:t>
-                      </a:r>
+                        <a:t>High </a:t>
+                      </a:r>
+                      <a:r>
+                        <a:rPr lang="it-IT" sz="1400" dirty="0" err="1" smtClean="0"/>
+                        <a:t>Prec</a:t>
+                      </a:r>
+                      <a:endParaRPr lang="it-IT" sz="1400" dirty="0" smtClean="0"/>
                     </a:p>
                     <a:p>
                       <a:pPr algn="ctr"/>
@@ -6366,115 +6331,242 @@
                     <a:p>
                       <a:pPr algn="ctr"/>
                       <a:r>
-                        <a:rPr lang="it-IT" dirty="0" smtClean="0"/>
+                        <a:rPr lang="it-IT" sz="1600" dirty="0" smtClean="0"/>
                         <a:t>5</a:t>
                       </a:r>
-                      <a:endParaRPr lang="it-IT" dirty="0"/>
-                    </a:p>
-                  </a:txBody>
-                  <a:tcPr/>
-                </a:tc>
-                <a:tc>
-                  <a:txBody>
-                    <a:bodyPr/>
-                    <a:lstStyle/>
-                    <a:p>
-                      <a:pPr algn="ctr"/>
-                      <a:r>
-                        <a:rPr lang="it-IT" dirty="0" smtClean="0"/>
+                      <a:endParaRPr lang="it-IT" sz="1600" dirty="0"/>
+                    </a:p>
+                  </a:txBody>
+                  <a:tcPr/>
+                </a:tc>
+                <a:tc>
+                  <a:txBody>
+                    <a:bodyPr/>
+                    <a:lstStyle/>
+                    <a:p>
+                      <a:pPr algn="ctr"/>
+                      <a:r>
+                        <a:rPr lang="it-IT" sz="1600" dirty="0" smtClean="0"/>
                         <a:t>0</a:t>
                       </a:r>
-                      <a:endParaRPr lang="it-IT" dirty="0"/>
-                    </a:p>
-                  </a:txBody>
-                  <a:tcPr/>
-                </a:tc>
-                <a:tc>
-                  <a:txBody>
-                    <a:bodyPr/>
-                    <a:lstStyle/>
-                    <a:p>
-                      <a:pPr algn="ctr"/>
-                      <a:r>
-                        <a:rPr lang="it-IT" dirty="0" smtClean="0"/>
+                      <a:endParaRPr lang="it-IT" sz="1600" dirty="0"/>
+                    </a:p>
+                  </a:txBody>
+                  <a:tcPr/>
+                </a:tc>
+                <a:tc>
+                  <a:txBody>
+                    <a:bodyPr/>
+                    <a:lstStyle/>
+                    <a:p>
+                      <a:pPr algn="ctr"/>
+                      <a:r>
+                        <a:rPr lang="it-IT" sz="1600" dirty="0" smtClean="0"/>
                         <a:t>0</a:t>
                       </a:r>
-                      <a:endParaRPr lang="it-IT" dirty="0"/>
-                    </a:p>
-                  </a:txBody>
-                  <a:tcPr/>
-                </a:tc>
-                <a:tc>
-                  <a:txBody>
-                    <a:bodyPr/>
-                    <a:lstStyle/>
-                    <a:p>
-                      <a:pPr algn="ctr"/>
-                      <a:r>
-                        <a:rPr lang="it-IT" dirty="0" smtClean="0"/>
+                      <a:endParaRPr lang="it-IT" sz="1600" dirty="0"/>
+                    </a:p>
+                  </a:txBody>
+                  <a:tcPr/>
+                </a:tc>
+                <a:tc>
+                  <a:txBody>
+                    <a:bodyPr/>
+                    <a:lstStyle/>
+                    <a:p>
+                      <a:pPr algn="ctr"/>
+                      <a:r>
+                        <a:rPr lang="it-IT" sz="1600" dirty="0" smtClean="0"/>
                         <a:t>0</a:t>
                       </a:r>
-                      <a:endParaRPr lang="it-IT" dirty="0"/>
-                    </a:p>
-                  </a:txBody>
-                  <a:tcPr/>
-                </a:tc>
-                <a:tc>
-                  <a:txBody>
-                    <a:bodyPr/>
-                    <a:lstStyle/>
-                    <a:p>
-                      <a:pPr algn="ctr"/>
-                      <a:r>
-                        <a:rPr lang="it-IT" dirty="0" smtClean="0"/>
+                      <a:endParaRPr lang="it-IT" sz="1600" dirty="0"/>
+                    </a:p>
+                  </a:txBody>
+                  <a:tcPr/>
+                </a:tc>
+                <a:tc>
+                  <a:txBody>
+                    <a:bodyPr/>
+                    <a:lstStyle/>
+                    <a:p>
+                      <a:pPr algn="ctr"/>
+                      <a:r>
+                        <a:rPr lang="it-IT" sz="1600" dirty="0" smtClean="0"/>
+                        <a:t>7.189s </a:t>
+                      </a:r>
+                    </a:p>
+                    <a:p>
+                      <a:pPr algn="ctr"/>
+                      <a:r>
+                        <a:rPr lang="it-IT" sz="1600" baseline="0" dirty="0" smtClean="0"/>
+                        <a:t> 6.3s</a:t>
+                      </a:r>
+                      <a:endParaRPr lang="it-IT" sz="1600" dirty="0"/>
+                    </a:p>
+                  </a:txBody>
+                  <a:tcPr/>
+                </a:tc>
+                <a:tc>
+                  <a:txBody>
+                    <a:bodyPr/>
+                    <a:lstStyle/>
+                    <a:p>
+                      <a:pPr algn="ctr"/>
+                      <a:r>
+                        <a:rPr lang="it-IT" sz="1600" dirty="0" smtClean="0"/>
+                        <a:t>16.866s</a:t>
+                      </a:r>
+                    </a:p>
+                    <a:p>
+                      <a:pPr algn="ctr"/>
+                      <a:r>
+                        <a:rPr lang="it-IT" sz="1600" dirty="0" smtClean="0"/>
+                        <a:t>14.913s</a:t>
+                      </a:r>
+                      <a:endParaRPr lang="it-IT" sz="1600" dirty="0"/>
+                    </a:p>
+                  </a:txBody>
+                  <a:tcPr/>
+                </a:tc>
+                <a:tc>
+                  <a:txBody>
+                    <a:bodyPr/>
+                    <a:lstStyle/>
+                    <a:p>
+                      <a:pPr algn="ctr"/>
+                      <a:r>
+                        <a:rPr lang="it-IT" sz="1600" dirty="0" smtClean="0"/>
+                        <a:t>75.064s</a:t>
+                      </a:r>
+                    </a:p>
+                    <a:p>
+                      <a:pPr algn="ctr"/>
+                      <a:r>
+                        <a:rPr lang="it-IT" sz="1600" dirty="0" smtClean="0"/>
+                        <a:t>69.098s</a:t>
+                      </a:r>
+                      <a:endParaRPr lang="it-IT" sz="1600" dirty="0"/>
+                    </a:p>
+                  </a:txBody>
+                  <a:tcPr/>
+                </a:tc>
+              </a:tr>
+              <a:tr h="567111">
+                <a:tc>
+                  <a:txBody>
+                    <a:bodyPr/>
+                    <a:lstStyle/>
+                    <a:p>
+                      <a:pPr algn="ctr"/>
+                      <a:r>
+                        <a:rPr lang="it-IT" sz="1600" dirty="0" smtClean="0"/>
+                        <a:t>5</a:t>
+                      </a:r>
+                      <a:endParaRPr lang="it-IT" sz="1600" dirty="0"/>
+                    </a:p>
+                  </a:txBody>
+                  <a:tcPr/>
+                </a:tc>
+                <a:tc>
+                  <a:txBody>
+                    <a:bodyPr/>
+                    <a:lstStyle/>
+                    <a:p>
+                      <a:pPr algn="ctr"/>
+                      <a:r>
+                        <a:rPr lang="it-IT" sz="1600" dirty="0" smtClean="0"/>
+                        <a:t>100</a:t>
+                      </a:r>
+                      <a:endParaRPr lang="it-IT" sz="1600" dirty="0"/>
+                    </a:p>
+                  </a:txBody>
+                  <a:tcPr/>
+                </a:tc>
+                <a:tc>
+                  <a:txBody>
+                    <a:bodyPr/>
+                    <a:lstStyle/>
+                    <a:p>
+                      <a:pPr algn="ctr"/>
+                      <a:r>
+                        <a:rPr lang="it-IT" sz="1600" dirty="0" smtClean="0"/>
                         <a:t>0</a:t>
                       </a:r>
-                      <a:endParaRPr lang="it-IT" dirty="0"/>
-                    </a:p>
-                  </a:txBody>
-                  <a:tcPr/>
-                </a:tc>
-                <a:tc>
-                  <a:txBody>
-                    <a:bodyPr/>
-                    <a:lstStyle/>
-                    <a:p>
-                      <a:pPr algn="ctr"/>
-                      <a:r>
-                        <a:rPr lang="it-IT" dirty="0" smtClean="0"/>
-                        <a:t>7.189s</a:t>
-                      </a:r>
-                      <a:endParaRPr lang="it-IT" dirty="0"/>
-                    </a:p>
-                  </a:txBody>
-                  <a:tcPr/>
-                </a:tc>
-                <a:tc>
-                  <a:txBody>
-                    <a:bodyPr/>
-                    <a:lstStyle/>
-                    <a:p>
-                      <a:pPr algn="ctr"/>
-                      <a:r>
-                        <a:rPr lang="it-IT" dirty="0" smtClean="0"/>
-                        <a:t>16.866s</a:t>
-                      </a:r>
-                      <a:endParaRPr lang="it-IT" dirty="0"/>
-                    </a:p>
-                  </a:txBody>
-                  <a:tcPr/>
-                </a:tc>
-                <a:tc>
-                  <a:txBody>
-                    <a:bodyPr/>
-                    <a:lstStyle/>
-                    <a:p>
-                      <a:pPr algn="ctr"/>
-                      <a:r>
-                        <a:rPr lang="it-IT" dirty="0" smtClean="0"/>
-                        <a:t>75.064s</a:t>
-                      </a:r>
-                      <a:endParaRPr lang="it-IT" dirty="0"/>
+                      <a:endParaRPr lang="it-IT" sz="1600" dirty="0"/>
+                    </a:p>
+                  </a:txBody>
+                  <a:tcPr/>
+                </a:tc>
+                <a:tc>
+                  <a:txBody>
+                    <a:bodyPr/>
+                    <a:lstStyle/>
+                    <a:p>
+                      <a:pPr algn="ctr"/>
+                      <a:r>
+                        <a:rPr lang="it-IT" sz="1600" dirty="0" smtClean="0"/>
+                        <a:t>0</a:t>
+                      </a:r>
+                      <a:endParaRPr lang="it-IT" sz="1600" dirty="0"/>
+                    </a:p>
+                  </a:txBody>
+                  <a:tcPr/>
+                </a:tc>
+                <a:tc>
+                  <a:txBody>
+                    <a:bodyPr/>
+                    <a:lstStyle/>
+                    <a:p>
+                      <a:pPr algn="ctr"/>
+                      <a:r>
+                        <a:rPr lang="it-IT" sz="1600" dirty="0" smtClean="0"/>
+                        <a:t>18.553s</a:t>
+                      </a:r>
+                    </a:p>
+                    <a:p>
+                      <a:pPr algn="ctr"/>
+                      <a:r>
+                        <a:rPr lang="it-IT" sz="1600" dirty="0" smtClean="0"/>
+                        <a:t>17.986s</a:t>
+                      </a:r>
+                      <a:endParaRPr lang="it-IT" sz="1600" dirty="0"/>
+                    </a:p>
+                  </a:txBody>
+                  <a:tcPr/>
+                </a:tc>
+                <a:tc>
+                  <a:txBody>
+                    <a:bodyPr/>
+                    <a:lstStyle/>
+                    <a:p>
+                      <a:pPr algn="ctr"/>
+                      <a:r>
+                        <a:rPr lang="it-IT" sz="1600" dirty="0" smtClean="0"/>
+                        <a:t>30.748s</a:t>
+                      </a:r>
+                    </a:p>
+                    <a:p>
+                      <a:pPr algn="ctr"/>
+                      <a:r>
+                        <a:rPr lang="it-IT" sz="1600" dirty="0" smtClean="0"/>
+                        <a:t>29.15s</a:t>
+                      </a:r>
+                      <a:endParaRPr lang="it-IT" sz="1600" dirty="0"/>
+                    </a:p>
+                  </a:txBody>
+                  <a:tcPr/>
+                </a:tc>
+                <a:tc>
+                  <a:txBody>
+                    <a:bodyPr/>
+                    <a:lstStyle/>
+                    <a:p>
+                      <a:pPr algn="ctr"/>
+                      <a:r>
+                        <a:rPr lang="it-IT" sz="1600" dirty="0" smtClean="0"/>
+                        <a:t>75.634s 69.497s</a:t>
+                      </a:r>
+                      <a:endParaRPr lang="it-IT" sz="1600" dirty="0"/>
                     </a:p>
                   </a:txBody>
                   <a:tcPr/>
@@ -6488,115 +6580,121 @@
                     <a:p>
                       <a:pPr algn="ctr"/>
                       <a:r>
-                        <a:rPr lang="it-IT" dirty="0" smtClean="0"/>
+                        <a:rPr lang="it-IT" sz="1600" dirty="0" smtClean="0"/>
                         <a:t>5</a:t>
                       </a:r>
-                      <a:endParaRPr lang="it-IT" dirty="0"/>
-                    </a:p>
-                  </a:txBody>
-                  <a:tcPr/>
-                </a:tc>
-                <a:tc>
-                  <a:txBody>
-                    <a:bodyPr/>
-                    <a:lstStyle/>
-                    <a:p>
-                      <a:pPr algn="ctr"/>
-                      <a:r>
-                        <a:rPr lang="it-IT" dirty="0" smtClean="0"/>
+                      <a:endParaRPr lang="it-IT" sz="1600" dirty="0"/>
+                    </a:p>
+                  </a:txBody>
+                  <a:tcPr/>
+                </a:tc>
+                <a:tc>
+                  <a:txBody>
+                    <a:bodyPr/>
+                    <a:lstStyle/>
+                    <a:p>
+                      <a:pPr algn="ctr"/>
+                      <a:r>
+                        <a:rPr lang="it-IT" sz="1600" dirty="0" smtClean="0"/>
                         <a:t>0</a:t>
                       </a:r>
-                      <a:endParaRPr lang="it-IT" dirty="0"/>
-                    </a:p>
-                  </a:txBody>
-                  <a:tcPr/>
-                </a:tc>
-                <a:tc>
-                  <a:txBody>
-                    <a:bodyPr/>
-                    <a:lstStyle/>
-                    <a:p>
-                      <a:pPr algn="ctr"/>
-                      <a:r>
-                        <a:rPr lang="it-IT" dirty="0" smtClean="0"/>
+                      <a:endParaRPr lang="it-IT" sz="1600" dirty="0"/>
+                    </a:p>
+                  </a:txBody>
+                  <a:tcPr/>
+                </a:tc>
+                <a:tc>
+                  <a:txBody>
+                    <a:bodyPr/>
+                    <a:lstStyle/>
+                    <a:p>
+                      <a:pPr algn="ctr"/>
+                      <a:r>
+                        <a:rPr lang="it-IT" sz="1600" dirty="0" smtClean="0"/>
+                        <a:t>0</a:t>
+                      </a:r>
+                      <a:endParaRPr lang="it-IT" sz="1600" dirty="0"/>
+                    </a:p>
+                  </a:txBody>
+                  <a:tcPr/>
+                </a:tc>
+                <a:tc>
+                  <a:txBody>
+                    <a:bodyPr/>
+                    <a:lstStyle/>
+                    <a:p>
+                      <a:pPr algn="ctr"/>
+                      <a:r>
+                        <a:rPr lang="it-IT" sz="1600" dirty="0" smtClean="0"/>
                         <a:t>100</a:t>
                       </a:r>
-                      <a:endParaRPr lang="it-IT" dirty="0"/>
-                    </a:p>
-                  </a:txBody>
-                  <a:tcPr/>
-                </a:tc>
-                <a:tc>
-                  <a:txBody>
-                    <a:bodyPr/>
-                    <a:lstStyle/>
-                    <a:p>
-                      <a:pPr algn="ctr"/>
-                      <a:r>
-                        <a:rPr lang="it-IT" dirty="0" smtClean="0"/>
-                        <a:t>0</a:t>
-                      </a:r>
-                      <a:endParaRPr lang="it-IT" dirty="0"/>
-                    </a:p>
-                  </a:txBody>
-                  <a:tcPr/>
-                </a:tc>
-                <a:tc>
-                  <a:txBody>
-                    <a:bodyPr/>
-                    <a:lstStyle/>
-                    <a:p>
-                      <a:pPr algn="ctr"/>
-                      <a:r>
-                        <a:rPr lang="it-IT" dirty="0" smtClean="0"/>
-                        <a:t>0</a:t>
-                      </a:r>
-                      <a:endParaRPr lang="it-IT" dirty="0"/>
-                    </a:p>
-                  </a:txBody>
-                  <a:tcPr/>
-                </a:tc>
-                <a:tc>
-                  <a:txBody>
-                    <a:bodyPr/>
-                    <a:lstStyle/>
-                    <a:p>
-                      <a:pPr algn="ctr"/>
-                      <a:r>
-                        <a:rPr lang="it-IT" dirty="0" smtClean="0"/>
+                      <a:endParaRPr lang="it-IT" sz="1600" dirty="0"/>
+                    </a:p>
+                  </a:txBody>
+                  <a:tcPr/>
+                </a:tc>
+                <a:tc>
+                  <a:txBody>
+                    <a:bodyPr/>
+                    <a:lstStyle/>
+                    <a:p>
+                      <a:pPr algn="ctr"/>
+                      <a:r>
+                        <a:rPr lang="it-IT" sz="1600" dirty="0" smtClean="0"/>
                         <a:t>7.219s</a:t>
                       </a:r>
-                      <a:endParaRPr lang="it-IT" dirty="0"/>
-                    </a:p>
-                  </a:txBody>
-                  <a:tcPr/>
-                </a:tc>
-                <a:tc>
-                  <a:txBody>
-                    <a:bodyPr/>
-                    <a:lstStyle/>
-                    <a:p>
-                      <a:pPr algn="ctr"/>
-                      <a:r>
-                        <a:rPr lang="it-IT" dirty="0" smtClean="0"/>
+                    </a:p>
+                    <a:p>
+                      <a:pPr algn="ctr"/>
+                      <a:r>
+                        <a:rPr lang="it-IT" sz="1600" dirty="0" smtClean="0"/>
+                        <a:t>6.439s</a:t>
+                      </a:r>
+                      <a:endParaRPr lang="it-IT" sz="1600" dirty="0"/>
+                    </a:p>
+                  </a:txBody>
+                  <a:tcPr/>
+                </a:tc>
+                <a:tc>
+                  <a:txBody>
+                    <a:bodyPr/>
+                    <a:lstStyle/>
+                    <a:p>
+                      <a:pPr algn="ctr"/>
+                      <a:r>
+                        <a:rPr lang="it-IT" sz="1600" dirty="0" smtClean="0"/>
                         <a:t>16.913s</a:t>
                       </a:r>
-                      <a:endParaRPr lang="it-IT" dirty="0"/>
-                    </a:p>
-                  </a:txBody>
-                  <a:tcPr/>
-                </a:tc>
-                <a:tc>
-                  <a:txBody>
-                    <a:bodyPr/>
-                    <a:lstStyle/>
-                    <a:p>
-                      <a:pPr algn="ctr"/>
-                      <a:r>
-                        <a:rPr lang="it-IT" dirty="0" smtClean="0"/>
+                    </a:p>
+                    <a:p>
+                      <a:pPr algn="ctr"/>
+                      <a:r>
+                        <a:rPr lang="it-IT" sz="1600" dirty="0" smtClean="0"/>
+                        <a:t>15.564s</a:t>
+                      </a:r>
+                      <a:endParaRPr lang="it-IT" sz="1600" dirty="0" smtClean="0"/>
+                    </a:p>
+                  </a:txBody>
+                  <a:tcPr/>
+                </a:tc>
+                <a:tc>
+                  <a:txBody>
+                    <a:bodyPr/>
+                    <a:lstStyle/>
+                    <a:p>
+                      <a:pPr algn="ctr"/>
+                      <a:r>
+                        <a:rPr lang="it-IT" sz="1600" dirty="0" smtClean="0"/>
                         <a:t>74.51s</a:t>
                       </a:r>
-                      <a:endParaRPr lang="it-IT" dirty="0"/>
+                    </a:p>
+                    <a:p>
+                      <a:pPr algn="ctr"/>
+                      <a:r>
+                        <a:rPr lang="it-IT" sz="1600" dirty="0" smtClean="0"/>
+                        <a:t>71.607s</a:t>
+                      </a:r>
+                      <a:endParaRPr lang="it-IT" sz="1600" dirty="0"/>
                     </a:p>
                   </a:txBody>
                   <a:tcPr/>
@@ -6610,115 +6708,121 @@
                     <a:p>
                       <a:pPr algn="ctr"/>
                       <a:r>
-                        <a:rPr lang="it-IT" dirty="0" smtClean="0"/>
+                        <a:rPr lang="it-IT" sz="1600" dirty="0" smtClean="0"/>
                         <a:t>5</a:t>
                       </a:r>
-                      <a:endParaRPr lang="it-IT" dirty="0"/>
-                    </a:p>
-                  </a:txBody>
-                  <a:tcPr/>
-                </a:tc>
-                <a:tc>
-                  <a:txBody>
-                    <a:bodyPr/>
-                    <a:lstStyle/>
-                    <a:p>
-                      <a:pPr algn="ctr"/>
-                      <a:r>
-                        <a:rPr lang="it-IT" dirty="0" smtClean="0"/>
-                        <a:t>0</a:t>
-                      </a:r>
-                      <a:endParaRPr lang="it-IT" dirty="0"/>
-                    </a:p>
-                  </a:txBody>
-                  <a:tcPr/>
-                </a:tc>
-                <a:tc>
-                  <a:txBody>
-                    <a:bodyPr/>
-                    <a:lstStyle/>
-                    <a:p>
-                      <a:pPr algn="ctr"/>
-                      <a:r>
-                        <a:rPr lang="it-IT" dirty="0" smtClean="0"/>
-                        <a:t>0</a:t>
-                      </a:r>
-                      <a:endParaRPr lang="it-IT" dirty="0"/>
-                    </a:p>
-                  </a:txBody>
-                  <a:tcPr/>
-                </a:tc>
-                <a:tc>
-                  <a:txBody>
-                    <a:bodyPr/>
-                    <a:lstStyle/>
-                    <a:p>
-                      <a:pPr algn="ctr"/>
-                      <a:r>
-                        <a:rPr lang="it-IT" dirty="0" smtClean="0"/>
-                        <a:t>0</a:t>
-                      </a:r>
-                      <a:endParaRPr lang="it-IT" dirty="0"/>
-                    </a:p>
-                  </a:txBody>
-                  <a:tcPr/>
-                </a:tc>
-                <a:tc>
-                  <a:txBody>
-                    <a:bodyPr/>
-                    <a:lstStyle/>
-                    <a:p>
-                      <a:pPr algn="ctr"/>
-                      <a:r>
-                        <a:rPr lang="it-IT" dirty="0" smtClean="0"/>
-                        <a:t>100</a:t>
-                      </a:r>
-                      <a:endParaRPr lang="it-IT" dirty="0"/>
-                    </a:p>
-                  </a:txBody>
-                  <a:tcPr/>
-                </a:tc>
-                <a:tc>
-                  <a:txBody>
-                    <a:bodyPr/>
-                    <a:lstStyle/>
-                    <a:p>
-                      <a:pPr algn="ctr"/>
-                      <a:r>
-                        <a:rPr lang="it-IT" dirty="0" smtClean="0"/>
-                        <a:t>18.553s</a:t>
-                      </a:r>
-                      <a:endParaRPr lang="it-IT" dirty="0"/>
-                    </a:p>
-                  </a:txBody>
-                  <a:tcPr/>
-                </a:tc>
-                <a:tc>
-                  <a:txBody>
-                    <a:bodyPr/>
-                    <a:lstStyle/>
-                    <a:p>
-                      <a:pPr algn="ctr"/>
-                      <a:r>
-                        <a:rPr lang="it-IT" dirty="0" smtClean="0"/>
-                        <a:t>30.748s</a:t>
-                      </a:r>
-                      <a:endParaRPr lang="it-IT" dirty="0"/>
-                    </a:p>
-                  </a:txBody>
-                  <a:tcPr/>
-                </a:tc>
-                <a:tc>
-                  <a:txBody>
-                    <a:bodyPr/>
-                    <a:lstStyle/>
-                    <a:p>
-                      <a:pPr algn="ctr"/>
-                      <a:r>
-                        <a:rPr lang="it-IT" dirty="0" smtClean="0"/>
-                        <a:t>75.634s</a:t>
-                      </a:r>
-                      <a:endParaRPr lang="it-IT" dirty="0"/>
+                      <a:endParaRPr lang="it-IT" sz="1600" dirty="0"/>
+                    </a:p>
+                  </a:txBody>
+                  <a:tcPr/>
+                </a:tc>
+                <a:tc>
+                  <a:txBody>
+                    <a:bodyPr/>
+                    <a:lstStyle/>
+                    <a:p>
+                      <a:pPr algn="ctr"/>
+                      <a:r>
+                        <a:rPr lang="it-IT" sz="1600" dirty="0" smtClean="0"/>
+                        <a:t>50</a:t>
+                      </a:r>
+                      <a:endParaRPr lang="it-IT" sz="1600" dirty="0"/>
+                    </a:p>
+                  </a:txBody>
+                  <a:tcPr/>
+                </a:tc>
+                <a:tc>
+                  <a:txBody>
+                    <a:bodyPr/>
+                    <a:lstStyle/>
+                    <a:p>
+                      <a:pPr algn="ctr"/>
+                      <a:r>
+                        <a:rPr lang="it-IT" sz="1600" dirty="0" smtClean="0"/>
+                        <a:t>50</a:t>
+                      </a:r>
+                      <a:endParaRPr lang="it-IT" sz="1600" dirty="0"/>
+                    </a:p>
+                  </a:txBody>
+                  <a:tcPr/>
+                </a:tc>
+                <a:tc>
+                  <a:txBody>
+                    <a:bodyPr/>
+                    <a:lstStyle/>
+                    <a:p>
+                      <a:pPr algn="ctr"/>
+                      <a:r>
+                        <a:rPr lang="it-IT" sz="1600" dirty="0" smtClean="0"/>
+                        <a:t>50</a:t>
+                      </a:r>
+                      <a:endParaRPr lang="it-IT" sz="1600" dirty="0"/>
+                    </a:p>
+                  </a:txBody>
+                  <a:tcPr/>
+                </a:tc>
+                <a:tc>
+                  <a:txBody>
+                    <a:bodyPr/>
+                    <a:lstStyle/>
+                    <a:p>
+                      <a:pPr algn="ctr"/>
+                      <a:r>
+                        <a:rPr lang="it-IT" sz="1600" dirty="0" smtClean="0"/>
+                        <a:t>23.421s</a:t>
+                      </a:r>
+                    </a:p>
+                    <a:p>
+                      <a:pPr algn="ctr"/>
+                      <a:r>
+                        <a:rPr lang="it-IT" sz="1600" dirty="0" smtClean="0"/>
+                        <a:t>22.62s</a:t>
+                      </a:r>
+                      <a:endParaRPr lang="it-IT" sz="1600" dirty="0"/>
+                    </a:p>
+                  </a:txBody>
+                  <a:tcPr/>
+                </a:tc>
+                <a:tc>
+                  <a:txBody>
+                    <a:bodyPr/>
+                    <a:lstStyle/>
+                    <a:p>
+                      <a:pPr algn="ctr"/>
+                      <a:r>
+                        <a:rPr lang="it-IT" sz="1600" dirty="0" smtClean="0"/>
+                        <a:t>28.106s</a:t>
+                      </a:r>
+                    </a:p>
+                    <a:p>
+                      <a:pPr algn="ctr"/>
+                      <a:r>
+                        <a:rPr lang="it-IT" sz="1600" dirty="0" smtClean="0"/>
+                        <a:t>27.985s</a:t>
+                      </a:r>
+                      <a:endParaRPr lang="it-IT" sz="1600" dirty="0"/>
+                    </a:p>
+                  </a:txBody>
+                  <a:tcPr/>
+                </a:tc>
+                <a:tc>
+                  <a:txBody>
+                    <a:bodyPr/>
+                    <a:lstStyle/>
+                    <a:p>
+                      <a:pPr algn="ctr"/>
+                      <a:r>
+                        <a:rPr lang="it-IT" sz="1600" dirty="0" smtClean="0"/>
+                        <a:t>76.331s</a:t>
+                      </a:r>
+                    </a:p>
+                    <a:p>
+                      <a:pPr algn="ctr"/>
+                      <a:r>
+                        <a:rPr lang="it-IT" sz="1600" dirty="0" smtClean="0"/>
+                        <a:t>70.562s</a:t>
+                      </a:r>
+                      <a:endParaRPr lang="it-IT" sz="1600" dirty="0"/>
                     </a:p>
                   </a:txBody>
                   <a:tcPr/>
@@ -6732,115 +6836,120 @@
                     <a:p>
                       <a:pPr algn="ctr"/>
                       <a:r>
-                        <a:rPr lang="it-IT" dirty="0" smtClean="0"/>
+                        <a:rPr lang="it-IT" sz="1600" dirty="0" smtClean="0"/>
                         <a:t>5</a:t>
                       </a:r>
-                      <a:endParaRPr lang="it-IT" dirty="0"/>
-                    </a:p>
-                  </a:txBody>
-                  <a:tcPr/>
-                </a:tc>
-                <a:tc>
-                  <a:txBody>
-                    <a:bodyPr/>
-                    <a:lstStyle/>
-                    <a:p>
-                      <a:pPr algn="ctr"/>
-                      <a:r>
-                        <a:rPr lang="it-IT" dirty="0" smtClean="0"/>
-                        <a:t>50</a:t>
-                      </a:r>
-                      <a:endParaRPr lang="it-IT" dirty="0"/>
-                    </a:p>
-                  </a:txBody>
-                  <a:tcPr/>
-                </a:tc>
-                <a:tc>
-                  <a:txBody>
-                    <a:bodyPr/>
-                    <a:lstStyle/>
-                    <a:p>
-                      <a:pPr algn="ctr"/>
-                      <a:r>
-                        <a:rPr lang="it-IT" dirty="0" smtClean="0"/>
-                        <a:t>50</a:t>
-                      </a:r>
-                      <a:endParaRPr lang="it-IT" dirty="0"/>
-                    </a:p>
-                  </a:txBody>
-                  <a:tcPr/>
-                </a:tc>
-                <a:tc>
-                  <a:txBody>
-                    <a:bodyPr/>
-                    <a:lstStyle/>
-                    <a:p>
-                      <a:pPr algn="ctr"/>
-                      <a:r>
-                        <a:rPr lang="it-IT" dirty="0" smtClean="0"/>
-                        <a:t>50</a:t>
-                      </a:r>
-                      <a:endParaRPr lang="it-IT" dirty="0"/>
-                    </a:p>
-                  </a:txBody>
-                  <a:tcPr/>
-                </a:tc>
-                <a:tc>
-                  <a:txBody>
-                    <a:bodyPr/>
-                    <a:lstStyle/>
-                    <a:p>
-                      <a:pPr algn="ctr"/>
-                      <a:r>
-                        <a:rPr lang="it-IT" dirty="0" smtClean="0"/>
-                        <a:t>50</a:t>
-                      </a:r>
-                      <a:endParaRPr lang="it-IT" dirty="0"/>
-                    </a:p>
-                  </a:txBody>
-                  <a:tcPr/>
-                </a:tc>
-                <a:tc>
-                  <a:txBody>
-                    <a:bodyPr/>
-                    <a:lstStyle/>
-                    <a:p>
-                      <a:pPr algn="ctr"/>
-                      <a:r>
-                        <a:rPr lang="it-IT" dirty="0" smtClean="0"/>
-                        <a:t>23.421s</a:t>
-                      </a:r>
-                      <a:endParaRPr lang="it-IT" dirty="0"/>
-                    </a:p>
-                  </a:txBody>
-                  <a:tcPr/>
-                </a:tc>
-                <a:tc>
-                  <a:txBody>
-                    <a:bodyPr/>
-                    <a:lstStyle/>
-                    <a:p>
-                      <a:pPr algn="ctr"/>
-                      <a:r>
-                        <a:rPr lang="it-IT" dirty="0" smtClean="0"/>
-                        <a:t>28.106s</a:t>
-                      </a:r>
-                      <a:endParaRPr lang="it-IT" dirty="0"/>
-                    </a:p>
-                  </a:txBody>
-                  <a:tcPr/>
-                </a:tc>
-                <a:tc>
-                  <a:txBody>
-                    <a:bodyPr/>
-                    <a:lstStyle/>
-                    <a:p>
-                      <a:pPr algn="ctr"/>
-                      <a:r>
-                        <a:rPr lang="it-IT" dirty="0" smtClean="0"/>
-                        <a:t>76.331s</a:t>
-                      </a:r>
-                      <a:endParaRPr lang="it-IT" dirty="0"/>
+                    </a:p>
+                  </a:txBody>
+                  <a:tcPr/>
+                </a:tc>
+                <a:tc>
+                  <a:txBody>
+                    <a:bodyPr/>
+                    <a:lstStyle/>
+                    <a:p>
+                      <a:pPr algn="ctr"/>
+                      <a:r>
+                        <a:rPr lang="it-IT" sz="1600" dirty="0" smtClean="0"/>
+                        <a:t>100</a:t>
+                      </a:r>
+                      <a:endParaRPr lang="it-IT" sz="1600" dirty="0"/>
+                    </a:p>
+                  </a:txBody>
+                  <a:tcPr/>
+                </a:tc>
+                <a:tc>
+                  <a:txBody>
+                    <a:bodyPr/>
+                    <a:lstStyle/>
+                    <a:p>
+                      <a:pPr algn="ctr"/>
+                      <a:r>
+                        <a:rPr lang="it-IT" sz="1600" dirty="0" smtClean="0"/>
+                        <a:t>100</a:t>
+                      </a:r>
+                      <a:endParaRPr lang="it-IT" sz="1600" dirty="0"/>
+                    </a:p>
+                  </a:txBody>
+                  <a:tcPr/>
+                </a:tc>
+                <a:tc>
+                  <a:txBody>
+                    <a:bodyPr/>
+                    <a:lstStyle/>
+                    <a:p>
+                      <a:pPr algn="ctr"/>
+                      <a:r>
+                        <a:rPr lang="it-IT" sz="1600" dirty="0" smtClean="0"/>
+                        <a:t>100</a:t>
+                      </a:r>
+                      <a:endParaRPr lang="it-IT" sz="1600" dirty="0"/>
+                    </a:p>
+                  </a:txBody>
+                  <a:tcPr/>
+                </a:tc>
+                <a:tc>
+                  <a:txBody>
+                    <a:bodyPr/>
+                    <a:lstStyle/>
+                    <a:p>
+                      <a:pPr algn="ctr"/>
+                      <a:r>
+                        <a:rPr lang="it-IT" sz="1600" dirty="0" smtClean="0"/>
+                        <a:t>23.594s</a:t>
+                      </a:r>
+                    </a:p>
+                    <a:p>
+                      <a:pPr algn="ctr"/>
+                      <a:r>
+                        <a:rPr lang="it-IT" sz="1600" dirty="0" smtClean="0"/>
+                        <a:t>18.819s</a:t>
+                      </a:r>
+                      <a:endParaRPr lang="it-IT" sz="1600" dirty="0"/>
+                    </a:p>
+                  </a:txBody>
+                  <a:tcPr/>
+                </a:tc>
+                <a:tc>
+                  <a:txBody>
+                    <a:bodyPr/>
+                    <a:lstStyle/>
+                    <a:p>
+                      <a:pPr algn="ctr"/>
+                      <a:r>
+                        <a:rPr lang="it-IT" sz="1600" dirty="0" smtClean="0"/>
+                        <a:t>28.871s</a:t>
+                      </a:r>
+                    </a:p>
+                    <a:p>
+                      <a:pPr algn="ctr"/>
+                      <a:r>
+                        <a:rPr lang="it-IT" sz="1600" dirty="0" smtClean="0"/>
+                        <a:t>28.809s</a:t>
+                      </a:r>
+                      <a:endParaRPr lang="it-IT" sz="1600" dirty="0"/>
+                    </a:p>
+                  </a:txBody>
+                  <a:tcPr/>
+                </a:tc>
+                <a:tc>
+                  <a:txBody>
+                    <a:bodyPr/>
+                    <a:lstStyle/>
+                    <a:p>
+                      <a:pPr algn="ctr"/>
+                      <a:r>
+                        <a:rPr lang="it-IT" sz="1600" dirty="0" smtClean="0"/>
+                        <a:t>78.667s</a:t>
+                      </a:r>
+                    </a:p>
+                    <a:p>
+                      <a:pPr algn="ctr"/>
+                      <a:r>
+                        <a:rPr lang="it-IT" sz="1600" dirty="0" smtClean="0"/>
+                        <a:t>68.57s</a:t>
+                      </a:r>
+                      <a:endParaRPr lang="it-IT" sz="1600" dirty="0"/>
                     </a:p>
                   </a:txBody>
                   <a:tcPr/>
@@ -6854,114 +6963,119 @@
                     <a:p>
                       <a:pPr algn="ctr"/>
                       <a:r>
-                        <a:rPr lang="it-IT" dirty="0" smtClean="0"/>
-                        <a:t>5</a:t>
-                      </a:r>
-                    </a:p>
-                  </a:txBody>
-                  <a:tcPr/>
-                </a:tc>
-                <a:tc>
-                  <a:txBody>
-                    <a:bodyPr/>
-                    <a:lstStyle/>
-                    <a:p>
-                      <a:pPr algn="ctr"/>
-                      <a:r>
-                        <a:rPr lang="it-IT" dirty="0" smtClean="0"/>
-                        <a:t>100</a:t>
-                      </a:r>
-                      <a:endParaRPr lang="it-IT" dirty="0"/>
-                    </a:p>
-                  </a:txBody>
-                  <a:tcPr/>
-                </a:tc>
-                <a:tc>
-                  <a:txBody>
-                    <a:bodyPr/>
-                    <a:lstStyle/>
-                    <a:p>
-                      <a:pPr algn="ctr"/>
-                      <a:r>
-                        <a:rPr lang="it-IT" dirty="0" smtClean="0"/>
-                        <a:t>100</a:t>
-                      </a:r>
-                      <a:endParaRPr lang="it-IT" dirty="0"/>
-                    </a:p>
-                  </a:txBody>
-                  <a:tcPr/>
-                </a:tc>
-                <a:tc>
-                  <a:txBody>
-                    <a:bodyPr/>
-                    <a:lstStyle/>
-                    <a:p>
-                      <a:pPr algn="ctr"/>
-                      <a:r>
-                        <a:rPr lang="it-IT" dirty="0" smtClean="0"/>
-                        <a:t>100</a:t>
-                      </a:r>
-                      <a:endParaRPr lang="it-IT" dirty="0"/>
-                    </a:p>
-                  </a:txBody>
-                  <a:tcPr/>
-                </a:tc>
-                <a:tc>
-                  <a:txBody>
-                    <a:bodyPr/>
-                    <a:lstStyle/>
-                    <a:p>
-                      <a:pPr algn="ctr"/>
-                      <a:r>
-                        <a:rPr lang="it-IT" dirty="0" smtClean="0"/>
-                        <a:t>100</a:t>
-                      </a:r>
-                      <a:endParaRPr lang="it-IT" dirty="0"/>
-                    </a:p>
-                  </a:txBody>
-                  <a:tcPr/>
-                </a:tc>
-                <a:tc>
-                  <a:txBody>
-                    <a:bodyPr/>
-                    <a:lstStyle/>
-                    <a:p>
-                      <a:pPr algn="ctr"/>
-                      <a:r>
-                        <a:rPr lang="it-IT" dirty="0" smtClean="0"/>
-                        <a:t>23.594s</a:t>
-                      </a:r>
-                      <a:endParaRPr lang="it-IT" dirty="0"/>
-                    </a:p>
-                  </a:txBody>
-                  <a:tcPr/>
-                </a:tc>
-                <a:tc>
-                  <a:txBody>
-                    <a:bodyPr/>
-                    <a:lstStyle/>
-                    <a:p>
-                      <a:pPr algn="ctr"/>
-                      <a:r>
-                        <a:rPr lang="it-IT" dirty="0" smtClean="0"/>
-                        <a:t>28.871s</a:t>
-                      </a:r>
-                      <a:endParaRPr lang="it-IT" dirty="0"/>
-                    </a:p>
-                  </a:txBody>
-                  <a:tcPr/>
-                </a:tc>
-                <a:tc>
-                  <a:txBody>
-                    <a:bodyPr/>
-                    <a:lstStyle/>
-                    <a:p>
-                      <a:pPr algn="ctr"/>
-                      <a:r>
-                        <a:rPr lang="it-IT" dirty="0" smtClean="0"/>
-                        <a:t>78.667s</a:t>
-                      </a:r>
-                      <a:endParaRPr lang="it-IT" dirty="0"/>
+                        <a:rPr lang="it-IT" sz="1600" dirty="0" smtClean="0"/>
+                        <a:t>10</a:t>
+                      </a:r>
+                    </a:p>
+                  </a:txBody>
+                  <a:tcPr/>
+                </a:tc>
+                <a:tc>
+                  <a:txBody>
+                    <a:bodyPr/>
+                    <a:lstStyle/>
+                    <a:p>
+                      <a:pPr algn="ctr"/>
+                      <a:r>
+                        <a:rPr lang="it-IT" sz="1600" dirty="0" smtClean="0"/>
+                        <a:t>0</a:t>
+                      </a:r>
+                      <a:endParaRPr lang="it-IT" sz="1600" dirty="0"/>
+                    </a:p>
+                  </a:txBody>
+                  <a:tcPr/>
+                </a:tc>
+                <a:tc>
+                  <a:txBody>
+                    <a:bodyPr/>
+                    <a:lstStyle/>
+                    <a:p>
+                      <a:pPr algn="ctr"/>
+                      <a:r>
+                        <a:rPr lang="it-IT" sz="1600" dirty="0" smtClean="0"/>
+                        <a:t>0</a:t>
+                      </a:r>
+                      <a:endParaRPr lang="it-IT" sz="1600" dirty="0"/>
+                    </a:p>
+                  </a:txBody>
+                  <a:tcPr/>
+                </a:tc>
+                <a:tc>
+                  <a:txBody>
+                    <a:bodyPr/>
+                    <a:lstStyle/>
+                    <a:p>
+                      <a:pPr algn="ctr"/>
+                      <a:r>
+                        <a:rPr lang="it-IT" sz="1600" dirty="0" smtClean="0"/>
+                        <a:t>0</a:t>
+                      </a:r>
+                      <a:endParaRPr lang="it-IT" sz="1600" dirty="0"/>
+                    </a:p>
+                  </a:txBody>
+                  <a:tcPr/>
+                </a:tc>
+                <a:tc>
+                  <a:txBody>
+                    <a:bodyPr/>
+                    <a:lstStyle/>
+                    <a:p>
+                      <a:pPr algn="ctr"/>
+                      <a:r>
+                        <a:rPr lang="it-IT" sz="1600" dirty="0" smtClean="0"/>
+                        <a:t>13.332s</a:t>
+                      </a:r>
+                    </a:p>
+                    <a:p>
+                      <a:pPr algn="ctr"/>
+                      <a:r>
+                        <a:rPr lang="it-IT" sz="1600" dirty="0" smtClean="0"/>
+                        <a:t>11.922s</a:t>
+                      </a:r>
+                      <a:endParaRPr lang="it-IT" sz="1600" dirty="0"/>
+                    </a:p>
+                  </a:txBody>
+                  <a:tcPr/>
+                </a:tc>
+                <a:tc>
+                  <a:txBody>
+                    <a:bodyPr/>
+                    <a:lstStyle/>
+                    <a:p>
+                      <a:pPr algn="ctr"/>
+                      <a:r>
+                        <a:rPr lang="it-IT" sz="1600" dirty="0" smtClean="0"/>
+                        <a:t>33.451s</a:t>
+                      </a:r>
+                    </a:p>
+                    <a:p>
+                      <a:pPr algn="ctr"/>
+                      <a:r>
+                        <a:rPr lang="it-IT" sz="1600" dirty="0" smtClean="0"/>
+                        <a:t>29.222s</a:t>
+                      </a:r>
+                      <a:endParaRPr lang="it-IT" sz="1600" dirty="0"/>
+                    </a:p>
+                  </a:txBody>
+                  <a:tcPr/>
+                </a:tc>
+                <a:tc>
+                  <a:txBody>
+                    <a:bodyPr/>
+                    <a:lstStyle/>
+                    <a:p>
+                      <a:pPr algn="ctr"/>
+                      <a:r>
+                        <a:rPr lang="it-IT" sz="1600" dirty="0" smtClean="0"/>
+                        <a:t>133.174s</a:t>
+                      </a:r>
+                    </a:p>
+                    <a:p>
+                      <a:pPr algn="ctr"/>
+                      <a:r>
+                        <a:rPr lang="it-IT" sz="1600" dirty="0" smtClean="0"/>
+                        <a:t>117.03s</a:t>
+                      </a:r>
                     </a:p>
                   </a:txBody>
                   <a:tcPr/>
@@ -6975,7 +7089,7 @@
                     <a:p>
                       <a:pPr algn="ctr"/>
                       <a:r>
-                        <a:rPr lang="it-IT" dirty="0" smtClean="0"/>
+                        <a:rPr lang="it-IT" sz="1600" dirty="0" smtClean="0"/>
                         <a:t>10</a:t>
                       </a:r>
                     </a:p>
@@ -6989,88 +7103,122 @@
                     <a:p>
                       <a:pPr algn="ctr"/>
                       <a:r>
-                        <a:rPr lang="it-IT" dirty="0" smtClean="0"/>
+                        <a:rPr lang="it-IT" sz="1600" dirty="0" smtClean="0"/>
+                        <a:t>100</a:t>
+                      </a:r>
+                      <a:endParaRPr lang="it-IT" sz="1600" dirty="0"/>
+                    </a:p>
+                  </a:txBody>
+                  <a:tcPr/>
+                </a:tc>
+                <a:tc>
+                  <a:txBody>
+                    <a:bodyPr/>
+                    <a:lstStyle/>
+                    <a:p>
+                      <a:pPr algn="ctr"/>
+                      <a:r>
+                        <a:rPr lang="it-IT" sz="1600" dirty="0" smtClean="0"/>
                         <a:t>0</a:t>
                       </a:r>
-                      <a:endParaRPr lang="it-IT" dirty="0"/>
-                    </a:p>
-                  </a:txBody>
-                  <a:tcPr/>
-                </a:tc>
-                <a:tc>
-                  <a:txBody>
-                    <a:bodyPr/>
-                    <a:lstStyle/>
-                    <a:p>
-                      <a:pPr algn="ctr"/>
-                      <a:r>
-                        <a:rPr lang="it-IT" dirty="0" smtClean="0"/>
+                      <a:endParaRPr lang="it-IT" sz="1600" dirty="0"/>
+                    </a:p>
+                  </a:txBody>
+                  <a:tcPr/>
+                </a:tc>
+                <a:tc>
+                  <a:txBody>
+                    <a:bodyPr/>
+                    <a:lstStyle/>
+                    <a:p>
+                      <a:pPr algn="ctr"/>
+                      <a:r>
+                        <a:rPr lang="it-IT" sz="1600" dirty="0" smtClean="0"/>
                         <a:t>0</a:t>
                       </a:r>
-                      <a:endParaRPr lang="it-IT" dirty="0"/>
-                    </a:p>
-                  </a:txBody>
-                  <a:tcPr/>
-                </a:tc>
-                <a:tc>
-                  <a:txBody>
-                    <a:bodyPr/>
-                    <a:lstStyle/>
-                    <a:p>
-                      <a:pPr algn="ctr"/>
-                      <a:r>
-                        <a:rPr lang="it-IT" dirty="0" smtClean="0"/>
-                        <a:t>0</a:t>
-                      </a:r>
-                      <a:endParaRPr lang="it-IT" dirty="0"/>
-                    </a:p>
-                  </a:txBody>
-                  <a:tcPr/>
-                </a:tc>
-                <a:tc>
-                  <a:txBody>
-                    <a:bodyPr/>
-                    <a:lstStyle/>
-                    <a:p>
-                      <a:pPr algn="ctr"/>
-                      <a:r>
-                        <a:rPr lang="it-IT" dirty="0" smtClean="0"/>
-                        <a:t>0</a:t>
-                      </a:r>
-                      <a:endParaRPr lang="it-IT" dirty="0"/>
-                    </a:p>
-                  </a:txBody>
-                  <a:tcPr/>
-                </a:tc>
-                <a:tc>
-                  <a:txBody>
-                    <a:bodyPr/>
-                    <a:lstStyle/>
-                    <a:p>
-                      <a:pPr algn="ctr"/>
-                      <a:endParaRPr lang="it-IT" dirty="0"/>
-                    </a:p>
-                  </a:txBody>
-                  <a:tcPr/>
-                </a:tc>
-                <a:tc>
-                  <a:txBody>
-                    <a:bodyPr/>
-                    <a:lstStyle/>
-                    <a:p>
-                      <a:pPr algn="ctr"/>
-                      <a:endParaRPr lang="it-IT" dirty="0"/>
-                    </a:p>
-                  </a:txBody>
-                  <a:tcPr/>
-                </a:tc>
-                <a:tc>
-                  <a:txBody>
-                    <a:bodyPr/>
-                    <a:lstStyle/>
-                    <a:p>
-                      <a:pPr algn="ctr"/>
-                      <a:endParaRPr lang="it-IT" dirty="0"/>
+                      <a:endParaRPr lang="it-IT" sz="1600" dirty="0"/>
+                    </a:p>
+                  </a:txBody>
+                  <a:tcPr/>
+                </a:tc>
+                <a:tc>
+                  <a:txBody>
+                    <a:bodyPr/>
+                    <a:lstStyle/>
+                    <a:p>
+                      <a:pPr marL="0" marR="0" indent="0" algn="ctr" defTabSz="457200" rtl="0" eaLnBrk="1" fontAlgn="auto" latinLnBrk="0" hangingPunct="1">
+                        <a:lnSpc>
+                          <a:spcPct val="100000"/>
+                        </a:lnSpc>
+                        <a:spcBef>
+                          <a:spcPts val="0"/>
+                        </a:spcBef>
+                        <a:spcAft>
+                          <a:spcPts val="0"/>
+                        </a:spcAft>
+                        <a:buClrTx/>
+                        <a:buSzTx/>
+                        <a:buFontTx/>
+                        <a:buNone/>
+                        <a:tabLst/>
+                        <a:defRPr/>
+                      </a:pPr>
+                      <a:r>
+                        <a:rPr lang="it-IT" sz="1600" dirty="0" smtClean="0"/>
+                        <a:t>28.743s</a:t>
+                      </a:r>
+                    </a:p>
+                    <a:p>
+                      <a:pPr algn="ctr"/>
+                      <a:r>
+                        <a:rPr lang="it-IT" sz="1600" dirty="0" smtClean="0"/>
+                        <a:t>19.56s</a:t>
+                      </a:r>
+                      <a:endParaRPr lang="it-IT" sz="1600" dirty="0"/>
+                    </a:p>
+                  </a:txBody>
+                  <a:tcPr/>
+                </a:tc>
+                <a:tc>
+                  <a:txBody>
+                    <a:bodyPr/>
+                    <a:lstStyle/>
+                    <a:p>
+                      <a:pPr algn="ctr"/>
+                      <a:r>
+                        <a:rPr lang="it-IT" sz="1600" dirty="0" smtClean="0"/>
+                        <a:t>42.496s</a:t>
+                      </a:r>
+                    </a:p>
+                    <a:p>
+                      <a:pPr algn="ctr"/>
+                      <a:r>
+                        <a:rPr lang="it-IT" sz="1600" dirty="0" smtClean="0"/>
+                        <a:t>39.821s</a:t>
+                      </a:r>
+                      <a:endParaRPr lang="it-IT" sz="1600" dirty="0"/>
+                    </a:p>
+                  </a:txBody>
+                  <a:tcPr/>
+                </a:tc>
+                <a:tc>
+                  <a:txBody>
+                    <a:bodyPr/>
+                    <a:lstStyle/>
+                    <a:p>
+                      <a:pPr algn="ctr"/>
+                      <a:r>
+                        <a:rPr lang="it-IT" sz="1600" dirty="0" smtClean="0"/>
+                        <a:t>131.595s</a:t>
+                      </a:r>
+                    </a:p>
+                    <a:p>
+                      <a:pPr algn="ctr"/>
+                      <a:r>
+                        <a:rPr lang="it-IT" sz="1600" dirty="0" smtClean="0"/>
+                        <a:t>118.379s</a:t>
+                      </a:r>
+                      <a:endParaRPr lang="it-IT" sz="1600" dirty="0"/>
                     </a:p>
                   </a:txBody>
                   <a:tcPr/>
@@ -7084,7 +7232,7 @@
                     <a:p>
                       <a:pPr algn="ctr"/>
                       <a:r>
-                        <a:rPr lang="it-IT" dirty="0" smtClean="0"/>
+                        <a:rPr lang="it-IT" sz="1600" dirty="0" smtClean="0"/>
                         <a:t>10</a:t>
                       </a:r>
                     </a:p>
@@ -7098,88 +7246,106 @@
                     <a:p>
                       <a:pPr algn="ctr"/>
                       <a:r>
-                        <a:rPr lang="it-IT" dirty="0" smtClean="0"/>
+                        <a:rPr lang="it-IT" sz="1600" dirty="0" smtClean="0"/>
                         <a:t>0</a:t>
                       </a:r>
-                      <a:endParaRPr lang="it-IT" dirty="0"/>
-                    </a:p>
-                  </a:txBody>
-                  <a:tcPr/>
-                </a:tc>
-                <a:tc>
-                  <a:txBody>
-                    <a:bodyPr/>
-                    <a:lstStyle/>
-                    <a:p>
-                      <a:pPr algn="ctr"/>
-                      <a:r>
-                        <a:rPr lang="it-IT" dirty="0" smtClean="0"/>
+                      <a:endParaRPr lang="it-IT" sz="1600" dirty="0"/>
+                    </a:p>
+                  </a:txBody>
+                  <a:tcPr/>
+                </a:tc>
+                <a:tc>
+                  <a:txBody>
+                    <a:bodyPr/>
+                    <a:lstStyle/>
+                    <a:p>
+                      <a:pPr algn="ctr"/>
+                      <a:r>
+                        <a:rPr lang="it-IT" sz="1600" dirty="0" smtClean="0"/>
+                        <a:t>0</a:t>
+                      </a:r>
+                      <a:endParaRPr lang="it-IT" sz="1600" dirty="0"/>
+                    </a:p>
+                  </a:txBody>
+                  <a:tcPr/>
+                </a:tc>
+                <a:tc>
+                  <a:txBody>
+                    <a:bodyPr/>
+                    <a:lstStyle/>
+                    <a:p>
+                      <a:pPr algn="ctr"/>
+                      <a:r>
+                        <a:rPr lang="it-IT" sz="1600" dirty="0" smtClean="0"/>
                         <a:t>100</a:t>
                       </a:r>
-                      <a:endParaRPr lang="it-IT" dirty="0"/>
-                    </a:p>
-                  </a:txBody>
-                  <a:tcPr/>
-                </a:tc>
-                <a:tc>
-                  <a:txBody>
-                    <a:bodyPr/>
-                    <a:lstStyle/>
-                    <a:p>
-                      <a:pPr algn="ctr"/>
-                      <a:r>
-                        <a:rPr lang="it-IT" dirty="0" smtClean="0"/>
-                        <a:t>0</a:t>
-                      </a:r>
-                      <a:endParaRPr lang="it-IT" dirty="0"/>
-                    </a:p>
-                  </a:txBody>
-                  <a:tcPr/>
-                </a:tc>
-                <a:tc>
-                  <a:txBody>
-                    <a:bodyPr/>
-                    <a:lstStyle/>
-                    <a:p>
-                      <a:pPr algn="ctr"/>
-                      <a:r>
-                        <a:rPr lang="it-IT" dirty="0" smtClean="0"/>
-                        <a:t>0</a:t>
-                      </a:r>
-                      <a:endParaRPr lang="it-IT" dirty="0"/>
-                    </a:p>
-                  </a:txBody>
-                  <a:tcPr/>
-                </a:tc>
-                <a:tc>
-                  <a:txBody>
-                    <a:bodyPr/>
-                    <a:lstStyle/>
-                    <a:p>
-                      <a:pPr algn="ctr"/>
-                      <a:endParaRPr lang="it-IT" dirty="0"/>
-                    </a:p>
-                  </a:txBody>
-                  <a:tcPr/>
-                </a:tc>
-                <a:tc>
-                  <a:txBody>
-                    <a:bodyPr/>
-                    <a:lstStyle/>
-                    <a:p>
-                      <a:pPr algn="ctr"/>
-                      <a:endParaRPr lang="it-IT" dirty="0"/>
-                    </a:p>
-                  </a:txBody>
-                  <a:tcPr/>
-                </a:tc>
-                <a:tc>
-                  <a:txBody>
-                    <a:bodyPr/>
-                    <a:lstStyle/>
-                    <a:p>
-                      <a:pPr algn="ctr"/>
-                      <a:endParaRPr lang="it-IT" dirty="0"/>
+                      <a:endParaRPr lang="it-IT" sz="1600" dirty="0"/>
+                    </a:p>
+                  </a:txBody>
+                  <a:tcPr/>
+                </a:tc>
+                <a:tc>
+                  <a:txBody>
+                    <a:bodyPr/>
+                    <a:lstStyle/>
+                    <a:p>
+                      <a:pPr algn="ctr"/>
+                      <a:r>
+                        <a:rPr lang="it-IT" sz="1600" dirty="0" smtClean="0"/>
+                        <a:t>14.819s</a:t>
+                      </a:r>
+                    </a:p>
+                    <a:p>
+                      <a:pPr algn="ctr"/>
+                      <a:r>
+                        <a:rPr lang="it-IT" sz="1600" dirty="0" smtClean="0"/>
+                        <a:t>12.78s</a:t>
+                      </a:r>
+                      <a:endParaRPr lang="it-IT" sz="1600" dirty="0"/>
+                    </a:p>
+                  </a:txBody>
+                  <a:tcPr/>
+                </a:tc>
+                <a:tc>
+                  <a:txBody>
+                    <a:bodyPr/>
+                    <a:lstStyle/>
+                    <a:p>
+                      <a:pPr algn="ctr"/>
+                      <a:r>
+                        <a:rPr lang="it-IT" sz="1600" dirty="0" smtClean="0"/>
+                        <a:t>33.873s</a:t>
+                      </a:r>
+                    </a:p>
+                    <a:p>
+                      <a:pPr algn="ctr"/>
+                      <a:r>
+                        <a:rPr lang="it-IT" sz="1600" dirty="0" smtClean="0"/>
+                        <a:t>30.268s</a:t>
+                      </a:r>
+                      <a:endParaRPr lang="it-IT" sz="1600" dirty="0"/>
+                    </a:p>
+                  </a:txBody>
+                  <a:tcPr/>
+                </a:tc>
+                <a:tc>
+                  <a:txBody>
+                    <a:bodyPr/>
+                    <a:lstStyle/>
+                    <a:p>
+                      <a:pPr algn="ctr"/>
+                      <a:r>
+                        <a:rPr lang="it-IT" sz="1600" dirty="0" smtClean="0"/>
+                        <a:t>129.653s</a:t>
+                      </a:r>
+                    </a:p>
+                    <a:p>
+                      <a:pPr algn="ctr"/>
+                      <a:r>
+                        <a:rPr lang="it-IT" sz="1600" dirty="0" smtClean="0"/>
+                        <a:t>119.936s</a:t>
+                      </a:r>
+                      <a:endParaRPr lang="it-IT" sz="1600" dirty="0"/>
                     </a:p>
                   </a:txBody>
                   <a:tcPr/>
@@ -7193,7 +7359,7 @@
                     <a:p>
                       <a:pPr algn="ctr"/>
                       <a:r>
-                        <a:rPr lang="it-IT" dirty="0" smtClean="0"/>
+                        <a:rPr lang="it-IT" sz="1600" dirty="0" smtClean="0"/>
                         <a:t>10</a:t>
                       </a:r>
                     </a:p>
@@ -7207,88 +7373,106 @@
                     <a:p>
                       <a:pPr algn="ctr"/>
                       <a:r>
-                        <a:rPr lang="it-IT" dirty="0" smtClean="0"/>
-                        <a:t>0</a:t>
-                      </a:r>
-                      <a:endParaRPr lang="it-IT" dirty="0"/>
-                    </a:p>
-                  </a:txBody>
-                  <a:tcPr/>
-                </a:tc>
-                <a:tc>
-                  <a:txBody>
-                    <a:bodyPr/>
-                    <a:lstStyle/>
-                    <a:p>
-                      <a:pPr algn="ctr"/>
-                      <a:r>
-                        <a:rPr lang="it-IT" dirty="0" smtClean="0"/>
-                        <a:t>0</a:t>
-                      </a:r>
-                      <a:endParaRPr lang="it-IT" dirty="0"/>
-                    </a:p>
-                  </a:txBody>
-                  <a:tcPr/>
-                </a:tc>
-                <a:tc>
-                  <a:txBody>
-                    <a:bodyPr/>
-                    <a:lstStyle/>
-                    <a:p>
-                      <a:pPr algn="ctr"/>
-                      <a:r>
-                        <a:rPr lang="it-IT" dirty="0" smtClean="0"/>
-                        <a:t>0</a:t>
-                      </a:r>
-                      <a:endParaRPr lang="it-IT" dirty="0"/>
-                    </a:p>
-                  </a:txBody>
-                  <a:tcPr/>
-                </a:tc>
-                <a:tc>
-                  <a:txBody>
-                    <a:bodyPr/>
-                    <a:lstStyle/>
-                    <a:p>
-                      <a:pPr algn="ctr"/>
-                      <a:r>
-                        <a:rPr lang="it-IT" dirty="0" smtClean="0"/>
-                        <a:t>100</a:t>
-                      </a:r>
-                      <a:endParaRPr lang="it-IT" dirty="0"/>
-                    </a:p>
-                  </a:txBody>
-                  <a:tcPr/>
-                </a:tc>
-                <a:tc>
-                  <a:txBody>
-                    <a:bodyPr/>
-                    <a:lstStyle/>
-                    <a:p>
-                      <a:pPr algn="ctr"/>
-                      <a:endParaRPr lang="it-IT"/>
-                    </a:p>
-                  </a:txBody>
-                  <a:tcPr/>
-                </a:tc>
-                <a:tc>
-                  <a:txBody>
-                    <a:bodyPr/>
-                    <a:lstStyle/>
-                    <a:p>
-                      <a:pPr algn="ctr"/>
-                      <a:endParaRPr lang="it-IT" dirty="0"/>
-                    </a:p>
-                  </a:txBody>
-                  <a:tcPr/>
-                </a:tc>
-                <a:tc>
-                  <a:txBody>
-                    <a:bodyPr/>
-                    <a:lstStyle/>
-                    <a:p>
-                      <a:pPr algn="ctr"/>
-                      <a:endParaRPr lang="it-IT" dirty="0"/>
+                        <a:rPr lang="it-IT" sz="1600" dirty="0" smtClean="0"/>
+                        <a:t>50</a:t>
+                      </a:r>
+                      <a:endParaRPr lang="it-IT" sz="1600" dirty="0"/>
+                    </a:p>
+                  </a:txBody>
+                  <a:tcPr/>
+                </a:tc>
+                <a:tc>
+                  <a:txBody>
+                    <a:bodyPr/>
+                    <a:lstStyle/>
+                    <a:p>
+                      <a:pPr algn="ctr"/>
+                      <a:r>
+                        <a:rPr lang="it-IT" sz="1600" dirty="0" smtClean="0"/>
+                        <a:t>50</a:t>
+                      </a:r>
+                      <a:endParaRPr lang="it-IT" sz="1600" dirty="0"/>
+                    </a:p>
+                  </a:txBody>
+                  <a:tcPr/>
+                </a:tc>
+                <a:tc>
+                  <a:txBody>
+                    <a:bodyPr/>
+                    <a:lstStyle/>
+                    <a:p>
+                      <a:pPr algn="ctr"/>
+                      <a:r>
+                        <a:rPr lang="it-IT" sz="1600" dirty="0" smtClean="0"/>
+                        <a:t>50</a:t>
+                      </a:r>
+                      <a:endParaRPr lang="it-IT" sz="1600" dirty="0"/>
+                    </a:p>
+                  </a:txBody>
+                  <a:tcPr/>
+                </a:tc>
+                <a:tc>
+                  <a:txBody>
+                    <a:bodyPr/>
+                    <a:lstStyle/>
+                    <a:p>
+                      <a:pPr algn="ctr"/>
+                      <a:r>
+                        <a:rPr lang="it-IT" sz="1600" dirty="0" smtClean="0"/>
+                        <a:t>28.313s</a:t>
+                      </a:r>
+                    </a:p>
+                    <a:p>
+                      <a:pPr algn="ctr"/>
+                      <a:r>
+                        <a:rPr lang="it-IT" sz="1600" dirty="0" smtClean="0"/>
+                        <a:t>27.027s</a:t>
+                      </a:r>
+                      <a:endParaRPr lang="it-IT" sz="1600" dirty="0"/>
+                    </a:p>
+                  </a:txBody>
+                  <a:tcPr/>
+                </a:tc>
+                <a:tc>
+                  <a:txBody>
+                    <a:bodyPr/>
+                    <a:lstStyle/>
+                    <a:p>
+                      <a:pPr algn="ctr"/>
+                      <a:r>
+                        <a:rPr lang="it-IT" sz="1600" dirty="0" smtClean="0"/>
+                        <a:t>39.474s</a:t>
+                      </a:r>
+                    </a:p>
+                    <a:p>
+                      <a:pPr algn="ctr"/>
+                      <a:r>
+                        <a:rPr lang="it-IT" sz="1600" dirty="0" smtClean="0"/>
+                        <a:t>43.31s</a:t>
+                      </a:r>
+                      <a:endParaRPr lang="it-IT" sz="1600" dirty="0"/>
+                    </a:p>
+                  </a:txBody>
+                  <a:tcPr/>
+                </a:tc>
+                <a:tc>
+                  <a:txBody>
+                    <a:bodyPr/>
+                    <a:lstStyle/>
+                    <a:p>
+                      <a:pPr algn="ctr"/>
+                      <a:r>
+                        <a:rPr lang="it-IT" sz="1600" dirty="0" smtClean="0"/>
+                        <a:t>130.743s</a:t>
+                      </a:r>
+                    </a:p>
+                    <a:p>
+                      <a:pPr algn="ctr"/>
+                      <a:r>
+                        <a:rPr lang="it-IT" sz="1600" dirty="0" smtClean="0"/>
+                        <a:t>115.888s</a:t>
+                      </a:r>
+                      <a:endParaRPr lang="it-IT" sz="1600" dirty="0"/>
                     </a:p>
                   </a:txBody>
                   <a:tcPr/>
@@ -7302,7 +7486,7 @@
                     <a:p>
                       <a:pPr algn="ctr"/>
                       <a:r>
-                        <a:rPr lang="it-IT" dirty="0" smtClean="0"/>
+                        <a:rPr lang="it-IT" sz="1600" dirty="0" smtClean="0"/>
                         <a:t>10</a:t>
                       </a:r>
                     </a:p>
@@ -7316,197 +7500,106 @@
                     <a:p>
                       <a:pPr algn="ctr"/>
                       <a:r>
-                        <a:rPr lang="it-IT" dirty="0" smtClean="0"/>
-                        <a:t>50</a:t>
-                      </a:r>
-                      <a:endParaRPr lang="it-IT" dirty="0"/>
-                    </a:p>
-                  </a:txBody>
-                  <a:tcPr/>
-                </a:tc>
-                <a:tc>
-                  <a:txBody>
-                    <a:bodyPr/>
-                    <a:lstStyle/>
-                    <a:p>
-                      <a:pPr algn="ctr"/>
-                      <a:r>
-                        <a:rPr lang="it-IT" dirty="0" smtClean="0"/>
-                        <a:t>50</a:t>
-                      </a:r>
-                      <a:endParaRPr lang="it-IT" dirty="0"/>
-                    </a:p>
-                  </a:txBody>
-                  <a:tcPr/>
-                </a:tc>
-                <a:tc>
-                  <a:txBody>
-                    <a:bodyPr/>
-                    <a:lstStyle/>
-                    <a:p>
-                      <a:pPr algn="ctr"/>
-                      <a:r>
-                        <a:rPr lang="it-IT" dirty="0" smtClean="0"/>
-                        <a:t>50</a:t>
-                      </a:r>
-                      <a:endParaRPr lang="it-IT" dirty="0"/>
-                    </a:p>
-                  </a:txBody>
-                  <a:tcPr/>
-                </a:tc>
-                <a:tc>
-                  <a:txBody>
-                    <a:bodyPr/>
-                    <a:lstStyle/>
-                    <a:p>
-                      <a:pPr algn="ctr"/>
-                      <a:r>
-                        <a:rPr lang="it-IT" dirty="0" smtClean="0"/>
-                        <a:t>50</a:t>
-                      </a:r>
-                      <a:endParaRPr lang="it-IT" dirty="0"/>
-                    </a:p>
-                  </a:txBody>
-                  <a:tcPr/>
-                </a:tc>
-                <a:tc>
-                  <a:txBody>
-                    <a:bodyPr/>
-                    <a:lstStyle/>
-                    <a:p>
-                      <a:pPr algn="ctr"/>
-                      <a:endParaRPr lang="it-IT"/>
-                    </a:p>
-                  </a:txBody>
-                  <a:tcPr/>
-                </a:tc>
-                <a:tc>
-                  <a:txBody>
-                    <a:bodyPr/>
-                    <a:lstStyle/>
-                    <a:p>
-                      <a:pPr algn="ctr"/>
-                      <a:endParaRPr lang="it-IT" dirty="0"/>
-                    </a:p>
-                  </a:txBody>
-                  <a:tcPr/>
-                </a:tc>
-                <a:tc>
-                  <a:txBody>
-                    <a:bodyPr/>
-                    <a:lstStyle/>
-                    <a:p>
-                      <a:pPr algn="ctr"/>
-                      <a:endParaRPr lang="it-IT" dirty="0"/>
-                    </a:p>
-                  </a:txBody>
-                  <a:tcPr/>
-                </a:tc>
-              </a:tr>
-              <a:tr h="444038">
-                <a:tc>
-                  <a:txBody>
-                    <a:bodyPr/>
-                    <a:lstStyle/>
-                    <a:p>
-                      <a:pPr algn="ctr"/>
-                      <a:r>
-                        <a:rPr lang="it-IT" dirty="0" smtClean="0"/>
-                        <a:t>10</a:t>
-                      </a:r>
-                    </a:p>
-                  </a:txBody>
-                  <a:tcPr/>
-                </a:tc>
-                <a:tc>
-                  <a:txBody>
-                    <a:bodyPr/>
-                    <a:lstStyle/>
-                    <a:p>
-                      <a:pPr algn="ctr"/>
-                      <a:r>
-                        <a:rPr lang="it-IT" dirty="0" smtClean="0"/>
+                        <a:rPr lang="it-IT" sz="1600" dirty="0" smtClean="0"/>
                         <a:t>100</a:t>
                       </a:r>
-                      <a:endParaRPr lang="it-IT" dirty="0"/>
-                    </a:p>
-                  </a:txBody>
-                  <a:tcPr/>
-                </a:tc>
-                <a:tc>
-                  <a:txBody>
-                    <a:bodyPr/>
-                    <a:lstStyle/>
-                    <a:p>
-                      <a:pPr algn="ctr"/>
-                      <a:r>
-                        <a:rPr lang="it-IT" dirty="0" smtClean="0"/>
+                      <a:endParaRPr lang="it-IT" sz="1600" dirty="0"/>
+                    </a:p>
+                  </a:txBody>
+                  <a:tcPr/>
+                </a:tc>
+                <a:tc>
+                  <a:txBody>
+                    <a:bodyPr/>
+                    <a:lstStyle/>
+                    <a:p>
+                      <a:pPr algn="ctr"/>
+                      <a:r>
+                        <a:rPr lang="it-IT" sz="1600" dirty="0" smtClean="0"/>
                         <a:t>100</a:t>
                       </a:r>
-                      <a:endParaRPr lang="it-IT" dirty="0"/>
-                    </a:p>
-                  </a:txBody>
-                  <a:tcPr/>
-                </a:tc>
-                <a:tc>
-                  <a:txBody>
-                    <a:bodyPr/>
-                    <a:lstStyle/>
-                    <a:p>
-                      <a:pPr algn="ctr"/>
-                      <a:r>
-                        <a:rPr lang="it-IT" dirty="0" smtClean="0"/>
+                      <a:endParaRPr lang="it-IT" sz="1600" dirty="0"/>
+                    </a:p>
+                  </a:txBody>
+                  <a:tcPr/>
+                </a:tc>
+                <a:tc>
+                  <a:txBody>
+                    <a:bodyPr/>
+                    <a:lstStyle/>
+                    <a:p>
+                      <a:pPr algn="ctr"/>
+                      <a:r>
+                        <a:rPr lang="it-IT" sz="1600" dirty="0" smtClean="0"/>
                         <a:t>100</a:t>
                       </a:r>
-                      <a:endParaRPr lang="it-IT" dirty="0"/>
-                    </a:p>
-                  </a:txBody>
-                  <a:tcPr/>
-                </a:tc>
-                <a:tc>
-                  <a:txBody>
-                    <a:bodyPr/>
-                    <a:lstStyle/>
-                    <a:p>
-                      <a:pPr algn="ctr"/>
-                      <a:r>
-                        <a:rPr lang="it-IT" dirty="0" smtClean="0"/>
-                        <a:t>100</a:t>
-                      </a:r>
-                      <a:endParaRPr lang="it-IT" dirty="0"/>
-                    </a:p>
-                  </a:txBody>
-                  <a:tcPr/>
-                </a:tc>
-                <a:tc>
-                  <a:txBody>
-                    <a:bodyPr/>
-                    <a:lstStyle/>
-                    <a:p>
-                      <a:pPr algn="ctr"/>
-                      <a:endParaRPr lang="it-IT"/>
-                    </a:p>
-                  </a:txBody>
-                  <a:tcPr/>
-                </a:tc>
-                <a:tc>
-                  <a:txBody>
-                    <a:bodyPr/>
-                    <a:lstStyle/>
-                    <a:p>
-                      <a:pPr algn="ctr"/>
-                      <a:endParaRPr lang="it-IT" dirty="0"/>
-                    </a:p>
-                  </a:txBody>
-                  <a:tcPr/>
-                </a:tc>
-                <a:tc>
-                  <a:txBody>
-                    <a:bodyPr/>
-                    <a:lstStyle/>
-                    <a:p>
-                      <a:pPr algn="ctr"/>
-                      <a:endParaRPr lang="it-IT" dirty="0"/>
+                      <a:endParaRPr lang="it-IT" sz="1600" dirty="0"/>
+                    </a:p>
+                  </a:txBody>
+                  <a:tcPr/>
+                </a:tc>
+                <a:tc>
+                  <a:txBody>
+                    <a:bodyPr/>
+                    <a:lstStyle/>
+                    <a:p>
+                      <a:pPr algn="ctr"/>
+                      <a:r>
+                        <a:rPr lang="it-IT" sz="1600" dirty="0" smtClean="0"/>
+                        <a:t>28.588s</a:t>
+                      </a:r>
+                    </a:p>
+                    <a:p>
+                      <a:pPr algn="ctr"/>
+                      <a:r>
+                        <a:rPr lang="it-IT" sz="1600" dirty="0" smtClean="0"/>
+                        <a:t>26.802s</a:t>
+                      </a:r>
+                      <a:endParaRPr lang="it-IT" sz="1600" dirty="0"/>
+                    </a:p>
+                  </a:txBody>
+                  <a:tcPr/>
+                </a:tc>
+                <a:tc>
+                  <a:txBody>
+                    <a:bodyPr/>
+                    <a:lstStyle/>
+                    <a:p>
+                      <a:pPr algn="ctr"/>
+                      <a:r>
+                        <a:rPr lang="it-IT" sz="1600" dirty="0" smtClean="0"/>
+                        <a:t>43.527s</a:t>
+                      </a:r>
+                    </a:p>
+                    <a:p>
+                      <a:pPr algn="ctr"/>
+                      <a:r>
+                        <a:rPr lang="it-IT" sz="1600" dirty="0" smtClean="0"/>
+                        <a:t>38.94s</a:t>
+                      </a:r>
+                      <a:endParaRPr lang="it-IT" sz="1600" dirty="0"/>
+                    </a:p>
+                  </a:txBody>
+                  <a:tcPr/>
+                </a:tc>
+                <a:tc>
+                  <a:txBody>
+                    <a:bodyPr/>
+                    <a:lstStyle/>
+                    <a:p>
+                      <a:pPr algn="ctr"/>
+                      <a:r>
+                        <a:rPr lang="it-IT" sz="1600" dirty="0" smtClean="0"/>
+                        <a:t>132.643s</a:t>
+                      </a:r>
+                    </a:p>
+                    <a:p>
+                      <a:pPr algn="ctr"/>
+                      <a:r>
+                        <a:rPr lang="it-IT" sz="1600" dirty="0" smtClean="0"/>
+                        <a:t>125.556s</a:t>
+                      </a:r>
+                      <a:endParaRPr lang="it-IT" sz="1600" dirty="0"/>
                     </a:p>
                   </a:txBody>
                   <a:tcPr/>
@@ -7520,6 +7613,219 @@
     <p:extLst>
       <p:ext uri="{BB962C8B-B14F-4D97-AF65-F5344CB8AC3E}">
         <p14:creationId xmlns:p14="http://schemas.microsoft.com/office/powerpoint/2010/main" val="195587343"/>
+      </p:ext>
+    </p:extLst>
+  </p:cSld>
+  <p:clrMapOvr>
+    <a:masterClrMapping/>
+  </p:clrMapOvr>
+</p:sld>
+</file>
+
+<file path=ppt/slides/slide16.xml><?xml version="1.0" encoding="utf-8"?>
+<p:sld xmlns:a="http://schemas.openxmlformats.org/drawingml/2006/main" xmlns:r="http://schemas.openxmlformats.org/officeDocument/2006/relationships" xmlns:p="http://schemas.openxmlformats.org/presentationml/2006/main">
+  <p:cSld>
+    <p:spTree>
+      <p:nvGrpSpPr>
+        <p:cNvPr id="1" name=""/>
+        <p:cNvGrpSpPr/>
+        <p:nvPr/>
+      </p:nvGrpSpPr>
+      <p:grpSpPr>
+        <a:xfrm>
+          <a:off x="0" y="0"/>
+          <a:ext cx="0" cy="0"/>
+          <a:chOff x="0" y="0"/>
+          <a:chExt cx="0" cy="0"/>
+        </a:xfrm>
+      </p:grpSpPr>
+      <p:sp>
+        <p:nvSpPr>
+          <p:cNvPr id="2" name="Titolo 1"/>
+          <p:cNvSpPr>
+            <a:spLocks noGrp="1"/>
+          </p:cNvSpPr>
+          <p:nvPr>
+            <p:ph type="title"/>
+          </p:nvPr>
+        </p:nvSpPr>
+        <p:spPr/>
+        <p:txBody>
+          <a:bodyPr/>
+          <a:lstStyle/>
+          <a:p>
+            <a:endParaRPr lang="en-US"/>
+          </a:p>
+        </p:txBody>
+      </p:sp>
+      <p:graphicFrame>
+        <p:nvGraphicFramePr>
+          <p:cNvPr id="5" name="Tabella 4"/>
+          <p:cNvGraphicFramePr>
+            <a:graphicFrameLocks noGrp="1"/>
+          </p:cNvGraphicFramePr>
+          <p:nvPr>
+            <p:extLst>
+              <p:ext uri="{D42A27DB-BD31-4B8C-83A1-F6EECF244321}">
+                <p14:modId xmlns:p14="http://schemas.microsoft.com/office/powerpoint/2010/main" val="1220795998"/>
+              </p:ext>
+            </p:extLst>
+          </p:nvPr>
+        </p:nvGraphicFramePr>
+        <p:xfrm>
+          <a:off x="1074835" y="2326374"/>
+          <a:ext cx="6096000" cy="2225040"/>
+        </p:xfrm>
+        <a:graphic>
+          <a:graphicData uri="http://schemas.openxmlformats.org/drawingml/2006/table">
+            <a:tbl>
+              <a:tblPr firstRow="1" bandRow="1">
+                <a:tableStyleId>{BDBED569-4797-4DF1-A0F4-6AAB3CD982D8}</a:tableStyleId>
+              </a:tblPr>
+              <a:tblGrid>
+                <a:gridCol w="3048000"/>
+                <a:gridCol w="3048000"/>
+              </a:tblGrid>
+              <a:tr h="370840">
+                <a:tc>
+                  <a:txBody>
+                    <a:bodyPr/>
+                    <a:lstStyle/>
+                    <a:p>
+                      <a:endParaRPr lang="en-US" dirty="0"/>
+                    </a:p>
+                  </a:txBody>
+                  <a:tcPr/>
+                </a:tc>
+                <a:tc>
+                  <a:txBody>
+                    <a:bodyPr/>
+                    <a:lstStyle/>
+                    <a:p>
+                      <a:endParaRPr lang="en-US"/>
+                    </a:p>
+                  </a:txBody>
+                  <a:tcPr/>
+                </a:tc>
+              </a:tr>
+              <a:tr h="370840">
+                <a:tc>
+                  <a:txBody>
+                    <a:bodyPr/>
+                    <a:lstStyle/>
+                    <a:p>
+                      <a:endParaRPr lang="en-US"/>
+                    </a:p>
+                  </a:txBody>
+                  <a:tcPr/>
+                </a:tc>
+                <a:tc>
+                  <a:txBody>
+                    <a:bodyPr/>
+                    <a:lstStyle/>
+                    <a:p>
+                      <a:endParaRPr lang="en-US"/>
+                    </a:p>
+                  </a:txBody>
+                  <a:tcPr/>
+                </a:tc>
+              </a:tr>
+              <a:tr h="370840">
+                <a:tc>
+                  <a:txBody>
+                    <a:bodyPr/>
+                    <a:lstStyle/>
+                    <a:p>
+                      <a:endParaRPr lang="en-US"/>
+                    </a:p>
+                  </a:txBody>
+                  <a:tcPr/>
+                </a:tc>
+                <a:tc>
+                  <a:txBody>
+                    <a:bodyPr/>
+                    <a:lstStyle/>
+                    <a:p>
+                      <a:endParaRPr lang="en-US"/>
+                    </a:p>
+                  </a:txBody>
+                  <a:tcPr/>
+                </a:tc>
+              </a:tr>
+              <a:tr h="370840">
+                <a:tc>
+                  <a:txBody>
+                    <a:bodyPr/>
+                    <a:lstStyle/>
+                    <a:p>
+                      <a:endParaRPr lang="en-US"/>
+                    </a:p>
+                  </a:txBody>
+                  <a:tcPr/>
+                </a:tc>
+                <a:tc>
+                  <a:txBody>
+                    <a:bodyPr/>
+                    <a:lstStyle/>
+                    <a:p>
+                      <a:endParaRPr lang="en-US"/>
+                    </a:p>
+                  </a:txBody>
+                  <a:tcPr/>
+                </a:tc>
+              </a:tr>
+              <a:tr h="370840">
+                <a:tc>
+                  <a:txBody>
+                    <a:bodyPr/>
+                    <a:lstStyle/>
+                    <a:p>
+                      <a:endParaRPr lang="en-US"/>
+                    </a:p>
+                  </a:txBody>
+                  <a:tcPr/>
+                </a:tc>
+                <a:tc>
+                  <a:txBody>
+                    <a:bodyPr/>
+                    <a:lstStyle/>
+                    <a:p>
+                      <a:endParaRPr lang="en-US"/>
+                    </a:p>
+                  </a:txBody>
+                  <a:tcPr/>
+                </a:tc>
+              </a:tr>
+              <a:tr h="370840">
+                <a:tc>
+                  <a:txBody>
+                    <a:bodyPr/>
+                    <a:lstStyle/>
+                    <a:p>
+                      <a:endParaRPr lang="en-US"/>
+                    </a:p>
+                  </a:txBody>
+                  <a:tcPr/>
+                </a:tc>
+                <a:tc>
+                  <a:txBody>
+                    <a:bodyPr/>
+                    <a:lstStyle/>
+                    <a:p>
+                      <a:endParaRPr lang="en-US" dirty="0"/>
+                    </a:p>
+                  </a:txBody>
+                  <a:tcPr/>
+                </a:tc>
+              </a:tr>
+            </a:tbl>
+          </a:graphicData>
+        </a:graphic>
+      </p:graphicFrame>
+    </p:spTree>
+    <p:extLst>
+      <p:ext uri="{BB962C8B-B14F-4D97-AF65-F5344CB8AC3E}">
+        <p14:creationId xmlns:p14="http://schemas.microsoft.com/office/powerpoint/2010/main" val="2552074045"/>
       </p:ext>
     </p:extLst>
   </p:cSld>
